--- a/ULI101-10.2.pptx
+++ b/ULI101-10.2.pptx
@@ -135,6 +135,501 @@
 </p:presentation>
 </file>
 
+<file path=ppt/revisionInfo.xml><?xml version="1.0" encoding="utf-8"?>
+<p1510:revInfo xmlns:a="http://schemas.openxmlformats.org/drawingml/2006/main" xmlns:r="http://schemas.openxmlformats.org/officeDocument/2006/relationships" xmlns:p1510="http://schemas.microsoft.com/office/powerpoint/2015/10/main">
+  <p1510:revLst>
+    <p1510:client id="{282EBC78-7CF3-1F4E-A8FF-ED58C808A47B}" v="337" dt="2023-03-22T14:19:45.858"/>
+  </p1510:revLst>
+</p1510:revInfo>
+</file>
+
+<file path=ppt/changesInfos/changesInfo1.xml><?xml version="1.0" encoding="utf-8"?>
+<pc:chgInfo xmlns:a="http://schemas.openxmlformats.org/drawingml/2006/main" xmlns:r="http://schemas.openxmlformats.org/officeDocument/2006/relationships" xmlns:ac="http://schemas.microsoft.com/office/drawing/2013/main/command" xmlns:pc="http://schemas.microsoft.com/office/powerpoint/2013/main/command">
+  <pc:docChgLst>
+    <pc:chgData name="Chris Johnson" userId="ff589efc-7bdb-4c2a-ab65-6fce12576f74" providerId="ADAL" clId="{49F85728-F651-2841-BA4D-C4D12932DF6D}"/>
+    <pc:docChg chg="undo custSel modSld">
+      <pc:chgData name="Chris Johnson" userId="ff589efc-7bdb-4c2a-ab65-6fce12576f74" providerId="ADAL" clId="{49F85728-F651-2841-BA4D-C4D12932DF6D}" dt="2022-11-17T21:39:52.064" v="118" actId="20577"/>
+      <pc:docMkLst>
+        <pc:docMk/>
+      </pc:docMkLst>
+      <pc:sldChg chg="modSp mod">
+        <pc:chgData name="Chris Johnson" userId="ff589efc-7bdb-4c2a-ab65-6fce12576f74" providerId="ADAL" clId="{49F85728-F651-2841-BA4D-C4D12932DF6D}" dt="2022-11-17T20:21:20.263" v="21" actId="1035"/>
+        <pc:sldMkLst>
+          <pc:docMk/>
+          <pc:sldMk cId="2368654345" sldId="351"/>
+        </pc:sldMkLst>
+        <pc:spChg chg="mod">
+          <ac:chgData name="Chris Johnson" userId="ff589efc-7bdb-4c2a-ab65-6fce12576f74" providerId="ADAL" clId="{49F85728-F651-2841-BA4D-C4D12932DF6D}" dt="2022-11-17T20:21:20.263" v="21" actId="1035"/>
+          <ac:spMkLst>
+            <pc:docMk/>
+            <pc:sldMk cId="2368654345" sldId="351"/>
+            <ac:spMk id="2" creationId="{1AF487AF-3253-5F42-B599-57667778EABD}"/>
+          </ac:spMkLst>
+        </pc:spChg>
+      </pc:sldChg>
+      <pc:sldChg chg="modSp mod modAnim">
+        <pc:chgData name="Chris Johnson" userId="ff589efc-7bdb-4c2a-ab65-6fce12576f74" providerId="ADAL" clId="{49F85728-F651-2841-BA4D-C4D12932DF6D}" dt="2022-11-17T20:23:10.297" v="97" actId="20577"/>
+        <pc:sldMkLst>
+          <pc:docMk/>
+          <pc:sldMk cId="2024738197" sldId="451"/>
+        </pc:sldMkLst>
+        <pc:spChg chg="mod">
+          <ac:chgData name="Chris Johnson" userId="ff589efc-7bdb-4c2a-ab65-6fce12576f74" providerId="ADAL" clId="{49F85728-F651-2841-BA4D-C4D12932DF6D}" dt="2022-11-17T20:23:10.297" v="97" actId="20577"/>
+          <ac:spMkLst>
+            <pc:docMk/>
+            <pc:sldMk cId="2024738197" sldId="451"/>
+            <ac:spMk id="3" creationId="{99DF4C7A-3854-7B4B-8D4F-4AD959A565DC}"/>
+          </ac:spMkLst>
+        </pc:spChg>
+      </pc:sldChg>
+      <pc:sldChg chg="modSp mod">
+        <pc:chgData name="Chris Johnson" userId="ff589efc-7bdb-4c2a-ab65-6fce12576f74" providerId="ADAL" clId="{49F85728-F651-2841-BA4D-C4D12932DF6D}" dt="2022-11-17T21:39:52.064" v="118" actId="20577"/>
+        <pc:sldMkLst>
+          <pc:docMk/>
+          <pc:sldMk cId="351190455" sldId="473"/>
+        </pc:sldMkLst>
+        <pc:spChg chg="mod">
+          <ac:chgData name="Chris Johnson" userId="ff589efc-7bdb-4c2a-ab65-6fce12576f74" providerId="ADAL" clId="{49F85728-F651-2841-BA4D-C4D12932DF6D}" dt="2022-11-17T21:39:52.064" v="118" actId="20577"/>
+          <ac:spMkLst>
+            <pc:docMk/>
+            <pc:sldMk cId="351190455" sldId="473"/>
+            <ac:spMk id="3" creationId="{99DF4C7A-3854-7B4B-8D4F-4AD959A565DC}"/>
+          </ac:spMkLst>
+        </pc:spChg>
+      </pc:sldChg>
+      <pc:sldChg chg="modSp mod modAnim">
+        <pc:chgData name="Chris Johnson" userId="ff589efc-7bdb-4c2a-ab65-6fce12576f74" providerId="ADAL" clId="{49F85728-F651-2841-BA4D-C4D12932DF6D}" dt="2022-11-17T20:22:13.237" v="54" actId="20577"/>
+        <pc:sldMkLst>
+          <pc:docMk/>
+          <pc:sldMk cId="4256242937" sldId="475"/>
+        </pc:sldMkLst>
+        <pc:spChg chg="mod">
+          <ac:chgData name="Chris Johnson" userId="ff589efc-7bdb-4c2a-ab65-6fce12576f74" providerId="ADAL" clId="{49F85728-F651-2841-BA4D-C4D12932DF6D}" dt="2022-11-17T20:22:13.237" v="54" actId="20577"/>
+          <ac:spMkLst>
+            <pc:docMk/>
+            <pc:sldMk cId="4256242937" sldId="475"/>
+            <ac:spMk id="3" creationId="{99DF4C7A-3854-7B4B-8D4F-4AD959A565DC}"/>
+          </ac:spMkLst>
+        </pc:spChg>
+      </pc:sldChg>
+      <pc:sldChg chg="modSp mod modAnim">
+        <pc:chgData name="Chris Johnson" userId="ff589efc-7bdb-4c2a-ab65-6fce12576f74" providerId="ADAL" clId="{49F85728-F651-2841-BA4D-C4D12932DF6D}" dt="2022-11-17T20:22:40.099" v="75" actId="27636"/>
+        <pc:sldMkLst>
+          <pc:docMk/>
+          <pc:sldMk cId="3951370171" sldId="477"/>
+        </pc:sldMkLst>
+        <pc:spChg chg="mod">
+          <ac:chgData name="Chris Johnson" userId="ff589efc-7bdb-4c2a-ab65-6fce12576f74" providerId="ADAL" clId="{49F85728-F651-2841-BA4D-C4D12932DF6D}" dt="2022-11-17T20:22:40.099" v="75" actId="27636"/>
+          <ac:spMkLst>
+            <pc:docMk/>
+            <pc:sldMk cId="3951370171" sldId="477"/>
+            <ac:spMk id="3" creationId="{99DF4C7A-3854-7B4B-8D4F-4AD959A565DC}"/>
+          </ac:spMkLst>
+        </pc:spChg>
+      </pc:sldChg>
+    </pc:docChg>
+  </pc:docChgLst>
+  <pc:docChgLst>
+    <pc:chgData name="Chris Johnson" userId="ff589efc-7bdb-4c2a-ab65-6fce12576f74" providerId="ADAL" clId="{282EBC78-7CF3-1F4E-A8FF-ED58C808A47B}"/>
+    <pc:docChg chg="undo custSel modSld">
+      <pc:chgData name="Chris Johnson" userId="ff589efc-7bdb-4c2a-ab65-6fce12576f74" providerId="ADAL" clId="{282EBC78-7CF3-1F4E-A8FF-ED58C808A47B}" dt="2023-03-22T14:19:45.858" v="503" actId="6549"/>
+      <pc:docMkLst>
+        <pc:docMk/>
+      </pc:docMkLst>
+      <pc:sldChg chg="modSp modAnim">
+        <pc:chgData name="Chris Johnson" userId="ff589efc-7bdb-4c2a-ab65-6fce12576f74" providerId="ADAL" clId="{282EBC78-7CF3-1F4E-A8FF-ED58C808A47B}" dt="2023-03-22T14:19:45.858" v="503" actId="6549"/>
+        <pc:sldMkLst>
+          <pc:docMk/>
+          <pc:sldMk cId="1904981364" sldId="352"/>
+        </pc:sldMkLst>
+        <pc:spChg chg="mod">
+          <ac:chgData name="Chris Johnson" userId="ff589efc-7bdb-4c2a-ab65-6fce12576f74" providerId="ADAL" clId="{282EBC78-7CF3-1F4E-A8FF-ED58C808A47B}" dt="2023-03-22T14:19:45.858" v="503" actId="6549"/>
+          <ac:spMkLst>
+            <pc:docMk/>
+            <pc:sldMk cId="1904981364" sldId="352"/>
+            <ac:spMk id="3" creationId="{99DF4C7A-3854-7B4B-8D4F-4AD959A565DC}"/>
+          </ac:spMkLst>
+        </pc:spChg>
+      </pc:sldChg>
+      <pc:sldChg chg="modSp mod">
+        <pc:chgData name="Chris Johnson" userId="ff589efc-7bdb-4c2a-ab65-6fce12576f74" providerId="ADAL" clId="{282EBC78-7CF3-1F4E-A8FF-ED58C808A47B}" dt="2023-03-22T14:19:28.136" v="492" actId="20577"/>
+        <pc:sldMkLst>
+          <pc:docMk/>
+          <pc:sldMk cId="3498601142" sldId="387"/>
+        </pc:sldMkLst>
+        <pc:spChg chg="mod">
+          <ac:chgData name="Chris Johnson" userId="ff589efc-7bdb-4c2a-ab65-6fce12576f74" providerId="ADAL" clId="{282EBC78-7CF3-1F4E-A8FF-ED58C808A47B}" dt="2023-03-22T14:19:28.136" v="492" actId="20577"/>
+          <ac:spMkLst>
+            <pc:docMk/>
+            <pc:sldMk cId="3498601142" sldId="387"/>
+            <ac:spMk id="3" creationId="{99DF4C7A-3854-7B4B-8D4F-4AD959A565DC}"/>
+          </ac:spMkLst>
+        </pc:spChg>
+      </pc:sldChg>
+      <pc:sldChg chg="modSp mod modAnim">
+        <pc:chgData name="Chris Johnson" userId="ff589efc-7bdb-4c2a-ab65-6fce12576f74" providerId="ADAL" clId="{282EBC78-7CF3-1F4E-A8FF-ED58C808A47B}" dt="2023-03-22T14:07:52.693" v="25" actId="6549"/>
+        <pc:sldMkLst>
+          <pc:docMk/>
+          <pc:sldMk cId="3769600259" sldId="419"/>
+        </pc:sldMkLst>
+        <pc:spChg chg="mod">
+          <ac:chgData name="Chris Johnson" userId="ff589efc-7bdb-4c2a-ab65-6fce12576f74" providerId="ADAL" clId="{282EBC78-7CF3-1F4E-A8FF-ED58C808A47B}" dt="2023-03-22T14:07:52.693" v="25" actId="6549"/>
+          <ac:spMkLst>
+            <pc:docMk/>
+            <pc:sldMk cId="3769600259" sldId="419"/>
+            <ac:spMk id="3" creationId="{99DF4C7A-3854-7B4B-8D4F-4AD959A565DC}"/>
+          </ac:spMkLst>
+        </pc:spChg>
+      </pc:sldChg>
+      <pc:sldChg chg="modSp mod modAnim">
+        <pc:chgData name="Chris Johnson" userId="ff589efc-7bdb-4c2a-ab65-6fce12576f74" providerId="ADAL" clId="{282EBC78-7CF3-1F4E-A8FF-ED58C808A47B}" dt="2023-03-22T14:08:51.242" v="64" actId="20577"/>
+        <pc:sldMkLst>
+          <pc:docMk/>
+          <pc:sldMk cId="4182747496" sldId="446"/>
+        </pc:sldMkLst>
+        <pc:spChg chg="mod">
+          <ac:chgData name="Chris Johnson" userId="ff589efc-7bdb-4c2a-ab65-6fce12576f74" providerId="ADAL" clId="{282EBC78-7CF3-1F4E-A8FF-ED58C808A47B}" dt="2023-03-22T14:08:51.242" v="64" actId="20577"/>
+          <ac:spMkLst>
+            <pc:docMk/>
+            <pc:sldMk cId="4182747496" sldId="446"/>
+            <ac:spMk id="3" creationId="{99DF4C7A-3854-7B4B-8D4F-4AD959A565DC}"/>
+          </ac:spMkLst>
+        </pc:spChg>
+      </pc:sldChg>
+      <pc:sldChg chg="modSp mod modAnim">
+        <pc:chgData name="Chris Johnson" userId="ff589efc-7bdb-4c2a-ab65-6fce12576f74" providerId="ADAL" clId="{282EBC78-7CF3-1F4E-A8FF-ED58C808A47B}" dt="2023-03-22T14:12:02.041" v="190" actId="6549"/>
+        <pc:sldMkLst>
+          <pc:docMk/>
+          <pc:sldMk cId="2010526699" sldId="449"/>
+        </pc:sldMkLst>
+        <pc:spChg chg="mod">
+          <ac:chgData name="Chris Johnson" userId="ff589efc-7bdb-4c2a-ab65-6fce12576f74" providerId="ADAL" clId="{282EBC78-7CF3-1F4E-A8FF-ED58C808A47B}" dt="2023-03-22T14:12:02.041" v="190" actId="6549"/>
+          <ac:spMkLst>
+            <pc:docMk/>
+            <pc:sldMk cId="2010526699" sldId="449"/>
+            <ac:spMk id="3" creationId="{99DF4C7A-3854-7B4B-8D4F-4AD959A565DC}"/>
+          </ac:spMkLst>
+        </pc:spChg>
+      </pc:sldChg>
+      <pc:sldChg chg="modSp mod">
+        <pc:chgData name="Chris Johnson" userId="ff589efc-7bdb-4c2a-ab65-6fce12576f74" providerId="ADAL" clId="{282EBC78-7CF3-1F4E-A8FF-ED58C808A47B}" dt="2023-03-22T14:13:07.809" v="238" actId="20577"/>
+        <pc:sldMkLst>
+          <pc:docMk/>
+          <pc:sldMk cId="2024738197" sldId="451"/>
+        </pc:sldMkLst>
+        <pc:spChg chg="mod">
+          <ac:chgData name="Chris Johnson" userId="ff589efc-7bdb-4c2a-ab65-6fce12576f74" providerId="ADAL" clId="{282EBC78-7CF3-1F4E-A8FF-ED58C808A47B}" dt="2023-03-22T14:13:07.809" v="238" actId="20577"/>
+          <ac:spMkLst>
+            <pc:docMk/>
+            <pc:sldMk cId="2024738197" sldId="451"/>
+            <ac:spMk id="3" creationId="{99DF4C7A-3854-7B4B-8D4F-4AD959A565DC}"/>
+          </ac:spMkLst>
+        </pc:spChg>
+      </pc:sldChg>
+      <pc:sldChg chg="addSp delSp modSp mod addAnim delAnim modAnim">
+        <pc:chgData name="Chris Johnson" userId="ff589efc-7bdb-4c2a-ab65-6fce12576f74" providerId="ADAL" clId="{282EBC78-7CF3-1F4E-A8FF-ED58C808A47B}" dt="2023-03-22T14:17:16.034" v="405" actId="113"/>
+        <pc:sldMkLst>
+          <pc:docMk/>
+          <pc:sldMk cId="3373260701" sldId="455"/>
+        </pc:sldMkLst>
+        <pc:spChg chg="mod">
+          <ac:chgData name="Chris Johnson" userId="ff589efc-7bdb-4c2a-ab65-6fce12576f74" providerId="ADAL" clId="{282EBC78-7CF3-1F4E-A8FF-ED58C808A47B}" dt="2023-03-22T14:17:16.034" v="405" actId="113"/>
+          <ac:spMkLst>
+            <pc:docMk/>
+            <pc:sldMk cId="3373260701" sldId="455"/>
+            <ac:spMk id="3" creationId="{99DF4C7A-3854-7B4B-8D4F-4AD959A565DC}"/>
+          </ac:spMkLst>
+        </pc:spChg>
+        <pc:graphicFrameChg chg="add del mod modGraphic">
+          <ac:chgData name="Chris Johnson" userId="ff589efc-7bdb-4c2a-ab65-6fce12576f74" providerId="ADAL" clId="{282EBC78-7CF3-1F4E-A8FF-ED58C808A47B}" dt="2023-03-22T14:17:05.156" v="402" actId="3680"/>
+          <ac:graphicFrameMkLst>
+            <pc:docMk/>
+            <pc:sldMk cId="3373260701" sldId="455"/>
+            <ac:graphicFrameMk id="4" creationId="{62E1B7F8-DB6C-C72D-323B-EDFD9AE6AE5B}"/>
+          </ac:graphicFrameMkLst>
+        </pc:graphicFrameChg>
+      </pc:sldChg>
+      <pc:sldChg chg="addSp modSp mod modAnim">
+        <pc:chgData name="Chris Johnson" userId="ff589efc-7bdb-4c2a-ab65-6fce12576f74" providerId="ADAL" clId="{282EBC78-7CF3-1F4E-A8FF-ED58C808A47B}" dt="2023-03-22T14:19:10.355" v="474" actId="20577"/>
+        <pc:sldMkLst>
+          <pc:docMk/>
+          <pc:sldMk cId="2624641977" sldId="456"/>
+        </pc:sldMkLst>
+        <pc:spChg chg="mod">
+          <ac:chgData name="Chris Johnson" userId="ff589efc-7bdb-4c2a-ab65-6fce12576f74" providerId="ADAL" clId="{282EBC78-7CF3-1F4E-A8FF-ED58C808A47B}" dt="2023-03-22T14:17:50.367" v="425" actId="14100"/>
+          <ac:spMkLst>
+            <pc:docMk/>
+            <pc:sldMk cId="2624641977" sldId="456"/>
+            <ac:spMk id="3" creationId="{99DF4C7A-3854-7B4B-8D4F-4AD959A565DC}"/>
+          </ac:spMkLst>
+        </pc:spChg>
+        <pc:spChg chg="mod">
+          <ac:chgData name="Chris Johnson" userId="ff589efc-7bdb-4c2a-ab65-6fce12576f74" providerId="ADAL" clId="{282EBC78-7CF3-1F4E-A8FF-ED58C808A47B}" dt="2023-03-22T14:19:03.278" v="473" actId="1076"/>
+          <ac:spMkLst>
+            <pc:docMk/>
+            <pc:sldMk cId="2624641977" sldId="456"/>
+            <ac:spMk id="4" creationId="{23AEF3E4-5DCC-5F40-941C-15AA324D046A}"/>
+          </ac:spMkLst>
+        </pc:spChg>
+        <pc:spChg chg="add mod">
+          <ac:chgData name="Chris Johnson" userId="ff589efc-7bdb-4c2a-ab65-6fce12576f74" providerId="ADAL" clId="{282EBC78-7CF3-1F4E-A8FF-ED58C808A47B}" dt="2023-03-22T14:19:10.355" v="474" actId="20577"/>
+          <ac:spMkLst>
+            <pc:docMk/>
+            <pc:sldMk cId="2624641977" sldId="456"/>
+            <ac:spMk id="7" creationId="{AFEB6086-CBEB-A5BE-7AEF-55F8DB4D1A34}"/>
+          </ac:spMkLst>
+        </pc:spChg>
+        <pc:cxnChg chg="mod">
+          <ac:chgData name="Chris Johnson" userId="ff589efc-7bdb-4c2a-ab65-6fce12576f74" providerId="ADAL" clId="{282EBC78-7CF3-1F4E-A8FF-ED58C808A47B}" dt="2023-03-22T14:18:59.124" v="472" actId="1076"/>
+          <ac:cxnSpMkLst>
+            <pc:docMk/>
+            <pc:sldMk cId="2624641977" sldId="456"/>
+            <ac:cxnSpMk id="5" creationId="{C2203E02-ED95-F441-B243-0CAA67D20337}"/>
+          </ac:cxnSpMkLst>
+        </pc:cxnChg>
+      </pc:sldChg>
+      <pc:sldChg chg="modSp mod modAnim">
+        <pc:chgData name="Chris Johnson" userId="ff589efc-7bdb-4c2a-ab65-6fce12576f74" providerId="ADAL" clId="{282EBC78-7CF3-1F4E-A8FF-ED58C808A47B}" dt="2023-03-22T14:12:29.499" v="219" actId="1076"/>
+        <pc:sldMkLst>
+          <pc:docMk/>
+          <pc:sldMk cId="3323634514" sldId="459"/>
+        </pc:sldMkLst>
+        <pc:spChg chg="mod">
+          <ac:chgData name="Chris Johnson" userId="ff589efc-7bdb-4c2a-ab65-6fce12576f74" providerId="ADAL" clId="{282EBC78-7CF3-1F4E-A8FF-ED58C808A47B}" dt="2023-03-22T14:12:17.894" v="216" actId="6549"/>
+          <ac:spMkLst>
+            <pc:docMk/>
+            <pc:sldMk cId="3323634514" sldId="459"/>
+            <ac:spMk id="3" creationId="{99DF4C7A-3854-7B4B-8D4F-4AD959A565DC}"/>
+          </ac:spMkLst>
+        </pc:spChg>
+        <pc:spChg chg="mod">
+          <ac:chgData name="Chris Johnson" userId="ff589efc-7bdb-4c2a-ab65-6fce12576f74" providerId="ADAL" clId="{282EBC78-7CF3-1F4E-A8FF-ED58C808A47B}" dt="2023-03-22T14:12:29.499" v="219" actId="1076"/>
+          <ac:spMkLst>
+            <pc:docMk/>
+            <pc:sldMk cId="3323634514" sldId="459"/>
+            <ac:spMk id="5" creationId="{9C301692-18A0-BB4E-BBA6-52BEC38D3BC9}"/>
+          </ac:spMkLst>
+        </pc:spChg>
+      </pc:sldChg>
+      <pc:sldChg chg="modSp mod modAnim">
+        <pc:chgData name="Chris Johnson" userId="ff589efc-7bdb-4c2a-ab65-6fce12576f74" providerId="ADAL" clId="{282EBC78-7CF3-1F4E-A8FF-ED58C808A47B}" dt="2023-03-22T14:12:47.284" v="227" actId="1076"/>
+        <pc:sldMkLst>
+          <pc:docMk/>
+          <pc:sldMk cId="1561980221" sldId="462"/>
+        </pc:sldMkLst>
+        <pc:spChg chg="mod">
+          <ac:chgData name="Chris Johnson" userId="ff589efc-7bdb-4c2a-ab65-6fce12576f74" providerId="ADAL" clId="{282EBC78-7CF3-1F4E-A8FF-ED58C808A47B}" dt="2023-03-22T14:12:39.803" v="226" actId="20577"/>
+          <ac:spMkLst>
+            <pc:docMk/>
+            <pc:sldMk cId="1561980221" sldId="462"/>
+            <ac:spMk id="3" creationId="{99DF4C7A-3854-7B4B-8D4F-4AD959A565DC}"/>
+          </ac:spMkLst>
+        </pc:spChg>
+        <pc:spChg chg="mod">
+          <ac:chgData name="Chris Johnson" userId="ff589efc-7bdb-4c2a-ab65-6fce12576f74" providerId="ADAL" clId="{282EBC78-7CF3-1F4E-A8FF-ED58C808A47B}" dt="2023-03-22T14:12:47.284" v="227" actId="1076"/>
+          <ac:spMkLst>
+            <pc:docMk/>
+            <pc:sldMk cId="1561980221" sldId="462"/>
+            <ac:spMk id="5" creationId="{9C301692-18A0-BB4E-BBA6-52BEC38D3BC9}"/>
+          </ac:spMkLst>
+        </pc:spChg>
+      </pc:sldChg>
+      <pc:sldChg chg="modSp mod modAnim">
+        <pc:chgData name="Chris Johnson" userId="ff589efc-7bdb-4c2a-ab65-6fce12576f74" providerId="ADAL" clId="{282EBC78-7CF3-1F4E-A8FF-ED58C808A47B}" dt="2023-03-22T14:13:50.111" v="270" actId="1076"/>
+        <pc:sldMkLst>
+          <pc:docMk/>
+          <pc:sldMk cId="2547737495" sldId="463"/>
+        </pc:sldMkLst>
+        <pc:spChg chg="mod">
+          <ac:chgData name="Chris Johnson" userId="ff589efc-7bdb-4c2a-ab65-6fce12576f74" providerId="ADAL" clId="{282EBC78-7CF3-1F4E-A8FF-ED58C808A47B}" dt="2023-03-22T14:13:29.711" v="265" actId="6549"/>
+          <ac:spMkLst>
+            <pc:docMk/>
+            <pc:sldMk cId="2547737495" sldId="463"/>
+            <ac:spMk id="3" creationId="{99DF4C7A-3854-7B4B-8D4F-4AD959A565DC}"/>
+          </ac:spMkLst>
+        </pc:spChg>
+        <pc:spChg chg="mod">
+          <ac:chgData name="Chris Johnson" userId="ff589efc-7bdb-4c2a-ab65-6fce12576f74" providerId="ADAL" clId="{282EBC78-7CF3-1F4E-A8FF-ED58C808A47B}" dt="2023-03-22T14:13:50.111" v="270" actId="1076"/>
+          <ac:spMkLst>
+            <pc:docMk/>
+            <pc:sldMk cId="2547737495" sldId="463"/>
+            <ac:spMk id="5" creationId="{9C301692-18A0-BB4E-BBA6-52BEC38D3BC9}"/>
+          </ac:spMkLst>
+        </pc:spChg>
+        <pc:spChg chg="mod">
+          <ac:chgData name="Chris Johnson" userId="ff589efc-7bdb-4c2a-ab65-6fce12576f74" providerId="ADAL" clId="{282EBC78-7CF3-1F4E-A8FF-ED58C808A47B}" dt="2023-03-22T14:13:41.787" v="268" actId="1076"/>
+          <ac:spMkLst>
+            <pc:docMk/>
+            <pc:sldMk cId="2547737495" sldId="463"/>
+            <ac:spMk id="8" creationId="{10F8A3F6-0C76-1749-B3BE-298394180306}"/>
+          </ac:spMkLst>
+        </pc:spChg>
+        <pc:cxnChg chg="mod">
+          <ac:chgData name="Chris Johnson" userId="ff589efc-7bdb-4c2a-ab65-6fce12576f74" providerId="ADAL" clId="{282EBC78-7CF3-1F4E-A8FF-ED58C808A47B}" dt="2023-03-22T14:13:38.793" v="267" actId="1076"/>
+          <ac:cxnSpMkLst>
+            <pc:docMk/>
+            <pc:sldMk cId="2547737495" sldId="463"/>
+            <ac:cxnSpMk id="6" creationId="{77210C77-4C2B-5348-B5E3-6041A255682F}"/>
+          </ac:cxnSpMkLst>
+        </pc:cxnChg>
+        <pc:cxnChg chg="mod">
+          <ac:chgData name="Chris Johnson" userId="ff589efc-7bdb-4c2a-ab65-6fce12576f74" providerId="ADAL" clId="{282EBC78-7CF3-1F4E-A8FF-ED58C808A47B}" dt="2023-03-22T14:13:46.727" v="269" actId="1076"/>
+          <ac:cxnSpMkLst>
+            <pc:docMk/>
+            <pc:sldMk cId="2547737495" sldId="463"/>
+            <ac:cxnSpMk id="7" creationId="{F73B1EBA-D151-9F49-B895-402E018A4F81}"/>
+          </ac:cxnSpMkLst>
+        </pc:cxnChg>
+      </pc:sldChg>
+      <pc:sldChg chg="modSp modAnim">
+        <pc:chgData name="Chris Johnson" userId="ff589efc-7bdb-4c2a-ab65-6fce12576f74" providerId="ADAL" clId="{282EBC78-7CF3-1F4E-A8FF-ED58C808A47B}" dt="2023-03-22T14:14:14.524" v="294" actId="115"/>
+        <pc:sldMkLst>
+          <pc:docMk/>
+          <pc:sldMk cId="1484002295" sldId="464"/>
+        </pc:sldMkLst>
+        <pc:spChg chg="mod">
+          <ac:chgData name="Chris Johnson" userId="ff589efc-7bdb-4c2a-ab65-6fce12576f74" providerId="ADAL" clId="{282EBC78-7CF3-1F4E-A8FF-ED58C808A47B}" dt="2023-03-22T14:14:06.676" v="293" actId="6549"/>
+          <ac:spMkLst>
+            <pc:docMk/>
+            <pc:sldMk cId="1484002295" sldId="464"/>
+            <ac:spMk id="3" creationId="{99DF4C7A-3854-7B4B-8D4F-4AD959A565DC}"/>
+          </ac:spMkLst>
+        </pc:spChg>
+        <pc:spChg chg="mod">
+          <ac:chgData name="Chris Johnson" userId="ff589efc-7bdb-4c2a-ab65-6fce12576f74" providerId="ADAL" clId="{282EBC78-7CF3-1F4E-A8FF-ED58C808A47B}" dt="2023-03-22T14:14:14.524" v="294" actId="115"/>
+          <ac:spMkLst>
+            <pc:docMk/>
+            <pc:sldMk cId="1484002295" sldId="464"/>
+            <ac:spMk id="5" creationId="{9C301692-18A0-BB4E-BBA6-52BEC38D3BC9}"/>
+          </ac:spMkLst>
+        </pc:spChg>
+      </pc:sldChg>
+      <pc:sldChg chg="modSp mod modAnim">
+        <pc:chgData name="Chris Johnson" userId="ff589efc-7bdb-4c2a-ab65-6fce12576f74" providerId="ADAL" clId="{282EBC78-7CF3-1F4E-A8FF-ED58C808A47B}" dt="2023-03-22T14:14:38.027" v="312" actId="1076"/>
+        <pc:sldMkLst>
+          <pc:docMk/>
+          <pc:sldMk cId="3263121651" sldId="465"/>
+        </pc:sldMkLst>
+        <pc:spChg chg="mod">
+          <ac:chgData name="Chris Johnson" userId="ff589efc-7bdb-4c2a-ab65-6fce12576f74" providerId="ADAL" clId="{282EBC78-7CF3-1F4E-A8FF-ED58C808A47B}" dt="2023-03-22T14:14:28.858" v="310" actId="6549"/>
+          <ac:spMkLst>
+            <pc:docMk/>
+            <pc:sldMk cId="3263121651" sldId="465"/>
+            <ac:spMk id="3" creationId="{99DF4C7A-3854-7B4B-8D4F-4AD959A565DC}"/>
+          </ac:spMkLst>
+        </pc:spChg>
+        <pc:spChg chg="mod">
+          <ac:chgData name="Chris Johnson" userId="ff589efc-7bdb-4c2a-ab65-6fce12576f74" providerId="ADAL" clId="{282EBC78-7CF3-1F4E-A8FF-ED58C808A47B}" dt="2023-03-22T14:14:38.027" v="312" actId="1076"/>
+          <ac:spMkLst>
+            <pc:docMk/>
+            <pc:sldMk cId="3263121651" sldId="465"/>
+            <ac:spMk id="5" creationId="{9C301692-18A0-BB4E-BBA6-52BEC38D3BC9}"/>
+          </ac:spMkLst>
+        </pc:spChg>
+        <pc:cxnChg chg="mod">
+          <ac:chgData name="Chris Johnson" userId="ff589efc-7bdb-4c2a-ab65-6fce12576f74" providerId="ADAL" clId="{282EBC78-7CF3-1F4E-A8FF-ED58C808A47B}" dt="2023-03-22T14:14:34.240" v="311" actId="1076"/>
+          <ac:cxnSpMkLst>
+            <pc:docMk/>
+            <pc:sldMk cId="3263121651" sldId="465"/>
+            <ac:cxnSpMk id="7" creationId="{F73B1EBA-D151-9F49-B895-402E018A4F81}"/>
+          </ac:cxnSpMkLst>
+        </pc:cxnChg>
+      </pc:sldChg>
+      <pc:sldChg chg="modSp mod modAnim">
+        <pc:chgData name="Chris Johnson" userId="ff589efc-7bdb-4c2a-ab65-6fce12576f74" providerId="ADAL" clId="{282EBC78-7CF3-1F4E-A8FF-ED58C808A47B}" dt="2023-03-22T14:14:58.338" v="346" actId="6549"/>
+        <pc:sldMkLst>
+          <pc:docMk/>
+          <pc:sldMk cId="4237956369" sldId="471"/>
+        </pc:sldMkLst>
+        <pc:spChg chg="mod">
+          <ac:chgData name="Chris Johnson" userId="ff589efc-7bdb-4c2a-ab65-6fce12576f74" providerId="ADAL" clId="{282EBC78-7CF3-1F4E-A8FF-ED58C808A47B}" dt="2023-03-22T14:14:58.338" v="346" actId="6549"/>
+          <ac:spMkLst>
+            <pc:docMk/>
+            <pc:sldMk cId="4237956369" sldId="471"/>
+            <ac:spMk id="3" creationId="{99DF4C7A-3854-7B4B-8D4F-4AD959A565DC}"/>
+          </ac:spMkLst>
+        </pc:spChg>
+      </pc:sldChg>
+      <pc:sldChg chg="modSp mod modAnim">
+        <pc:chgData name="Chris Johnson" userId="ff589efc-7bdb-4c2a-ab65-6fce12576f74" providerId="ADAL" clId="{282EBC78-7CF3-1F4E-A8FF-ED58C808A47B}" dt="2023-03-22T14:15:16.255" v="369" actId="6549"/>
+        <pc:sldMkLst>
+          <pc:docMk/>
+          <pc:sldMk cId="1149064689" sldId="472"/>
+        </pc:sldMkLst>
+        <pc:spChg chg="mod">
+          <ac:chgData name="Chris Johnson" userId="ff589efc-7bdb-4c2a-ab65-6fce12576f74" providerId="ADAL" clId="{282EBC78-7CF3-1F4E-A8FF-ED58C808A47B}" dt="2023-03-22T14:15:16.255" v="369" actId="6549"/>
+          <ac:spMkLst>
+            <pc:docMk/>
+            <pc:sldMk cId="1149064689" sldId="472"/>
+            <ac:spMk id="3" creationId="{99DF4C7A-3854-7B4B-8D4F-4AD959A565DC}"/>
+          </ac:spMkLst>
+        </pc:spChg>
+      </pc:sldChg>
+      <pc:sldChg chg="modSp">
+        <pc:chgData name="Chris Johnson" userId="ff589efc-7bdb-4c2a-ab65-6fce12576f74" providerId="ADAL" clId="{282EBC78-7CF3-1F4E-A8FF-ED58C808A47B}" dt="2023-03-22T14:19:22.951" v="488" actId="6549"/>
+        <pc:sldMkLst>
+          <pc:docMk/>
+          <pc:sldMk cId="351190455" sldId="473"/>
+        </pc:sldMkLst>
+        <pc:spChg chg="mod">
+          <ac:chgData name="Chris Johnson" userId="ff589efc-7bdb-4c2a-ab65-6fce12576f74" providerId="ADAL" clId="{282EBC78-7CF3-1F4E-A8FF-ED58C808A47B}" dt="2023-03-22T14:19:22.951" v="488" actId="6549"/>
+          <ac:spMkLst>
+            <pc:docMk/>
+            <pc:sldMk cId="351190455" sldId="473"/>
+            <ac:spMk id="3" creationId="{99DF4C7A-3854-7B4B-8D4F-4AD959A565DC}"/>
+          </ac:spMkLst>
+        </pc:spChg>
+      </pc:sldChg>
+      <pc:sldChg chg="modSp mod modAnim">
+        <pc:chgData name="Chris Johnson" userId="ff589efc-7bdb-4c2a-ab65-6fce12576f74" providerId="ADAL" clId="{282EBC78-7CF3-1F4E-A8FF-ED58C808A47B}" dt="2023-03-22T14:09:49.924" v="86" actId="14100"/>
+        <pc:sldMkLst>
+          <pc:docMk/>
+          <pc:sldMk cId="4256242937" sldId="475"/>
+        </pc:sldMkLst>
+        <pc:spChg chg="mod">
+          <ac:chgData name="Chris Johnson" userId="ff589efc-7bdb-4c2a-ab65-6fce12576f74" providerId="ADAL" clId="{282EBC78-7CF3-1F4E-A8FF-ED58C808A47B}" dt="2023-03-22T14:09:49.924" v="86" actId="14100"/>
+          <ac:spMkLst>
+            <pc:docMk/>
+            <pc:sldMk cId="4256242937" sldId="475"/>
+            <ac:spMk id="3" creationId="{99DF4C7A-3854-7B4B-8D4F-4AD959A565DC}"/>
+          </ac:spMkLst>
+        </pc:spChg>
+      </pc:sldChg>
+      <pc:sldChg chg="modSp mod modAnim">
+        <pc:chgData name="Chris Johnson" userId="ff589efc-7bdb-4c2a-ab65-6fce12576f74" providerId="ADAL" clId="{282EBC78-7CF3-1F4E-A8FF-ED58C808A47B}" dt="2023-03-22T14:11:39.318" v="154" actId="20577"/>
+        <pc:sldMkLst>
+          <pc:docMk/>
+          <pc:sldMk cId="38551782" sldId="476"/>
+        </pc:sldMkLst>
+        <pc:spChg chg="mod">
+          <ac:chgData name="Chris Johnson" userId="ff589efc-7bdb-4c2a-ab65-6fce12576f74" providerId="ADAL" clId="{282EBC78-7CF3-1F4E-A8FF-ED58C808A47B}" dt="2023-03-22T14:11:39.318" v="154" actId="20577"/>
+          <ac:spMkLst>
+            <pc:docMk/>
+            <pc:sldMk cId="38551782" sldId="476"/>
+            <ac:spMk id="3" creationId="{99DF4C7A-3854-7B4B-8D4F-4AD959A565DC}"/>
+          </ac:spMkLst>
+        </pc:spChg>
+      </pc:sldChg>
+      <pc:sldChg chg="modSp mod modAnim">
+        <pc:chgData name="Chris Johnson" userId="ff589efc-7bdb-4c2a-ab65-6fce12576f74" providerId="ADAL" clId="{282EBC78-7CF3-1F4E-A8FF-ED58C808A47B}" dt="2023-03-22T14:10:50.961" v="120" actId="6549"/>
+        <pc:sldMkLst>
+          <pc:docMk/>
+          <pc:sldMk cId="3951370171" sldId="477"/>
+        </pc:sldMkLst>
+        <pc:spChg chg="mod">
+          <ac:chgData name="Chris Johnson" userId="ff589efc-7bdb-4c2a-ab65-6fce12576f74" providerId="ADAL" clId="{282EBC78-7CF3-1F4E-A8FF-ED58C808A47B}" dt="2023-03-22T14:10:50.961" v="120" actId="6549"/>
+          <ac:spMkLst>
+            <pc:docMk/>
+            <pc:sldMk cId="3951370171" sldId="477"/>
+            <ac:spMk id="3" creationId="{99DF4C7A-3854-7B4B-8D4F-4AD959A565DC}"/>
+          </ac:spMkLst>
+        </pc:spChg>
+      </pc:sldChg>
+    </pc:docChg>
+  </pc:docChgLst>
+</pc:chgInfo>
+</file>
+
 <file path=ppt/notesMasters/notesMaster1.xml><?xml version="1.0" encoding="utf-8"?>
 <p:notesMaster xmlns:a="http://schemas.openxmlformats.org/drawingml/2006/main" xmlns:r="http://schemas.openxmlformats.org/officeDocument/2006/relationships" xmlns:p="http://schemas.openxmlformats.org/presentationml/2006/main">
   <p:cSld>
@@ -217,7 +712,7 @@
           <a:p>
             <a:fld id="{92107E4A-59D9-C648-BC62-133DA4EC414F}" type="datetimeFigureOut">
               <a:rPr lang="en-US" smtClean="0"/>
-              <a:t>4/29/2022</a:t>
+              <a:t>3/22/23</a:t>
             </a:fld>
             <a:endParaRPr lang="en-US"/>
           </a:p>
@@ -623,7 +1118,7 @@
           <a:p>
             <a:fld id="{4AB1357F-A277-7442-BEE7-4FE250216E54}" type="datetimeFigureOut">
               <a:rPr lang="en-US" smtClean="0"/>
-              <a:t>4/29/2022</a:t>
+              <a:t>3/22/23</a:t>
             </a:fld>
             <a:endParaRPr lang="en-US"/>
           </a:p>
@@ -834,7 +1329,7 @@
           <a:p>
             <a:fld id="{4AB1357F-A277-7442-BEE7-4FE250216E54}" type="datetimeFigureOut">
               <a:rPr lang="en-US" smtClean="0"/>
-              <a:t>4/29/2022</a:t>
+              <a:t>3/22/23</a:t>
             </a:fld>
             <a:endParaRPr lang="en-US"/>
           </a:p>
@@ -1049,7 +1544,7 @@
           <a:p>
             <a:fld id="{4AB1357F-A277-7442-BEE7-4FE250216E54}" type="datetimeFigureOut">
               <a:rPr lang="en-US" smtClean="0"/>
-              <a:t>4/29/2022</a:t>
+              <a:t>3/22/23</a:t>
             </a:fld>
             <a:endParaRPr lang="en-US"/>
           </a:p>
@@ -1250,7 +1745,7 @@
           <a:p>
             <a:fld id="{4AB1357F-A277-7442-BEE7-4FE250216E54}" type="datetimeFigureOut">
               <a:rPr lang="en-US" smtClean="0"/>
-              <a:t>4/29/2022</a:t>
+              <a:t>3/22/23</a:t>
             </a:fld>
             <a:endParaRPr lang="en-US"/>
           </a:p>
@@ -1529,7 +2024,7 @@
           <a:p>
             <a:fld id="{4AB1357F-A277-7442-BEE7-4FE250216E54}" type="datetimeFigureOut">
               <a:rPr lang="en-US" smtClean="0"/>
-              <a:t>4/29/2022</a:t>
+              <a:t>3/22/23</a:t>
             </a:fld>
             <a:endParaRPr lang="en-US"/>
           </a:p>
@@ -1797,7 +2292,7 @@
           <a:p>
             <a:fld id="{4AB1357F-A277-7442-BEE7-4FE250216E54}" type="datetimeFigureOut">
               <a:rPr lang="en-US" smtClean="0"/>
-              <a:t>4/29/2022</a:t>
+              <a:t>3/22/23</a:t>
             </a:fld>
             <a:endParaRPr lang="en-US"/>
           </a:p>
@@ -2213,7 +2708,7 @@
           <a:p>
             <a:fld id="{4AB1357F-A277-7442-BEE7-4FE250216E54}" type="datetimeFigureOut">
               <a:rPr lang="en-US" smtClean="0"/>
-              <a:t>4/29/2022</a:t>
+              <a:t>3/22/23</a:t>
             </a:fld>
             <a:endParaRPr lang="en-US"/>
           </a:p>
@@ -2362,7 +2857,7 @@
           <a:p>
             <a:fld id="{4AB1357F-A277-7442-BEE7-4FE250216E54}" type="datetimeFigureOut">
               <a:rPr lang="en-US" smtClean="0"/>
-              <a:t>4/29/2022</a:t>
+              <a:t>3/22/23</a:t>
             </a:fld>
             <a:endParaRPr lang="en-US"/>
           </a:p>
@@ -2488,7 +2983,7 @@
           <a:p>
             <a:fld id="{4AB1357F-A277-7442-BEE7-4FE250216E54}" type="datetimeFigureOut">
               <a:rPr lang="en-US" smtClean="0"/>
-              <a:t>4/29/2022</a:t>
+              <a:t>3/22/23</a:t>
             </a:fld>
             <a:endParaRPr lang="en-US"/>
           </a:p>
@@ -2739,7 +3234,7 @@
           <a:p>
             <a:fld id="{4AB1357F-A277-7442-BEE7-4FE250216E54}" type="datetimeFigureOut">
               <a:rPr lang="en-US" smtClean="0"/>
-              <a:t>4/29/2022</a:t>
+              <a:t>3/22/23</a:t>
             </a:fld>
             <a:endParaRPr lang="en-US"/>
           </a:p>
@@ -3184,7 +3679,7 @@
           <a:p>
             <a:fld id="{4AB1357F-A277-7442-BEE7-4FE250216E54}" type="datetimeFigureOut">
               <a:rPr lang="en-US" smtClean="0"/>
-              <a:t>4/29/2022</a:t>
+              <a:t>3/22/23</a:t>
             </a:fld>
             <a:endParaRPr lang="en-US"/>
           </a:p>
@@ -3511,7 +4006,7 @@
           <a:p>
             <a:fld id="{4AB1357F-A277-7442-BEE7-4FE250216E54}" type="datetimeFigureOut">
               <a:rPr lang="en-US" smtClean="0"/>
-              <a:t>4/29/2022</a:t>
+              <a:t>3/22/23</a:t>
             </a:fld>
             <a:endParaRPr lang="en-US"/>
           </a:p>
@@ -4015,7 +4510,7 @@
         </p:nvSpPr>
         <p:spPr>
           <a:xfrm>
-            <a:off x="1964987" y="802298"/>
+            <a:off x="1964987" y="218098"/>
             <a:ext cx="9089865" cy="3822329"/>
           </a:xfrm>
         </p:spPr>
@@ -4041,20 +4536,12 @@
               <a:rPr lang="en-US" sz="2400" dirty="0"/>
               <a:t>ULI101:  Introduction to Unix / Linux and the Internet</a:t>
             </a:r>
-            <a:r>
-              <a:rPr lang="en-US" dirty="0"/>
-              <a:t/>
-            </a:r>
             <a:br>
               <a:rPr lang="en-US" dirty="0"/>
             </a:br>
             <a:r>
               <a:rPr lang="en-US" sz="1200" dirty="0"/>
               <a:t> </a:t>
-            </a:r>
-            <a:r>
-              <a:rPr lang="en-US" dirty="0"/>
-              <a:t/>
             </a:r>
             <a:br>
               <a:rPr lang="en-US" dirty="0"/>
@@ -4076,23 +4563,7 @@
                   <a:srgbClr val="0070C0"/>
                 </a:solidFill>
               </a:rPr>
-              <a:t>Week </a:t>
-            </a:r>
-            <a:r>
-              <a:rPr lang="en-US" sz="2200" dirty="0" smtClean="0">
-                <a:solidFill>
-                  <a:srgbClr val="0070C0"/>
-                </a:solidFill>
-              </a:rPr>
-              <a:t>10: </a:t>
-            </a:r>
-            <a:r>
-              <a:rPr lang="en-US" sz="2200" dirty="0">
-                <a:solidFill>
-                  <a:srgbClr val="0070C0"/>
-                </a:solidFill>
-              </a:rPr>
-              <a:t>lesson 2</a:t>
+              <a:t>Week 10: lesson 2</a:t>
             </a:r>
             <a:br>
               <a:rPr lang="en-US" sz="2200" dirty="0">
@@ -4101,10 +4572,6 @@
                 </a:solidFill>
               </a:rPr>
             </a:br>
-            <a:r>
-              <a:rPr lang="en-US" sz="2200" dirty="0"/>
-              <a:t/>
-            </a:r>
             <a:br>
               <a:rPr lang="en-US" sz="2200" dirty="0"/>
             </a:br>
@@ -4116,28 +4583,6 @@
               </a:rPr>
               <a:t>   the awk utility</a:t>
             </a:r>
-            <a:r>
-              <a:rPr lang="en-CA" sz="2200" dirty="0">
-                <a:solidFill>
-                  <a:srgbClr val="0070C0"/>
-                </a:solidFill>
-              </a:rPr>
-              <a:t/>
-            </a:r>
-            <a:br>
-              <a:rPr lang="en-CA" sz="2200" dirty="0">
-                <a:solidFill>
-                  <a:srgbClr val="0070C0"/>
-                </a:solidFill>
-              </a:rPr>
-            </a:br>
-            <a:r>
-              <a:rPr lang="en-US" sz="2400" dirty="0"/>
-              <a:t/>
-            </a:r>
-            <a:br>
-              <a:rPr lang="en-US" sz="2400" dirty="0"/>
-            </a:br>
             <a:endParaRPr lang="en-US" dirty="0"/>
           </a:p>
         </p:txBody>
@@ -4197,13 +4642,6 @@
   <p:clrMapOvr>
     <a:masterClrMapping/>
   </p:clrMapOvr>
-  <p:timing>
-    <p:tnLst>
-      <p:par>
-        <p:cTn id="1" dur="indefinite" restart="never" nodeType="tmRoot"/>
-      </p:par>
-    </p:tnLst>
-  </p:timing>
 </p:sld>
 </file>
 
@@ -4294,20 +4732,11 @@
               <a:rPr lang="en-CA" sz="2400" b="1" dirty="0"/>
               <a:t>Example 3</a:t>
             </a:r>
-            <a:r>
-              <a:rPr lang="en-CA" dirty="0"/>
-              <a:t/>
-            </a:r>
-            <a:br>
-              <a:rPr lang="en-CA" dirty="0"/>
-            </a:br>
-            <a:r>
-              <a:rPr lang="en-CA" dirty="0"/>
-              <a:t/>
-            </a:r>
-            <a:br>
-              <a:rPr lang="en-CA" dirty="0"/>
-            </a:br>
+          </a:p>
+          <a:p>
+            <a:pPr marL="0" indent="0">
+              <a:buNone/>
+            </a:pPr>
             <a:r>
               <a:rPr lang="en-CA" sz="1400" b="1" dirty="0">
                 <a:latin typeface="Courier New" panose="02070309020205020404" pitchFamily="49" charset="0"/>
@@ -4374,32 +4803,21 @@
             <a:pPr marL="0" indent="0">
               <a:buNone/>
             </a:pPr>
-            <a:r>
-              <a:rPr lang="en-CA" sz="1400" dirty="0">
-                <a:latin typeface="Courier New" panose="02070309020205020404" pitchFamily="49" charset="0"/>
-                <a:cs typeface="Courier New" panose="02070309020205020404" pitchFamily="49" charset="0"/>
-              </a:rPr>
-              <a:t/>
-            </a:r>
-            <a:br>
-              <a:rPr lang="en-CA" sz="1400" dirty="0">
-                <a:latin typeface="Courier New" panose="02070309020205020404" pitchFamily="49" charset="0"/>
-                <a:cs typeface="Courier New" panose="02070309020205020404" pitchFamily="49" charset="0"/>
-              </a:rPr>
-            </a:br>
-            <a:r>
-              <a:rPr lang="en-CA" sz="1400" b="1" dirty="0" err="1">
-                <a:latin typeface="Courier New" panose="02070309020205020404" pitchFamily="49" charset="0"/>
-                <a:cs typeface="Courier New" panose="02070309020205020404" pitchFamily="49" charset="0"/>
-              </a:rPr>
-              <a:t>awk</a:t>
-            </a:r>
+            <a:endParaRPr lang="en-CA" sz="1400" b="1" dirty="0">
+              <a:latin typeface="Courier New" panose="02070309020205020404" pitchFamily="49" charset="0"/>
+              <a:cs typeface="Courier New" panose="02070309020205020404" pitchFamily="49" charset="0"/>
+            </a:endParaRPr>
+          </a:p>
+          <a:p>
+            <a:pPr marL="0" indent="0">
+              <a:buNone/>
+            </a:pPr>
             <a:r>
               <a:rPr lang="en-CA" sz="1400" b="1" dirty="0">
                 <a:latin typeface="Courier New" panose="02070309020205020404" pitchFamily="49" charset="0"/>
                 <a:cs typeface="Courier New" panose="02070309020205020404" pitchFamily="49" charset="0"/>
               </a:rPr>
-              <a:t> '/^[F-Z]/' </a:t>
+              <a:t>awk '/^[F-Z]/' </a:t>
             </a:r>
             <a:r>
               <a:rPr lang="en-CA" sz="1400" b="1" dirty="0" err="1">
@@ -4466,7 +4884,7 @@
         </p:nvSpPr>
         <p:spPr>
           <a:xfrm>
-            <a:off x="6654799" y="4576448"/>
+            <a:off x="6392041" y="4735688"/>
             <a:ext cx="3725333" cy="830997"/>
           </a:xfrm>
           <a:prstGeom prst="rect">
@@ -4558,7 +4976,7 @@
           <a:blip r:embed="rId2">
             <a:extLst>
               <a:ext uri="{837473B0-CC2E-450A-ABE3-18F120FF3D39}">
-                <a1611:picAttrSrcUrl xmlns="" xmlns:a1611="http://schemas.microsoft.com/office/drawing/2016/11/main" r:id="rId3"/>
+                <a1611:picAttrSrcUrl xmlns:a1611="http://schemas.microsoft.com/office/drawing/2016/11/main" r:id="rId3"/>
               </a:ext>
             </a:extLst>
           </a:blip>
@@ -4780,7 +5198,38 @@
                                         <p:tgtEl>
                                           <p:spTgt spid="3">
                                             <p:txEl>
-                                              <p:pRg st="5" end="5"/>
+                                              <p:pRg st="6" end="6"/>
+                                            </p:txEl>
+                                          </p:spTgt>
+                                        </p:tgtEl>
+                                        <p:attrNameLst>
+                                          <p:attrName>style.visibility</p:attrName>
+                                        </p:attrNameLst>
+                                      </p:cBhvr>
+                                      <p:to>
+                                        <p:strVal val="visible"/>
+                                      </p:to>
+                                    </p:set>
+                                  </p:childTnLst>
+                                </p:cTn>
+                              </p:par>
+                              <p:par>
+                                <p:cTn id="17" presetID="1" presetClass="entr" presetSubtype="0" fill="hold" grpId="0" nodeType="withEffect">
+                                  <p:stCondLst>
+                                    <p:cond delay="0"/>
+                                  </p:stCondLst>
+                                  <p:childTnLst>
+                                    <p:set>
+                                      <p:cBhvr>
+                                        <p:cTn id="18" dur="1" fill="hold">
+                                          <p:stCondLst>
+                                            <p:cond delay="0"/>
+                                          </p:stCondLst>
+                                        </p:cTn>
+                                        <p:tgtEl>
+                                          <p:spTgt spid="3">
+                                            <p:txEl>
+                                              <p:pRg st="7" end="7"/>
                                             </p:txEl>
                                           </p:spTgt>
                                         </p:tgtEl>
@@ -4799,20 +5248,20 @@
                           </p:cTn>
                         </p:par>
                         <p:par>
-                          <p:cTn id="17" fill="hold">
+                          <p:cTn id="19" fill="hold">
                             <p:stCondLst>
                               <p:cond delay="0"/>
                             </p:stCondLst>
                             <p:childTnLst>
                               <p:par>
-                                <p:cTn id="18" presetID="1" presetClass="entr" presetSubtype="0" fill="hold" grpId="0" nodeType="afterEffect">
+                                <p:cTn id="20" presetID="1" presetClass="entr" presetSubtype="0" fill="hold" grpId="0" nodeType="afterEffect">
                                   <p:stCondLst>
                                     <p:cond delay="0"/>
                                   </p:stCondLst>
                                   <p:childTnLst>
                                     <p:set>
                                       <p:cBhvr>
-                                        <p:cTn id="19" dur="1" fill="hold">
+                                        <p:cTn id="21" dur="1" fill="hold">
                                           <p:stCondLst>
                                             <p:cond delay="0"/>
                                           </p:stCondLst>
@@ -4820,7 +5269,7 @@
                                         <p:tgtEl>
                                           <p:spTgt spid="3">
                                             <p:txEl>
-                                              <p:pRg st="6" end="6"/>
+                                              <p:pRg st="8" end="8"/>
                                             </p:txEl>
                                           </p:spTgt>
                                         </p:tgtEl>
@@ -4842,26 +5291,26 @@
                     </p:cTn>
                   </p:par>
                   <p:par>
-                    <p:cTn id="20" fill="hold">
+                    <p:cTn id="22" fill="hold">
                       <p:stCondLst>
                         <p:cond delay="indefinite"/>
                       </p:stCondLst>
                       <p:childTnLst>
                         <p:par>
-                          <p:cTn id="21" fill="hold">
+                          <p:cTn id="23" fill="hold">
                             <p:stCondLst>
                               <p:cond delay="0"/>
                             </p:stCondLst>
                             <p:childTnLst>
                               <p:par>
-                                <p:cTn id="22" presetID="1" presetClass="entr" presetSubtype="0" fill="hold" nodeType="clickEffect">
+                                <p:cTn id="24" presetID="1" presetClass="entr" presetSubtype="0" fill="hold" nodeType="clickEffect">
                                   <p:stCondLst>
                                     <p:cond delay="0"/>
                                   </p:stCondLst>
                                   <p:childTnLst>
                                     <p:set>
                                       <p:cBhvr>
-                                        <p:cTn id="23" dur="1" fill="hold">
+                                        <p:cTn id="25" dur="1" fill="hold">
                                           <p:stCondLst>
                                             <p:cond delay="0"/>
                                           </p:stCondLst>
@@ -4881,14 +5330,14 @@
                                 </p:cTn>
                               </p:par>
                               <p:par>
-                                <p:cTn id="24" presetID="1" presetClass="entr" presetSubtype="0" fill="hold" grpId="0" nodeType="withEffect">
+                                <p:cTn id="26" presetID="1" presetClass="entr" presetSubtype="0" fill="hold" grpId="0" nodeType="withEffect">
                                   <p:stCondLst>
                                     <p:cond delay="0"/>
                                   </p:stCondLst>
                                   <p:childTnLst>
                                     <p:set>
                                       <p:cBhvr>
-                                        <p:cTn id="25" dur="1" fill="hold">
+                                        <p:cTn id="27" dur="1" fill="hold">
                                           <p:stCondLst>
                                             <p:cond delay="0"/>
                                           </p:stCondLst>
@@ -5013,12 +5462,12 @@
         <p:spPr>
           <a:xfrm>
             <a:off x="1451577" y="1706813"/>
-            <a:ext cx="7235223" cy="4755771"/>
+            <a:ext cx="8627844" cy="4755771"/>
           </a:xfrm>
         </p:spPr>
         <p:txBody>
           <a:bodyPr>
-            <a:normAutofit fontScale="77500" lnSpcReduction="20000"/>
+            <a:normAutofit/>
           </a:bodyPr>
           <a:lstStyle/>
           <a:p>
@@ -5027,46 +5476,18 @@
             </a:pPr>
             <a:r>
               <a:rPr lang="en-CA" sz="2400" b="1" dirty="0"/>
-              <a:t>Using Variables with </a:t>
-            </a:r>
-            <a:r>
-              <a:rPr lang="en-CA" sz="2400" b="1" dirty="0" err="1"/>
-              <a:t>awk</a:t>
-            </a:r>
-            <a:r>
-              <a:rPr lang="en-CA" sz="2400" b="1" dirty="0"/>
-              <a:t> Utility</a:t>
-            </a:r>
+              <a:t>Using Variables with awk Utility</a:t>
+            </a:r>
+            <a:endParaRPr lang="en-CA" dirty="0"/>
+          </a:p>
+          <a:p>
+            <a:pPr marL="0" indent="0">
+              <a:buNone/>
+            </a:pPr>
             <a:r>
               <a:rPr lang="en-CA" dirty="0"/>
-              <a:t/>
-            </a:r>
-            <a:br>
-              <a:rPr lang="en-CA" dirty="0"/>
-            </a:br>
-            <a:r>
-              <a:rPr lang="en-CA" dirty="0"/>
-              <a:t/>
-            </a:r>
-            <a:br>
-              <a:rPr lang="en-CA" dirty="0"/>
-            </a:br>
-            <a:r>
-              <a:rPr lang="en-CA" dirty="0"/>
-              <a:t>You can use parameters which represent fields within records (lines) within the expression of the </a:t>
-            </a:r>
-            <a:r>
-              <a:rPr lang="en-CA" dirty="0" err="1"/>
-              <a:t>awk</a:t>
-            </a:r>
-            <a:r>
-              <a:rPr lang="en-CA" dirty="0"/>
-              <a:t> utility.</a:t>
-            </a:r>
-            <a:br>
-              <a:rPr lang="en-CA" dirty="0"/>
-            </a:br>
-            <a:endParaRPr lang="en-CA" dirty="0"/>
+              <a:t>You can use parameters which represent fields within records (lines) within the expression of the awk utility.</a:t>
+            </a:r>
           </a:p>
           <a:p>
             <a:pPr marL="0" indent="0">
@@ -5090,10 +5511,6 @@
               <a:rPr lang="en-CA" dirty="0"/>
               <a:t>represents all of the fields contained in the record (line).</a:t>
             </a:r>
-            <a:br>
-              <a:rPr lang="en-CA" dirty="0"/>
-            </a:br>
-            <a:endParaRPr lang="en-CA" dirty="0"/>
           </a:p>
           <a:p>
             <a:pPr marL="0" indent="0">
@@ -5160,7 +5577,7 @@
             </a:r>
             <a:r>
               <a:rPr lang="en-CA" dirty="0"/>
-              <a:t> represent the first, second and third  to the 9</a:t>
+              <a:t> represent the first, second and third to the 9</a:t>
             </a:r>
             <a:r>
               <a:rPr lang="en-CA" baseline="30000" dirty="0"/>
@@ -5218,10 +5635,6 @@
               <a:rPr lang="en-CA" dirty="0"/>
               <a:t>etc.)</a:t>
             </a:r>
-            <a:br>
-              <a:rPr lang="en-CA" dirty="0"/>
-            </a:br>
-            <a:endParaRPr lang="en-CA" dirty="0"/>
           </a:p>
           <a:p>
             <a:pPr marL="0" indent="0">
@@ -5237,14 +5650,7 @@
             </a:r>
             <a:r>
               <a:rPr lang="en-CA" dirty="0"/>
-              <a:t>,  </a:t>
-            </a:r>
-            <a:br>
-              <a:rPr lang="en-CA" dirty="0"/>
-            </a:br>
-            <a:r>
-              <a:rPr lang="en-CA" dirty="0"/>
-              <a:t>awk </a:t>
+              <a:t>,  awk </a:t>
             </a:r>
             <a:r>
               <a:rPr lang="en-CA" b="1" dirty="0"/>
@@ -5254,24 +5660,6 @@
               <a:rPr lang="en-CA" dirty="0"/>
               <a:t> them.</a:t>
             </a:r>
-            <a:br>
-              <a:rPr lang="en-CA" dirty="0"/>
-            </a:br>
-            <a:r>
-              <a:rPr lang="en-CA" dirty="0"/>
-              <a:t/>
-            </a:r>
-            <a:br>
-              <a:rPr lang="en-CA" dirty="0"/>
-            </a:br>
-            <a:r>
-              <a:rPr lang="en-CA" dirty="0"/>
-              <a:t/>
-            </a:r>
-            <a:br>
-              <a:rPr lang="en-CA" dirty="0"/>
-            </a:br>
-            <a:endParaRPr lang="en-CA" dirty="0"/>
           </a:p>
         </p:txBody>
       </p:sp>
@@ -5293,7 +5681,7 @@
           <a:blip r:embed="rId2">
             <a:extLst>
               <a:ext uri="{837473B0-CC2E-450A-ABE3-18F120FF3D39}">
-                <a1611:picAttrSrcUrl xmlns="" xmlns:a1611="http://schemas.microsoft.com/office/drawing/2016/11/main" r:id="rId3"/>
+                <a1611:picAttrSrcUrl xmlns:a1611="http://schemas.microsoft.com/office/drawing/2016/11/main" r:id="rId3"/>
               </a:ext>
             </a:extLst>
           </a:blip>
@@ -5375,33 +5763,15 @@
                                   </p:childTnLst>
                                 </p:cTn>
                               </p:par>
-                            </p:childTnLst>
-                          </p:cTn>
-                        </p:par>
-                      </p:childTnLst>
-                    </p:cTn>
-                  </p:par>
-                  <p:par>
-                    <p:cTn id="7" fill="hold">
-                      <p:stCondLst>
-                        <p:cond delay="indefinite"/>
-                      </p:stCondLst>
-                      <p:childTnLst>
-                        <p:par>
-                          <p:cTn id="8" fill="hold">
-                            <p:stCondLst>
-                              <p:cond delay="0"/>
-                            </p:stCondLst>
-                            <p:childTnLst>
                               <p:par>
-                                <p:cTn id="9" presetID="1" presetClass="entr" presetSubtype="0" fill="hold" grpId="0" nodeType="clickEffect">
+                                <p:cTn id="7" presetID="1" presetClass="entr" presetSubtype="0" fill="hold" grpId="0" nodeType="withEffect">
                                   <p:stCondLst>
                                     <p:cond delay="0"/>
                                   </p:stCondLst>
                                   <p:childTnLst>
                                     <p:set>
                                       <p:cBhvr>
-                                        <p:cTn id="10" dur="1" fill="hold">
+                                        <p:cTn id="8" dur="1" fill="hold">
                                           <p:stCondLst>
                                             <p:cond delay="0"/>
                                           </p:stCondLst>
@@ -5431,26 +5801,26 @@
                     </p:cTn>
                   </p:par>
                   <p:par>
-                    <p:cTn id="11" fill="hold">
+                    <p:cTn id="9" fill="hold">
                       <p:stCondLst>
                         <p:cond delay="indefinite"/>
                       </p:stCondLst>
                       <p:childTnLst>
                         <p:par>
-                          <p:cTn id="12" fill="hold">
+                          <p:cTn id="10" fill="hold">
                             <p:stCondLst>
                               <p:cond delay="0"/>
                             </p:stCondLst>
                             <p:childTnLst>
                               <p:par>
-                                <p:cTn id="13" presetID="1" presetClass="entr" presetSubtype="0" fill="hold" grpId="0" nodeType="clickEffect">
+                                <p:cTn id="11" presetID="1" presetClass="entr" presetSubtype="0" fill="hold" grpId="0" nodeType="clickEffect">
                                   <p:stCondLst>
                                     <p:cond delay="0"/>
                                   </p:stCondLst>
                                   <p:childTnLst>
                                     <p:set>
                                       <p:cBhvr>
-                                        <p:cTn id="14" dur="1" fill="hold">
+                                        <p:cTn id="12" dur="1" fill="hold">
                                           <p:stCondLst>
                                             <p:cond delay="0"/>
                                           </p:stCondLst>
@@ -5480,26 +5850,26 @@
                     </p:cTn>
                   </p:par>
                   <p:par>
-                    <p:cTn id="15" fill="hold">
+                    <p:cTn id="13" fill="hold">
                       <p:stCondLst>
                         <p:cond delay="indefinite"/>
                       </p:stCondLst>
                       <p:childTnLst>
                         <p:par>
-                          <p:cTn id="16" fill="hold">
+                          <p:cTn id="14" fill="hold">
                             <p:stCondLst>
                               <p:cond delay="0"/>
                             </p:stCondLst>
                             <p:childTnLst>
                               <p:par>
-                                <p:cTn id="17" presetID="1" presetClass="entr" presetSubtype="0" fill="hold" grpId="0" nodeType="clickEffect">
+                                <p:cTn id="15" presetID="1" presetClass="entr" presetSubtype="0" fill="hold" grpId="0" nodeType="clickEffect">
                                   <p:stCondLst>
                                     <p:cond delay="0"/>
                                   </p:stCondLst>
                                   <p:childTnLst>
                                     <p:set>
                                       <p:cBhvr>
-                                        <p:cTn id="18" dur="1" fill="hold">
+                                        <p:cTn id="16" dur="1" fill="hold">
                                           <p:stCondLst>
                                             <p:cond delay="0"/>
                                           </p:stCondLst>
@@ -5508,6 +5878,55 @@
                                           <p:spTgt spid="3">
                                             <p:txEl>
                                               <p:pRg st="3" end="3"/>
+                                            </p:txEl>
+                                          </p:spTgt>
+                                        </p:tgtEl>
+                                        <p:attrNameLst>
+                                          <p:attrName>style.visibility</p:attrName>
+                                        </p:attrNameLst>
+                                      </p:cBhvr>
+                                      <p:to>
+                                        <p:strVal val="visible"/>
+                                      </p:to>
+                                    </p:set>
+                                  </p:childTnLst>
+                                </p:cTn>
+                              </p:par>
+                            </p:childTnLst>
+                          </p:cTn>
+                        </p:par>
+                      </p:childTnLst>
+                    </p:cTn>
+                  </p:par>
+                  <p:par>
+                    <p:cTn id="17" fill="hold">
+                      <p:stCondLst>
+                        <p:cond delay="indefinite"/>
+                      </p:stCondLst>
+                      <p:childTnLst>
+                        <p:par>
+                          <p:cTn id="18" fill="hold">
+                            <p:stCondLst>
+                              <p:cond delay="0"/>
+                            </p:stCondLst>
+                            <p:childTnLst>
+                              <p:par>
+                                <p:cTn id="19" presetID="1" presetClass="entr" presetSubtype="0" fill="hold" grpId="0" nodeType="clickEffect">
+                                  <p:stCondLst>
+                                    <p:cond delay="0"/>
+                                  </p:stCondLst>
+                                  <p:childTnLst>
+                                    <p:set>
+                                      <p:cBhvr>
+                                        <p:cTn id="20" dur="1" fill="hold">
+                                          <p:stCondLst>
+                                            <p:cond delay="0"/>
+                                          </p:stCondLst>
+                                        </p:cTn>
+                                        <p:tgtEl>
+                                          <p:spTgt spid="3">
+                                            <p:txEl>
+                                              <p:pRg st="4" end="4"/>
                                             </p:txEl>
                                           </p:spTgt>
                                         </p:tgtEl>
@@ -5632,7 +6051,7 @@
         </p:spPr>
         <p:txBody>
           <a:bodyPr>
-            <a:normAutofit fontScale="92500" lnSpcReduction="10000"/>
+            <a:normAutofit/>
           </a:bodyPr>
           <a:lstStyle/>
           <a:p>
@@ -5643,20 +6062,11 @@
               <a:rPr lang="en-CA" sz="2400" b="1" dirty="0"/>
               <a:t>Example 4</a:t>
             </a:r>
-            <a:r>
-              <a:rPr lang="en-CA" dirty="0"/>
-              <a:t/>
-            </a:r>
-            <a:br>
-              <a:rPr lang="en-CA" dirty="0"/>
-            </a:br>
-            <a:r>
-              <a:rPr lang="en-CA" dirty="0"/>
-              <a:t/>
-            </a:r>
-            <a:br>
-              <a:rPr lang="en-CA" dirty="0"/>
-            </a:br>
+          </a:p>
+          <a:p>
+            <a:pPr marL="0" indent="0">
+              <a:buNone/>
+            </a:pPr>
             <a:r>
               <a:rPr lang="en-CA" sz="1400" b="1" dirty="0">
                 <a:latin typeface="Courier New" panose="02070309020205020404" pitchFamily="49" charset="0"/>
@@ -5723,33 +6133,6 @@
             <a:pPr marL="0" indent="0">
               <a:buNone/>
             </a:pPr>
-            <a:r>
-              <a:rPr lang="en-CA" sz="1400" dirty="0">
-                <a:latin typeface="Courier New" panose="02070309020205020404" pitchFamily="49" charset="0"/>
-                <a:cs typeface="Courier New" panose="02070309020205020404" pitchFamily="49" charset="0"/>
-              </a:rPr>
-              <a:t/>
-            </a:r>
-            <a:br>
-              <a:rPr lang="en-CA" sz="1400" dirty="0">
-                <a:latin typeface="Courier New" panose="02070309020205020404" pitchFamily="49" charset="0"/>
-                <a:cs typeface="Courier New" panose="02070309020205020404" pitchFamily="49" charset="0"/>
-              </a:rPr>
-            </a:br>
-            <a:r>
-              <a:rPr lang="en-CA" sz="1400" b="1" dirty="0">
-                <a:latin typeface="Courier New" panose="02070309020205020404" pitchFamily="49" charset="0"/>
-                <a:cs typeface="Courier New" panose="02070309020205020404" pitchFamily="49" charset="0"/>
-              </a:rPr>
-              <a:t>awk '$1 ~ /^[F-Z]/ {print}' </a:t>
-            </a:r>
-            <a:r>
-              <a:rPr lang="en-CA" sz="1400" b="1" dirty="0" err="1">
-                <a:latin typeface="Courier New" panose="02070309020205020404" pitchFamily="49" charset="0"/>
-                <a:cs typeface="Courier New" panose="02070309020205020404" pitchFamily="49" charset="0"/>
-              </a:rPr>
-              <a:t>data.txt</a:t>
-            </a:r>
             <a:endParaRPr lang="en-CA" sz="1400" b="1" dirty="0">
               <a:latin typeface="Courier New" panose="02070309020205020404" pitchFamily="49" charset="0"/>
               <a:cs typeface="Courier New" panose="02070309020205020404" pitchFamily="49" charset="0"/>
@@ -5760,49 +6143,11 @@
               <a:buNone/>
             </a:pPr>
             <a:r>
-              <a:rPr lang="en-CA" sz="1400" dirty="0">
-                <a:latin typeface="Courier New" panose="02070309020205020404" pitchFamily="49" charset="0"/>
-                <a:cs typeface="Courier New" panose="02070309020205020404" pitchFamily="49" charset="0"/>
-              </a:rPr>
-              <a:t>Saul Murray professor</a:t>
-            </a:r>
-          </a:p>
-          <a:p>
-            <a:pPr marL="0" indent="0">
-              <a:buNone/>
-            </a:pPr>
-            <a:r>
-              <a:rPr lang="en-CA" sz="1400" dirty="0" err="1">
-                <a:latin typeface="Courier New" panose="02070309020205020404" pitchFamily="49" charset="0"/>
-                <a:cs typeface="Courier New" panose="02070309020205020404" pitchFamily="49" charset="0"/>
-              </a:rPr>
-              <a:t>Fernades</a:t>
-            </a:r>
-            <a:r>
-              <a:rPr lang="en-CA" sz="1400" dirty="0">
-                <a:latin typeface="Courier New" panose="02070309020205020404" pitchFamily="49" charset="0"/>
-                <a:cs typeface="Courier New" panose="02070309020205020404" pitchFamily="49" charset="0"/>
-              </a:rPr>
-              <a:t> Mark professor</a:t>
-            </a:r>
-          </a:p>
-          <a:p>
-            <a:pPr marL="0" indent="0">
-              <a:buNone/>
-            </a:pPr>
-            <a:r>
-              <a:rPr lang="en-CA" dirty="0"/>
-              <a:t/>
-            </a:r>
-            <a:br>
-              <a:rPr lang="en-CA" dirty="0"/>
-            </a:br>
-            <a:r>
               <a:rPr lang="en-CA" sz="1400" b="1" dirty="0">
                 <a:latin typeface="Courier New" panose="02070309020205020404" pitchFamily="49" charset="0"/>
                 <a:cs typeface="Courier New" panose="02070309020205020404" pitchFamily="49" charset="0"/>
               </a:rPr>
-              <a:t>awk '$3 ~ /retired/ {print}' </a:t>
+              <a:t>awk '$1 ~ /^[F-Z]/ {print}' </a:t>
             </a:r>
             <a:r>
               <a:rPr lang="en-CA" sz="1400" b="1" dirty="0" err="1">
@@ -5825,36 +6170,71 @@
                 <a:latin typeface="Courier New" panose="02070309020205020404" pitchFamily="49" charset="0"/>
                 <a:cs typeface="Courier New" panose="02070309020205020404" pitchFamily="49" charset="0"/>
               </a:rPr>
-              <a:t>David Ward retired</a:t>
-            </a:r>
-            <a:br>
+              <a:t>Saul Murray professor</a:t>
+            </a:r>
+          </a:p>
+          <a:p>
+            <a:pPr marL="0" indent="0">
+              <a:buNone/>
+            </a:pPr>
+            <a:r>
+              <a:rPr lang="en-CA" sz="1400" dirty="0" err="1">
+                <a:latin typeface="Courier New" panose="02070309020205020404" pitchFamily="49" charset="0"/>
+                <a:cs typeface="Courier New" panose="02070309020205020404" pitchFamily="49" charset="0"/>
+              </a:rPr>
+              <a:t>Fernades</a:t>
+            </a:r>
+            <a:r>
               <a:rPr lang="en-CA" sz="1400" dirty="0">
                 <a:latin typeface="Courier New" panose="02070309020205020404" pitchFamily="49" charset="0"/>
                 <a:cs typeface="Courier New" panose="02070309020205020404" pitchFamily="49" charset="0"/>
               </a:rPr>
-            </a:br>
+              <a:t> Mark professor</a:t>
+            </a:r>
+          </a:p>
+          <a:p>
+            <a:pPr marL="0" indent="0">
+              <a:buNone/>
+            </a:pPr>
+            <a:endParaRPr lang="en-CA" sz="1400" b="1" dirty="0">
+              <a:latin typeface="Courier New" panose="02070309020205020404" pitchFamily="49" charset="0"/>
+              <a:cs typeface="Courier New" panose="02070309020205020404" pitchFamily="49" charset="0"/>
+            </a:endParaRPr>
+          </a:p>
+          <a:p>
+            <a:pPr marL="0" indent="0">
+              <a:buNone/>
+            </a:pPr>
+            <a:r>
+              <a:rPr lang="en-CA" sz="1400" b="1" dirty="0">
+                <a:latin typeface="Courier New" panose="02070309020205020404" pitchFamily="49" charset="0"/>
+                <a:cs typeface="Courier New" panose="02070309020205020404" pitchFamily="49" charset="0"/>
+              </a:rPr>
+              <a:t>awk '$3 ~ /retired/ {print}' </a:t>
+            </a:r>
+            <a:r>
+              <a:rPr lang="en-CA" sz="1400" b="1" dirty="0" err="1">
+                <a:latin typeface="Courier New" panose="02070309020205020404" pitchFamily="49" charset="0"/>
+                <a:cs typeface="Courier New" panose="02070309020205020404" pitchFamily="49" charset="0"/>
+              </a:rPr>
+              <a:t>data.txt</a:t>
+            </a:r>
+            <a:endParaRPr lang="en-CA" sz="1400" b="1" dirty="0">
+              <a:latin typeface="Courier New" panose="02070309020205020404" pitchFamily="49" charset="0"/>
+              <a:cs typeface="Courier New" panose="02070309020205020404" pitchFamily="49" charset="0"/>
+            </a:endParaRPr>
+          </a:p>
+          <a:p>
+            <a:pPr marL="0" indent="0">
+              <a:buNone/>
+            </a:pPr>
             <a:r>
               <a:rPr lang="en-CA" sz="1400" dirty="0">
                 <a:latin typeface="Courier New" panose="02070309020205020404" pitchFamily="49" charset="0"/>
                 <a:cs typeface="Courier New" panose="02070309020205020404" pitchFamily="49" charset="0"/>
               </a:rPr>
-              <a:t/>
-            </a:r>
-            <a:br>
-              <a:rPr lang="en-CA" sz="1400" dirty="0">
-                <a:latin typeface="Courier New" panose="02070309020205020404" pitchFamily="49" charset="0"/>
-                <a:cs typeface="Courier New" panose="02070309020205020404" pitchFamily="49" charset="0"/>
-              </a:rPr>
-            </a:br>
-            <a:endParaRPr lang="en-CA" sz="1400" dirty="0">
-              <a:latin typeface="Courier New" panose="02070309020205020404" pitchFamily="49" charset="0"/>
-              <a:cs typeface="Courier New" panose="02070309020205020404" pitchFamily="49" charset="0"/>
-            </a:endParaRPr>
-          </a:p>
-          <a:p>
-            <a:pPr marL="0" indent="0">
-              <a:buNone/>
-            </a:pPr>
+              <a:t>David Ward retired</a:t>
+            </a:r>
             <a:endParaRPr lang="en-CA" dirty="0"/>
           </a:p>
         </p:txBody>
@@ -5873,7 +6253,7 @@
         </p:nvSpPr>
         <p:spPr>
           <a:xfrm>
-            <a:off x="8081525" y="4369702"/>
+            <a:off x="8081524" y="4528461"/>
             <a:ext cx="3725333" cy="830997"/>
           </a:xfrm>
           <a:prstGeom prst="rect">
@@ -5966,7 +6346,7 @@
         </p:nvCxnSpPr>
         <p:spPr>
           <a:xfrm flipH="1">
-            <a:off x="5069188" y="4614781"/>
+            <a:off x="5069188" y="4785200"/>
             <a:ext cx="2899111" cy="0"/>
           </a:xfrm>
           <a:prstGeom prst="straightConnector1">
@@ -6005,7 +6385,7 @@
         </p:nvCxnSpPr>
         <p:spPr>
           <a:xfrm flipH="1">
-            <a:off x="6253216" y="5732380"/>
+            <a:off x="6253216" y="6124029"/>
             <a:ext cx="1715083" cy="0"/>
           </a:xfrm>
           <a:prstGeom prst="straightConnector1">
@@ -6044,7 +6424,7 @@
         </p:nvSpPr>
         <p:spPr>
           <a:xfrm>
-            <a:off x="8048023" y="5539254"/>
+            <a:off x="8081524" y="5810605"/>
             <a:ext cx="3725333" cy="584775"/>
           </a:xfrm>
           <a:prstGeom prst="rect">
@@ -6097,7 +6477,7 @@
           <a:blip r:embed="rId2">
             <a:extLst>
               <a:ext uri="{837473B0-CC2E-450A-ABE3-18F120FF3D39}">
-                <a1611:picAttrSrcUrl xmlns="" xmlns:a1611="http://schemas.microsoft.com/office/drawing/2016/11/main" r:id="rId3"/>
+                <a1611:picAttrSrcUrl xmlns:a1611="http://schemas.microsoft.com/office/drawing/2016/11/main" r:id="rId3"/>
               </a:ext>
             </a:extLst>
           </a:blip>
@@ -6319,7 +6699,7 @@
                                         <p:tgtEl>
                                           <p:spTgt spid="3">
                                             <p:txEl>
-                                              <p:pRg st="5" end="5"/>
+                                              <p:pRg st="6" end="6"/>
                                             </p:txEl>
                                           </p:spTgt>
                                         </p:tgtEl>
@@ -6350,7 +6730,69 @@
                                         <p:tgtEl>
                                           <p:spTgt spid="3">
                                             <p:txEl>
-                                              <p:pRg st="6" end="6"/>
+                                              <p:pRg st="7" end="7"/>
+                                            </p:txEl>
+                                          </p:spTgt>
+                                        </p:tgtEl>
+                                        <p:attrNameLst>
+                                          <p:attrName>style.visibility</p:attrName>
+                                        </p:attrNameLst>
+                                      </p:cBhvr>
+                                      <p:to>
+                                        <p:strVal val="visible"/>
+                                      </p:to>
+                                    </p:set>
+                                  </p:childTnLst>
+                                </p:cTn>
+                              </p:par>
+                              <p:par>
+                                <p:cTn id="19" presetID="1" presetClass="entr" presetSubtype="0" fill="hold" grpId="0" nodeType="withEffect">
+                                  <p:stCondLst>
+                                    <p:cond delay="0"/>
+                                  </p:stCondLst>
+                                  <p:childTnLst>
+                                    <p:set>
+                                      <p:cBhvr>
+                                        <p:cTn id="20" dur="1" fill="hold">
+                                          <p:stCondLst>
+                                            <p:cond delay="0"/>
+                                          </p:stCondLst>
+                                        </p:cTn>
+                                        <p:tgtEl>
+                                          <p:spTgt spid="3">
+                                            <p:txEl>
+                                              <p:pRg st="8" end="8"/>
+                                            </p:txEl>
+                                          </p:spTgt>
+                                        </p:tgtEl>
+                                        <p:attrNameLst>
+                                          <p:attrName>style.visibility</p:attrName>
+                                        </p:attrNameLst>
+                                      </p:cBhvr>
+                                      <p:to>
+                                        <p:strVal val="visible"/>
+                                      </p:to>
+                                    </p:set>
+                                  </p:childTnLst>
+                                </p:cTn>
+                              </p:par>
+                              <p:par>
+                                <p:cTn id="21" presetID="1" presetClass="entr" presetSubtype="0" fill="hold" grpId="0" nodeType="withEffect">
+                                  <p:stCondLst>
+                                    <p:cond delay="0"/>
+                                  </p:stCondLst>
+                                  <p:childTnLst>
+                                    <p:set>
+                                      <p:cBhvr>
+                                        <p:cTn id="22" dur="1" fill="hold">
+                                          <p:stCondLst>
+                                            <p:cond delay="0"/>
+                                          </p:stCondLst>
+                                        </p:cTn>
+                                        <p:tgtEl>
+                                          <p:spTgt spid="3">
+                                            <p:txEl>
+                                              <p:pRg st="10" end="10"/>
                                             </p:txEl>
                                           </p:spTgt>
                                         </p:tgtEl>
@@ -6372,26 +6814,26 @@
                     </p:cTn>
                   </p:par>
                   <p:par>
-                    <p:cTn id="19" fill="hold">
+                    <p:cTn id="23" fill="hold">
                       <p:stCondLst>
                         <p:cond delay="indefinite"/>
                       </p:stCondLst>
                       <p:childTnLst>
                         <p:par>
-                          <p:cTn id="20" fill="hold">
+                          <p:cTn id="24" fill="hold">
                             <p:stCondLst>
                               <p:cond delay="0"/>
                             </p:stCondLst>
                             <p:childTnLst>
                               <p:par>
-                                <p:cTn id="21" presetID="1" presetClass="entr" presetSubtype="0" fill="hold" nodeType="clickEffect">
+                                <p:cTn id="25" presetID="1" presetClass="entr" presetSubtype="0" fill="hold" nodeType="clickEffect">
                                   <p:stCondLst>
                                     <p:cond delay="0"/>
                                   </p:stCondLst>
                                   <p:childTnLst>
                                     <p:set>
                                       <p:cBhvr>
-                                        <p:cTn id="22" dur="1" fill="hold">
+                                        <p:cTn id="26" dur="1" fill="hold">
                                           <p:stCondLst>
                                             <p:cond delay="0"/>
                                           </p:stCondLst>
@@ -6411,52 +6853,7 @@
                                 </p:cTn>
                               </p:par>
                               <p:par>
-                                <p:cTn id="23" presetID="1" presetClass="entr" presetSubtype="0" fill="hold" grpId="0" nodeType="withEffect">
-                                  <p:stCondLst>
-                                    <p:cond delay="0"/>
-                                  </p:stCondLst>
-                                  <p:childTnLst>
-                                    <p:set>
-                                      <p:cBhvr>
-                                        <p:cTn id="24" dur="1" fill="hold">
-                                          <p:stCondLst>
-                                            <p:cond delay="0"/>
-                                          </p:stCondLst>
-                                        </p:cTn>
-                                        <p:tgtEl>
-                                          <p:spTgt spid="5"/>
-                                        </p:tgtEl>
-                                        <p:attrNameLst>
-                                          <p:attrName>style.visibility</p:attrName>
-                                        </p:attrNameLst>
-                                      </p:cBhvr>
-                                      <p:to>
-                                        <p:strVal val="visible"/>
-                                      </p:to>
-                                    </p:set>
-                                  </p:childTnLst>
-                                </p:cTn>
-                              </p:par>
-                            </p:childTnLst>
-                          </p:cTn>
-                        </p:par>
-                      </p:childTnLst>
-                    </p:cTn>
-                  </p:par>
-                  <p:par>
-                    <p:cTn id="25" fill="hold">
-                      <p:stCondLst>
-                        <p:cond delay="indefinite"/>
-                      </p:stCondLst>
-                      <p:childTnLst>
-                        <p:par>
-                          <p:cTn id="26" fill="hold">
-                            <p:stCondLst>
-                              <p:cond delay="0"/>
-                            </p:stCondLst>
-                            <p:childTnLst>
-                              <p:par>
-                                <p:cTn id="27" presetID="1" presetClass="entr" presetSubtype="0" fill="hold" grpId="0" nodeType="clickEffect">
+                                <p:cTn id="27" presetID="1" presetClass="entr" presetSubtype="0" fill="hold" grpId="0" nodeType="withEffect">
                                   <p:stCondLst>
                                     <p:cond delay="0"/>
                                   </p:stCondLst>
@@ -6469,11 +6866,7 @@
                                           </p:stCondLst>
                                         </p:cTn>
                                         <p:tgtEl>
-                                          <p:spTgt spid="3">
-                                            <p:txEl>
-                                              <p:pRg st="7" end="7"/>
-                                            </p:txEl>
-                                          </p:spTgt>
+                                          <p:spTgt spid="5"/>
                                         </p:tgtEl>
                                         <p:attrNameLst>
                                           <p:attrName>style.visibility</p:attrName>
@@ -6502,7 +6895,7 @@
                                         <p:tgtEl>
                                           <p:spTgt spid="3">
                                             <p:txEl>
-                                              <p:pRg st="8" end="8"/>
+                                              <p:pRg st="11" end="11"/>
                                             </p:txEl>
                                           </p:spTgt>
                                         </p:tgtEl>
@@ -6694,20 +7087,11 @@
               <a:rPr lang="en-CA" sz="2400" b="1" dirty="0"/>
               <a:t>Example 5</a:t>
             </a:r>
-            <a:r>
-              <a:rPr lang="en-CA" dirty="0"/>
-              <a:t/>
-            </a:r>
-            <a:br>
-              <a:rPr lang="en-CA" dirty="0"/>
-            </a:br>
-            <a:r>
-              <a:rPr lang="en-CA" dirty="0"/>
-              <a:t/>
-            </a:r>
-            <a:br>
-              <a:rPr lang="en-CA" dirty="0"/>
-            </a:br>
+          </a:p>
+          <a:p>
+            <a:pPr marL="0" indent="0">
+              <a:buNone/>
+            </a:pPr>
             <a:r>
               <a:rPr lang="en-CA" sz="1400" b="1" dirty="0">
                 <a:latin typeface="Courier New" panose="02070309020205020404" pitchFamily="49" charset="0"/>
@@ -6774,27 +7158,6 @@
             <a:pPr marL="0" indent="0">
               <a:buNone/>
             </a:pPr>
-            <a:r>
-              <a:rPr lang="en-CA" dirty="0"/>
-              <a:t/>
-            </a:r>
-            <a:br>
-              <a:rPr lang="en-CA" dirty="0"/>
-            </a:br>
-            <a:r>
-              <a:rPr lang="en-CA" sz="1400" b="1" dirty="0">
-                <a:latin typeface="Courier New" panose="02070309020205020404" pitchFamily="49" charset="0"/>
-                <a:cs typeface="Courier New" panose="02070309020205020404" pitchFamily="49" charset="0"/>
-              </a:rPr>
-              <a:t>awk '$3 !~ /retired/ {print}' </a:t>
-            </a:r>
-            <a:r>
-              <a:rPr lang="en-CA" sz="1400" b="1" dirty="0" err="1">
-                <a:latin typeface="Courier New" panose="02070309020205020404" pitchFamily="49" charset="0"/>
-                <a:cs typeface="Courier New" panose="02070309020205020404" pitchFamily="49" charset="0"/>
-              </a:rPr>
-              <a:t>data.txt</a:t>
-            </a:r>
             <a:endParaRPr lang="en-CA" sz="1400" b="1" dirty="0">
               <a:latin typeface="Courier New" panose="02070309020205020404" pitchFamily="49" charset="0"/>
               <a:cs typeface="Courier New" panose="02070309020205020404" pitchFamily="49" charset="0"/>
@@ -6805,6 +7168,29 @@
               <a:buNone/>
             </a:pPr>
             <a:r>
+              <a:rPr lang="en-CA" sz="1400" b="1" dirty="0">
+                <a:latin typeface="Courier New" panose="02070309020205020404" pitchFamily="49" charset="0"/>
+                <a:cs typeface="Courier New" panose="02070309020205020404" pitchFamily="49" charset="0"/>
+              </a:rPr>
+              <a:t>awk '$3 !~ /retired/ {print}' </a:t>
+            </a:r>
+            <a:r>
+              <a:rPr lang="en-CA" sz="1400" b="1" dirty="0" err="1">
+                <a:latin typeface="Courier New" panose="02070309020205020404" pitchFamily="49" charset="0"/>
+                <a:cs typeface="Courier New" panose="02070309020205020404" pitchFamily="49" charset="0"/>
+              </a:rPr>
+              <a:t>data.txt</a:t>
+            </a:r>
+            <a:endParaRPr lang="en-CA" sz="1400" b="1" dirty="0">
+              <a:latin typeface="Courier New" panose="02070309020205020404" pitchFamily="49" charset="0"/>
+              <a:cs typeface="Courier New" panose="02070309020205020404" pitchFamily="49" charset="0"/>
+            </a:endParaRPr>
+          </a:p>
+          <a:p>
+            <a:pPr marL="0" indent="0">
+              <a:buNone/>
+            </a:pPr>
+            <a:r>
               <a:rPr lang="en-CA" sz="1400" dirty="0">
                 <a:latin typeface="Courier New" panose="02070309020205020404" pitchFamily="49" charset="0"/>
                 <a:cs typeface="Courier New" panose="02070309020205020404" pitchFamily="49" charset="0"/>
@@ -6830,11 +7216,6 @@
               </a:rPr>
               <a:t> Mark professor</a:t>
             </a:r>
-          </a:p>
-          <a:p>
-            <a:pPr marL="0" indent="0">
-              <a:buNone/>
-            </a:pPr>
             <a:endParaRPr lang="en-CA" dirty="0"/>
           </a:p>
         </p:txBody>
@@ -6883,7 +7264,15 @@
             </a:r>
             <a:r>
               <a:rPr lang="en-CA" sz="1600" dirty="0"/>
-              <a:t> operator tests for no match.</a:t>
+              <a:t> operator tests for </a:t>
+            </a:r>
+            <a:r>
+              <a:rPr lang="en-CA" sz="1600" u="sng" dirty="0"/>
+              <a:t>no</a:t>
+            </a:r>
+            <a:r>
+              <a:rPr lang="en-CA" sz="1600" dirty="0"/>
+              <a:t> match.</a:t>
             </a:r>
           </a:p>
           <a:p>
@@ -6950,7 +7339,7 @@
           <a:blip r:embed="rId2">
             <a:extLst>
               <a:ext uri="{837473B0-CC2E-450A-ABE3-18F120FF3D39}">
-                <a1611:picAttrSrcUrl xmlns="" xmlns:a1611="http://schemas.microsoft.com/office/drawing/2016/11/main" r:id="rId3"/>
+                <a1611:picAttrSrcUrl xmlns:a1611="http://schemas.microsoft.com/office/drawing/2016/11/main" r:id="rId3"/>
               </a:ext>
             </a:extLst>
           </a:blip>
@@ -7172,7 +7561,7 @@
                                         <p:tgtEl>
                                           <p:spTgt spid="3">
                                             <p:txEl>
-                                              <p:pRg st="5" end="5"/>
+                                              <p:pRg st="6" end="6"/>
                                             </p:txEl>
                                           </p:spTgt>
                                         </p:tgtEl>
@@ -7203,7 +7592,38 @@
                                         <p:tgtEl>
                                           <p:spTgt spid="3">
                                             <p:txEl>
-                                              <p:pRg st="6" end="6"/>
+                                              <p:pRg st="7" end="7"/>
+                                            </p:txEl>
+                                          </p:spTgt>
+                                        </p:tgtEl>
+                                        <p:attrNameLst>
+                                          <p:attrName>style.visibility</p:attrName>
+                                        </p:attrNameLst>
+                                      </p:cBhvr>
+                                      <p:to>
+                                        <p:strVal val="visible"/>
+                                      </p:to>
+                                    </p:set>
+                                  </p:childTnLst>
+                                </p:cTn>
+                              </p:par>
+                              <p:par>
+                                <p:cTn id="19" presetID="1" presetClass="entr" presetSubtype="0" fill="hold" grpId="0" nodeType="withEffect">
+                                  <p:stCondLst>
+                                    <p:cond delay="0"/>
+                                  </p:stCondLst>
+                                  <p:childTnLst>
+                                    <p:set>
+                                      <p:cBhvr>
+                                        <p:cTn id="20" dur="1" fill="hold">
+                                          <p:stCondLst>
+                                            <p:cond delay="0"/>
+                                          </p:stCondLst>
+                                        </p:cTn>
+                                        <p:tgtEl>
+                                          <p:spTgt spid="3">
+                                            <p:txEl>
+                                              <p:pRg st="8" end="8"/>
                                             </p:txEl>
                                           </p:spTgt>
                                         </p:tgtEl>
@@ -7225,26 +7645,26 @@
                     </p:cTn>
                   </p:par>
                   <p:par>
-                    <p:cTn id="19" fill="hold">
+                    <p:cTn id="21" fill="hold">
                       <p:stCondLst>
                         <p:cond delay="indefinite"/>
                       </p:stCondLst>
                       <p:childTnLst>
                         <p:par>
-                          <p:cTn id="20" fill="hold">
+                          <p:cTn id="22" fill="hold">
                             <p:stCondLst>
                               <p:cond delay="0"/>
                             </p:stCondLst>
                             <p:childTnLst>
                               <p:par>
-                                <p:cTn id="21" presetID="1" presetClass="entr" presetSubtype="0" fill="hold" nodeType="clickEffect">
+                                <p:cTn id="23" presetID="1" presetClass="entr" presetSubtype="0" fill="hold" nodeType="clickEffect">
                                   <p:stCondLst>
                                     <p:cond delay="0"/>
                                   </p:stCondLst>
                                   <p:childTnLst>
                                     <p:set>
                                       <p:cBhvr>
-                                        <p:cTn id="22" dur="1" fill="hold">
+                                        <p:cTn id="24" dur="1" fill="hold">
                                           <p:stCondLst>
                                             <p:cond delay="0"/>
                                           </p:stCondLst>
@@ -7264,14 +7684,14 @@
                                 </p:cTn>
                               </p:par>
                               <p:par>
-                                <p:cTn id="23" presetID="1" presetClass="entr" presetSubtype="0" fill="hold" grpId="0" nodeType="withEffect">
+                                <p:cTn id="25" presetID="1" presetClass="entr" presetSubtype="0" fill="hold" grpId="0" nodeType="withEffect">
                                   <p:stCondLst>
                                     <p:cond delay="0"/>
                                   </p:stCondLst>
                                   <p:childTnLst>
                                     <p:set>
                                       <p:cBhvr>
-                                        <p:cTn id="24" dur="1" fill="hold">
+                                        <p:cTn id="26" dur="1" fill="hold">
                                           <p:stCondLst>
                                             <p:cond delay="0"/>
                                           </p:stCondLst>
@@ -7401,7 +7821,7 @@
         </p:spPr>
         <p:txBody>
           <a:bodyPr>
-            <a:normAutofit fontScale="70000" lnSpcReduction="20000"/>
+            <a:normAutofit fontScale="77500" lnSpcReduction="20000"/>
           </a:bodyPr>
           <a:lstStyle/>
           <a:p>
@@ -7411,18 +7831,10 @@
             <a:r>
               <a:rPr lang="en-CA" sz="2400" b="1" dirty="0"/>
               <a:t>Example 6</a:t>
-            </a:r>
-            <a:r>
-              <a:rPr lang="en-CA" dirty="0"/>
-              <a:t/>
             </a:r>
             <a:br>
               <a:rPr lang="en-CA" dirty="0"/>
             </a:br>
-            <a:r>
-              <a:rPr lang="en-CA" dirty="0"/>
-              <a:t/>
-            </a:r>
             <a:br>
               <a:rPr lang="en-CA" dirty="0"/>
             </a:br>
@@ -7488,6 +7900,15 @@
             <a:pPr marL="0" indent="0">
               <a:buNone/>
             </a:pPr>
+            <a:endParaRPr lang="en-CA" b="1" dirty="0">
+              <a:latin typeface="Courier New" panose="02070309020205020404" pitchFamily="49" charset="0"/>
+              <a:cs typeface="Courier New" panose="02070309020205020404" pitchFamily="49" charset="0"/>
+            </a:endParaRPr>
+          </a:p>
+          <a:p>
+            <a:pPr marL="0" indent="0">
+              <a:buNone/>
+            </a:pPr>
             <a:r>
               <a:rPr lang="en-CA" b="1" dirty="0">
                 <a:latin typeface="Courier New" panose="02070309020205020404" pitchFamily="49" charset="0"/>
@@ -7526,6 +7947,15 @@
             <a:pPr marL="0" indent="0">
               <a:buNone/>
             </a:pPr>
+            <a:endParaRPr lang="en-CA" b="1" dirty="0">
+              <a:latin typeface="Courier New" panose="02070309020205020404" pitchFamily="49" charset="0"/>
+              <a:cs typeface="Courier New" panose="02070309020205020404" pitchFamily="49" charset="0"/>
+            </a:endParaRPr>
+          </a:p>
+          <a:p>
+            <a:pPr marL="0" indent="0">
+              <a:buNone/>
+            </a:pPr>
             <a:r>
               <a:rPr lang="en-CA" b="1" dirty="0">
                 <a:latin typeface="Courier New" panose="02070309020205020404" pitchFamily="49" charset="0"/>
@@ -7571,60 +8001,6 @@
               </a:rPr>
               <a:t>T100 Toy-Inc. 3413</a:t>
             </a:r>
-            <a:br>
-              <a:rPr lang="en-CA" dirty="0">
-                <a:latin typeface="Courier New" panose="02070309020205020404" pitchFamily="49" charset="0"/>
-                <a:cs typeface="Courier New" panose="02070309020205020404" pitchFamily="49" charset="0"/>
-              </a:rPr>
-            </a:br>
-            <a:r>
-              <a:rPr lang="en-CA" dirty="0">
-                <a:latin typeface="Courier New" panose="02070309020205020404" pitchFamily="49" charset="0"/>
-                <a:cs typeface="Courier New" panose="02070309020205020404" pitchFamily="49" charset="0"/>
-              </a:rPr>
-              <a:t/>
-            </a:r>
-            <a:br>
-              <a:rPr lang="en-CA" dirty="0">
-                <a:latin typeface="Courier New" panose="02070309020205020404" pitchFamily="49" charset="0"/>
-                <a:cs typeface="Courier New" panose="02070309020205020404" pitchFamily="49" charset="0"/>
-              </a:rPr>
-            </a:br>
-            <a:r>
-              <a:rPr lang="en-CA" dirty="0">
-                <a:latin typeface="Courier New" panose="02070309020205020404" pitchFamily="49" charset="0"/>
-                <a:cs typeface="Courier New" panose="02070309020205020404" pitchFamily="49" charset="0"/>
-              </a:rPr>
-              <a:t/>
-            </a:r>
-            <a:br>
-              <a:rPr lang="en-CA" dirty="0">
-                <a:latin typeface="Courier New" panose="02070309020205020404" pitchFamily="49" charset="0"/>
-                <a:cs typeface="Courier New" panose="02070309020205020404" pitchFamily="49" charset="0"/>
-              </a:rPr>
-            </a:br>
-            <a:r>
-              <a:rPr lang="en-CA" dirty="0">
-                <a:latin typeface="Courier New" panose="02070309020205020404" pitchFamily="49" charset="0"/>
-                <a:cs typeface="Courier New" panose="02070309020205020404" pitchFamily="49" charset="0"/>
-              </a:rPr>
-              <a:t/>
-            </a:r>
-            <a:br>
-              <a:rPr lang="en-CA" dirty="0">
-                <a:latin typeface="Courier New" panose="02070309020205020404" pitchFamily="49" charset="0"/>
-                <a:cs typeface="Courier New" panose="02070309020205020404" pitchFamily="49" charset="0"/>
-              </a:rPr>
-            </a:br>
-            <a:endParaRPr lang="en-CA" dirty="0">
-              <a:latin typeface="Courier New" panose="02070309020205020404" pitchFamily="49" charset="0"/>
-              <a:cs typeface="Courier New" panose="02070309020205020404" pitchFamily="49" charset="0"/>
-            </a:endParaRPr>
-          </a:p>
-          <a:p>
-            <a:pPr marL="0" indent="0">
-              <a:buNone/>
-            </a:pPr>
             <a:endParaRPr lang="en-CA" dirty="0"/>
           </a:p>
         </p:txBody>
@@ -7643,7 +8019,7 @@
         </p:nvSpPr>
         <p:spPr>
           <a:xfrm>
-            <a:off x="8335890" y="3727282"/>
+            <a:off x="8081525" y="4289413"/>
             <a:ext cx="3725333" cy="861774"/>
           </a:xfrm>
           <a:prstGeom prst="rect">
@@ -7701,7 +8077,7 @@
         </p:nvCxnSpPr>
         <p:spPr>
           <a:xfrm flipH="1">
-            <a:off x="7179733" y="4106780"/>
+            <a:off x="7095650" y="4589056"/>
             <a:ext cx="636168" cy="0"/>
           </a:xfrm>
           <a:prstGeom prst="straightConnector1">
@@ -7744,7 +8120,7 @@
           <a:blip r:embed="rId2">
             <a:extLst>
               <a:ext uri="{837473B0-CC2E-450A-ABE3-18F120FF3D39}">
-                <a1611:picAttrSrcUrl xmlns="" xmlns:a1611="http://schemas.microsoft.com/office/drawing/2016/11/main" r:id="rId3"/>
+                <a1611:picAttrSrcUrl xmlns:a1611="http://schemas.microsoft.com/office/drawing/2016/11/main" r:id="rId3"/>
               </a:ext>
             </a:extLst>
           </a:blip>
@@ -7766,6 +8142,832 @@
     <p:extLst>
       <p:ext uri="{BB962C8B-B14F-4D97-AF65-F5344CB8AC3E}">
         <p14:creationId xmlns:p14="http://schemas.microsoft.com/office/powerpoint/2010/main" val="3263121651"/>
+      </p:ext>
+    </p:extLst>
+  </p:cSld>
+  <p:clrMapOvr>
+    <a:masterClrMapping/>
+  </p:clrMapOvr>
+  <p:timing>
+    <p:tnLst>
+      <p:par>
+        <p:cTn id="1" dur="indefinite" restart="never" nodeType="tmRoot">
+          <p:childTnLst>
+            <p:seq concurrent="1" nextAc="seek">
+              <p:cTn id="2" dur="indefinite" nodeType="mainSeq">
+                <p:childTnLst>
+                  <p:par>
+                    <p:cTn id="3" fill="hold">
+                      <p:stCondLst>
+                        <p:cond delay="indefinite"/>
+                        <p:cond evt="onBegin" delay="0">
+                          <p:tn val="2"/>
+                        </p:cond>
+                      </p:stCondLst>
+                      <p:childTnLst>
+                        <p:par>
+                          <p:cTn id="4" fill="hold">
+                            <p:stCondLst>
+                              <p:cond delay="0"/>
+                            </p:stCondLst>
+                            <p:childTnLst>
+                              <p:par>
+                                <p:cTn id="5" presetID="1" presetClass="entr" presetSubtype="0" fill="hold" grpId="0" nodeType="withEffect">
+                                  <p:stCondLst>
+                                    <p:cond delay="0"/>
+                                  </p:stCondLst>
+                                  <p:childTnLst>
+                                    <p:set>
+                                      <p:cBhvr>
+                                        <p:cTn id="6" dur="1" fill="hold">
+                                          <p:stCondLst>
+                                            <p:cond delay="0"/>
+                                          </p:stCondLst>
+                                        </p:cTn>
+                                        <p:tgtEl>
+                                          <p:spTgt spid="3">
+                                            <p:txEl>
+                                              <p:pRg st="0" end="0"/>
+                                            </p:txEl>
+                                          </p:spTgt>
+                                        </p:tgtEl>
+                                        <p:attrNameLst>
+                                          <p:attrName>style.visibility</p:attrName>
+                                        </p:attrNameLst>
+                                      </p:cBhvr>
+                                      <p:to>
+                                        <p:strVal val="visible"/>
+                                      </p:to>
+                                    </p:set>
+                                  </p:childTnLst>
+                                </p:cTn>
+                              </p:par>
+                              <p:par>
+                                <p:cTn id="7" presetID="1" presetClass="entr" presetSubtype="0" fill="hold" grpId="0" nodeType="withEffect">
+                                  <p:stCondLst>
+                                    <p:cond delay="0"/>
+                                  </p:stCondLst>
+                                  <p:childTnLst>
+                                    <p:set>
+                                      <p:cBhvr>
+                                        <p:cTn id="8" dur="1" fill="hold">
+                                          <p:stCondLst>
+                                            <p:cond delay="0"/>
+                                          </p:stCondLst>
+                                        </p:cTn>
+                                        <p:tgtEl>
+                                          <p:spTgt spid="3">
+                                            <p:txEl>
+                                              <p:pRg st="1" end="1"/>
+                                            </p:txEl>
+                                          </p:spTgt>
+                                        </p:tgtEl>
+                                        <p:attrNameLst>
+                                          <p:attrName>style.visibility</p:attrName>
+                                        </p:attrNameLst>
+                                      </p:cBhvr>
+                                      <p:to>
+                                        <p:strVal val="visible"/>
+                                      </p:to>
+                                    </p:set>
+                                  </p:childTnLst>
+                                </p:cTn>
+                              </p:par>
+                              <p:par>
+                                <p:cTn id="9" presetID="1" presetClass="entr" presetSubtype="0" fill="hold" grpId="0" nodeType="withEffect">
+                                  <p:stCondLst>
+                                    <p:cond delay="0"/>
+                                  </p:stCondLst>
+                                  <p:childTnLst>
+                                    <p:set>
+                                      <p:cBhvr>
+                                        <p:cTn id="10" dur="1" fill="hold">
+                                          <p:stCondLst>
+                                            <p:cond delay="0"/>
+                                          </p:stCondLst>
+                                        </p:cTn>
+                                        <p:tgtEl>
+                                          <p:spTgt spid="3">
+                                            <p:txEl>
+                                              <p:pRg st="2" end="2"/>
+                                            </p:txEl>
+                                          </p:spTgt>
+                                        </p:tgtEl>
+                                        <p:attrNameLst>
+                                          <p:attrName>style.visibility</p:attrName>
+                                        </p:attrNameLst>
+                                      </p:cBhvr>
+                                      <p:to>
+                                        <p:strVal val="visible"/>
+                                      </p:to>
+                                    </p:set>
+                                  </p:childTnLst>
+                                </p:cTn>
+                              </p:par>
+                              <p:par>
+                                <p:cTn id="11" presetID="1" presetClass="entr" presetSubtype="0" fill="hold" grpId="0" nodeType="withEffect">
+                                  <p:stCondLst>
+                                    <p:cond delay="0"/>
+                                  </p:stCondLst>
+                                  <p:childTnLst>
+                                    <p:set>
+                                      <p:cBhvr>
+                                        <p:cTn id="12" dur="1" fill="hold">
+                                          <p:stCondLst>
+                                            <p:cond delay="0"/>
+                                          </p:stCondLst>
+                                        </p:cTn>
+                                        <p:tgtEl>
+                                          <p:spTgt spid="3">
+                                            <p:txEl>
+                                              <p:pRg st="3" end="3"/>
+                                            </p:txEl>
+                                          </p:spTgt>
+                                        </p:tgtEl>
+                                        <p:attrNameLst>
+                                          <p:attrName>style.visibility</p:attrName>
+                                        </p:attrNameLst>
+                                      </p:cBhvr>
+                                      <p:to>
+                                        <p:strVal val="visible"/>
+                                      </p:to>
+                                    </p:set>
+                                  </p:childTnLst>
+                                </p:cTn>
+                              </p:par>
+                              <p:par>
+                                <p:cTn id="13" presetID="1" presetClass="entr" presetSubtype="0" fill="hold" grpId="0" nodeType="withEffect">
+                                  <p:stCondLst>
+                                    <p:cond delay="0"/>
+                                  </p:stCondLst>
+                                  <p:childTnLst>
+                                    <p:set>
+                                      <p:cBhvr>
+                                        <p:cTn id="14" dur="1" fill="hold">
+                                          <p:stCondLst>
+                                            <p:cond delay="0"/>
+                                          </p:stCondLst>
+                                        </p:cTn>
+                                        <p:tgtEl>
+                                          <p:spTgt spid="3">
+                                            <p:txEl>
+                                              <p:pRg st="5" end="5"/>
+                                            </p:txEl>
+                                          </p:spTgt>
+                                        </p:tgtEl>
+                                        <p:attrNameLst>
+                                          <p:attrName>style.visibility</p:attrName>
+                                        </p:attrNameLst>
+                                      </p:cBhvr>
+                                      <p:to>
+                                        <p:strVal val="visible"/>
+                                      </p:to>
+                                    </p:set>
+                                  </p:childTnLst>
+                                </p:cTn>
+                              </p:par>
+                              <p:par>
+                                <p:cTn id="15" presetID="1" presetClass="entr" presetSubtype="0" fill="hold" grpId="0" nodeType="withEffect">
+                                  <p:stCondLst>
+                                    <p:cond delay="0"/>
+                                  </p:stCondLst>
+                                  <p:childTnLst>
+                                    <p:set>
+                                      <p:cBhvr>
+                                        <p:cTn id="16" dur="1" fill="hold">
+                                          <p:stCondLst>
+                                            <p:cond delay="0"/>
+                                          </p:stCondLst>
+                                        </p:cTn>
+                                        <p:tgtEl>
+                                          <p:spTgt spid="3">
+                                            <p:txEl>
+                                              <p:pRg st="6" end="6"/>
+                                            </p:txEl>
+                                          </p:spTgt>
+                                        </p:tgtEl>
+                                        <p:attrNameLst>
+                                          <p:attrName>style.visibility</p:attrName>
+                                        </p:attrNameLst>
+                                      </p:cBhvr>
+                                      <p:to>
+                                        <p:strVal val="visible"/>
+                                      </p:to>
+                                    </p:set>
+                                  </p:childTnLst>
+                                </p:cTn>
+                              </p:par>
+                              <p:par>
+                                <p:cTn id="17" presetID="1" presetClass="entr" presetSubtype="0" fill="hold" grpId="0" nodeType="withEffect">
+                                  <p:stCondLst>
+                                    <p:cond delay="0"/>
+                                  </p:stCondLst>
+                                  <p:childTnLst>
+                                    <p:set>
+                                      <p:cBhvr>
+                                        <p:cTn id="18" dur="1" fill="hold">
+                                          <p:stCondLst>
+                                            <p:cond delay="0"/>
+                                          </p:stCondLst>
+                                        </p:cTn>
+                                        <p:tgtEl>
+                                          <p:spTgt spid="3">
+                                            <p:txEl>
+                                              <p:pRg st="8" end="8"/>
+                                            </p:txEl>
+                                          </p:spTgt>
+                                        </p:tgtEl>
+                                        <p:attrNameLst>
+                                          <p:attrName>style.visibility</p:attrName>
+                                        </p:attrNameLst>
+                                      </p:cBhvr>
+                                      <p:to>
+                                        <p:strVal val="visible"/>
+                                      </p:to>
+                                    </p:set>
+                                  </p:childTnLst>
+                                </p:cTn>
+                              </p:par>
+                              <p:par>
+                                <p:cTn id="19" presetID="1" presetClass="entr" presetSubtype="0" fill="hold" grpId="0" nodeType="withEffect">
+                                  <p:stCondLst>
+                                    <p:cond delay="0"/>
+                                  </p:stCondLst>
+                                  <p:childTnLst>
+                                    <p:set>
+                                      <p:cBhvr>
+                                        <p:cTn id="20" dur="1" fill="hold">
+                                          <p:stCondLst>
+                                            <p:cond delay="0"/>
+                                          </p:stCondLst>
+                                        </p:cTn>
+                                        <p:tgtEl>
+                                          <p:spTgt spid="3">
+                                            <p:txEl>
+                                              <p:pRg st="9" end="9"/>
+                                            </p:txEl>
+                                          </p:spTgt>
+                                        </p:tgtEl>
+                                        <p:attrNameLst>
+                                          <p:attrName>style.visibility</p:attrName>
+                                        </p:attrNameLst>
+                                      </p:cBhvr>
+                                      <p:to>
+                                        <p:strVal val="visible"/>
+                                      </p:to>
+                                    </p:set>
+                                  </p:childTnLst>
+                                </p:cTn>
+                              </p:par>
+                              <p:par>
+                                <p:cTn id="21" presetID="1" presetClass="entr" presetSubtype="0" fill="hold" grpId="0" nodeType="withEffect">
+                                  <p:stCondLst>
+                                    <p:cond delay="0"/>
+                                  </p:stCondLst>
+                                  <p:childTnLst>
+                                    <p:set>
+                                      <p:cBhvr>
+                                        <p:cTn id="22" dur="1" fill="hold">
+                                          <p:stCondLst>
+                                            <p:cond delay="0"/>
+                                          </p:stCondLst>
+                                        </p:cTn>
+                                        <p:tgtEl>
+                                          <p:spTgt spid="3">
+                                            <p:txEl>
+                                              <p:pRg st="10" end="10"/>
+                                            </p:txEl>
+                                          </p:spTgt>
+                                        </p:tgtEl>
+                                        <p:attrNameLst>
+                                          <p:attrName>style.visibility</p:attrName>
+                                        </p:attrNameLst>
+                                      </p:cBhvr>
+                                      <p:to>
+                                        <p:strVal val="visible"/>
+                                      </p:to>
+                                    </p:set>
+                                  </p:childTnLst>
+                                </p:cTn>
+                              </p:par>
+                            </p:childTnLst>
+                          </p:cTn>
+                        </p:par>
+                      </p:childTnLst>
+                    </p:cTn>
+                  </p:par>
+                  <p:par>
+                    <p:cTn id="23" fill="hold">
+                      <p:stCondLst>
+                        <p:cond delay="indefinite"/>
+                      </p:stCondLst>
+                      <p:childTnLst>
+                        <p:par>
+                          <p:cTn id="24" fill="hold">
+                            <p:stCondLst>
+                              <p:cond delay="0"/>
+                            </p:stCondLst>
+                            <p:childTnLst>
+                              <p:par>
+                                <p:cTn id="25" presetID="1" presetClass="entr" presetSubtype="0" fill="hold" nodeType="clickEffect">
+                                  <p:stCondLst>
+                                    <p:cond delay="0"/>
+                                  </p:stCondLst>
+                                  <p:childTnLst>
+                                    <p:set>
+                                      <p:cBhvr>
+                                        <p:cTn id="26" dur="1" fill="hold">
+                                          <p:stCondLst>
+                                            <p:cond delay="0"/>
+                                          </p:stCondLst>
+                                        </p:cTn>
+                                        <p:tgtEl>
+                                          <p:spTgt spid="7"/>
+                                        </p:tgtEl>
+                                        <p:attrNameLst>
+                                          <p:attrName>style.visibility</p:attrName>
+                                        </p:attrNameLst>
+                                      </p:cBhvr>
+                                      <p:to>
+                                        <p:strVal val="visible"/>
+                                      </p:to>
+                                    </p:set>
+                                  </p:childTnLst>
+                                </p:cTn>
+                              </p:par>
+                              <p:par>
+                                <p:cTn id="27" presetID="1" presetClass="entr" presetSubtype="0" fill="hold" grpId="0" nodeType="withEffect">
+                                  <p:stCondLst>
+                                    <p:cond delay="0"/>
+                                  </p:stCondLst>
+                                  <p:childTnLst>
+                                    <p:set>
+                                      <p:cBhvr>
+                                        <p:cTn id="28" dur="1" fill="hold">
+                                          <p:stCondLst>
+                                            <p:cond delay="0"/>
+                                          </p:stCondLst>
+                                        </p:cTn>
+                                        <p:tgtEl>
+                                          <p:spTgt spid="5"/>
+                                        </p:tgtEl>
+                                        <p:attrNameLst>
+                                          <p:attrName>style.visibility</p:attrName>
+                                        </p:attrNameLst>
+                                      </p:cBhvr>
+                                      <p:to>
+                                        <p:strVal val="visible"/>
+                                      </p:to>
+                                    </p:set>
+                                  </p:childTnLst>
+                                </p:cTn>
+                              </p:par>
+                            </p:childTnLst>
+                          </p:cTn>
+                        </p:par>
+                      </p:childTnLst>
+                    </p:cTn>
+                  </p:par>
+                </p:childTnLst>
+              </p:cTn>
+              <p:prevCondLst>
+                <p:cond evt="onPrev" delay="0">
+                  <p:tgtEl>
+                    <p:sldTgt/>
+                  </p:tgtEl>
+                </p:cond>
+              </p:prevCondLst>
+              <p:nextCondLst>
+                <p:cond evt="onNext" delay="0">
+                  <p:tgtEl>
+                    <p:sldTgt/>
+                  </p:tgtEl>
+                </p:cond>
+              </p:nextCondLst>
+            </p:seq>
+          </p:childTnLst>
+        </p:cTn>
+      </p:par>
+    </p:tnLst>
+    <p:bldLst>
+      <p:bldP spid="3" grpId="0" uiExpand="1" build="p"/>
+      <p:bldP spid="5" grpId="0" animBg="1"/>
+    </p:bldLst>
+  </p:timing>
+</p:sld>
+</file>
+
+<file path=ppt/slides/slide15.xml><?xml version="1.0" encoding="utf-8"?>
+<p:sld xmlns:a="http://schemas.openxmlformats.org/drawingml/2006/main" xmlns:r="http://schemas.openxmlformats.org/officeDocument/2006/relationships" xmlns:p="http://schemas.openxmlformats.org/presentationml/2006/main" showMasterSp="0">
+  <p:cSld>
+    <p:spTree>
+      <p:nvGrpSpPr>
+        <p:cNvPr id="1" name=""/>
+        <p:cNvGrpSpPr/>
+        <p:nvPr/>
+      </p:nvGrpSpPr>
+      <p:grpSpPr>
+        <a:xfrm>
+          <a:off x="0" y="0"/>
+          <a:ext cx="0" cy="0"/>
+          <a:chOff x="0" y="0"/>
+          <a:chExt cx="0" cy="0"/>
+        </a:xfrm>
+      </p:grpSpPr>
+      <p:sp>
+        <p:nvSpPr>
+          <p:cNvPr id="2" name="Title 1">
+            <a:extLst>
+              <a:ext uri="{FF2B5EF4-FFF2-40B4-BE49-F238E27FC236}">
+                <a16:creationId xmlns:a16="http://schemas.microsoft.com/office/drawing/2014/main" id="{303829AC-DEC4-1147-BF51-3849E59AC39E}"/>
+              </a:ext>
+            </a:extLst>
+          </p:cNvPr>
+          <p:cNvSpPr>
+            <a:spLocks noGrp="1"/>
+          </p:cNvSpPr>
+          <p:nvPr>
+            <p:ph type="title"/>
+          </p:nvPr>
+        </p:nvSpPr>
+        <p:spPr/>
+        <p:txBody>
+          <a:bodyPr>
+            <a:normAutofit/>
+          </a:bodyPr>
+          <a:lstStyle/>
+          <a:p>
+            <a:r>
+              <a:rPr lang="en-US" sz="2800" dirty="0" err="1"/>
+              <a:t>awk</a:t>
+            </a:r>
+            <a:r>
+              <a:rPr lang="en-US" sz="2800" dirty="0"/>
+              <a:t> utility</a:t>
+            </a:r>
+            <a:endParaRPr lang="en-US" sz="3000" dirty="0"/>
+          </a:p>
+        </p:txBody>
+      </p:sp>
+      <p:sp>
+        <p:nvSpPr>
+          <p:cNvPr id="3" name="Content Placeholder 2">
+            <a:extLst>
+              <a:ext uri="{FF2B5EF4-FFF2-40B4-BE49-F238E27FC236}">
+                <a16:creationId xmlns:a16="http://schemas.microsoft.com/office/drawing/2014/main" id="{99DF4C7A-3854-7B4B-8D4F-4AD959A565DC}"/>
+              </a:ext>
+            </a:extLst>
+          </p:cNvPr>
+          <p:cNvSpPr>
+            <a:spLocks noGrp="1"/>
+          </p:cNvSpPr>
+          <p:nvPr>
+            <p:ph idx="1"/>
+          </p:nvPr>
+        </p:nvSpPr>
+        <p:spPr>
+          <a:xfrm>
+            <a:off x="1451577" y="1706813"/>
+            <a:ext cx="7235223" cy="4755771"/>
+          </a:xfrm>
+        </p:spPr>
+        <p:txBody>
+          <a:bodyPr>
+            <a:normAutofit fontScale="85000" lnSpcReduction="20000"/>
+          </a:bodyPr>
+          <a:lstStyle/>
+          <a:p>
+            <a:pPr marL="0" indent="0">
+              <a:buNone/>
+            </a:pPr>
+            <a:r>
+              <a:rPr lang="en-CA" sz="2400" b="1" dirty="0"/>
+              <a:t>Example 7</a:t>
+            </a:r>
+          </a:p>
+          <a:p>
+            <a:pPr marL="0" indent="0">
+              <a:buNone/>
+            </a:pPr>
+            <a:r>
+              <a:rPr lang="en-CA" b="1" dirty="0">
+                <a:latin typeface="Courier New" panose="02070309020205020404" pitchFamily="49" charset="0"/>
+                <a:cs typeface="Courier New" panose="02070309020205020404" pitchFamily="49" charset="0"/>
+              </a:rPr>
+              <a:t>cat </a:t>
+            </a:r>
+            <a:r>
+              <a:rPr lang="en-CA" b="1" dirty="0" err="1">
+                <a:latin typeface="Courier New" panose="02070309020205020404" pitchFamily="49" charset="0"/>
+                <a:cs typeface="Courier New" panose="02070309020205020404" pitchFamily="49" charset="0"/>
+              </a:rPr>
+              <a:t>customer.dat</a:t>
+            </a:r>
+            <a:r>
+              <a:rPr lang="en-CA" b="1" dirty="0">
+                <a:latin typeface="Courier New" panose="02070309020205020404" pitchFamily="49" charset="0"/>
+                <a:cs typeface="Courier New" panose="02070309020205020404" pitchFamily="49" charset="0"/>
+              </a:rPr>
+              <a:t> </a:t>
+            </a:r>
+          </a:p>
+          <a:p>
+            <a:pPr marL="0" indent="0">
+              <a:buNone/>
+            </a:pPr>
+            <a:r>
+              <a:rPr lang="en-CA" dirty="0">
+                <a:latin typeface="Courier New" panose="02070309020205020404" pitchFamily="49" charset="0"/>
+                <a:cs typeface="Courier New" panose="02070309020205020404" pitchFamily="49" charset="0"/>
+              </a:rPr>
+              <a:t>A100 Acme-Inc. 5400</a:t>
+            </a:r>
+          </a:p>
+          <a:p>
+            <a:pPr marL="0" indent="0">
+              <a:buNone/>
+            </a:pPr>
+            <a:r>
+              <a:rPr lang="en-CA" dirty="0">
+                <a:latin typeface="Courier New" panose="02070309020205020404" pitchFamily="49" charset="0"/>
+                <a:cs typeface="Courier New" panose="02070309020205020404" pitchFamily="49" charset="0"/>
+              </a:rPr>
+              <a:t>R100 Rain-Ltd. 11224</a:t>
+            </a:r>
+          </a:p>
+          <a:p>
+            <a:pPr marL="0" indent="0">
+              <a:buNone/>
+            </a:pPr>
+            <a:r>
+              <a:rPr lang="en-CA" dirty="0">
+                <a:latin typeface="Courier New" panose="02070309020205020404" pitchFamily="49" charset="0"/>
+                <a:cs typeface="Courier New" panose="02070309020205020404" pitchFamily="49" charset="0"/>
+              </a:rPr>
+              <a:t>T100 Toy-Inc. 3413</a:t>
+            </a:r>
+          </a:p>
+          <a:p>
+            <a:pPr marL="0" indent="0">
+              <a:buNone/>
+            </a:pPr>
+            <a:endParaRPr lang="en-CA" b="1" dirty="0">
+              <a:latin typeface="Courier New" panose="02070309020205020404" pitchFamily="49" charset="0"/>
+              <a:cs typeface="Courier New" panose="02070309020205020404" pitchFamily="49" charset="0"/>
+            </a:endParaRPr>
+          </a:p>
+          <a:p>
+            <a:pPr marL="0" indent="0">
+              <a:buNone/>
+            </a:pPr>
+            <a:r>
+              <a:rPr lang="en-CA" b="1" dirty="0">
+                <a:latin typeface="Courier New" panose="02070309020205020404" pitchFamily="49" charset="0"/>
+                <a:cs typeface="Courier New" panose="02070309020205020404" pitchFamily="49" charset="0"/>
+              </a:rPr>
+              <a:t>awk '$3 &gt;= 5000 &amp;&amp; $3 &lt;= 10000  {print}' </a:t>
+            </a:r>
+            <a:r>
+              <a:rPr lang="en-CA" b="1" dirty="0" err="1">
+                <a:latin typeface="Courier New" panose="02070309020205020404" pitchFamily="49" charset="0"/>
+                <a:cs typeface="Courier New" panose="02070309020205020404" pitchFamily="49" charset="0"/>
+              </a:rPr>
+              <a:t>customer.dat</a:t>
+            </a:r>
+            <a:r>
+              <a:rPr lang="en-CA" b="1" dirty="0">
+                <a:latin typeface="Courier New" panose="02070309020205020404" pitchFamily="49" charset="0"/>
+                <a:cs typeface="Courier New" panose="02070309020205020404" pitchFamily="49" charset="0"/>
+              </a:rPr>
+              <a:t> </a:t>
+            </a:r>
+          </a:p>
+          <a:p>
+            <a:pPr marL="0" indent="0">
+              <a:buNone/>
+            </a:pPr>
+            <a:r>
+              <a:rPr lang="en-CA" dirty="0">
+                <a:latin typeface="Courier New" panose="02070309020205020404" pitchFamily="49" charset="0"/>
+                <a:cs typeface="Courier New" panose="02070309020205020404" pitchFamily="49" charset="0"/>
+              </a:rPr>
+              <a:t>A100 Acme-Inc. 5400</a:t>
+            </a:r>
+          </a:p>
+          <a:p>
+            <a:pPr marL="0" indent="0">
+              <a:buNone/>
+            </a:pPr>
+            <a:endParaRPr lang="en-CA" b="1" dirty="0">
+              <a:latin typeface="Courier New" panose="02070309020205020404" pitchFamily="49" charset="0"/>
+              <a:cs typeface="Courier New" panose="02070309020205020404" pitchFamily="49" charset="0"/>
+            </a:endParaRPr>
+          </a:p>
+          <a:p>
+            <a:pPr marL="0" indent="0">
+              <a:buNone/>
+            </a:pPr>
+            <a:r>
+              <a:rPr lang="en-CA" b="1" dirty="0">
+                <a:latin typeface="Courier New" panose="02070309020205020404" pitchFamily="49" charset="0"/>
+                <a:cs typeface="Courier New" panose="02070309020205020404" pitchFamily="49" charset="0"/>
+              </a:rPr>
+              <a:t>awk '$3 &lt;= 5000 || $3 &gt;= 10000  {print}' </a:t>
+            </a:r>
+            <a:r>
+              <a:rPr lang="en-CA" b="1" dirty="0" err="1">
+                <a:latin typeface="Courier New" panose="02070309020205020404" pitchFamily="49" charset="0"/>
+                <a:cs typeface="Courier New" panose="02070309020205020404" pitchFamily="49" charset="0"/>
+              </a:rPr>
+              <a:t>customer.dat</a:t>
+            </a:r>
+            <a:r>
+              <a:rPr lang="en-CA" b="1" dirty="0">
+                <a:latin typeface="Courier New" panose="02070309020205020404" pitchFamily="49" charset="0"/>
+                <a:cs typeface="Courier New" panose="02070309020205020404" pitchFamily="49" charset="0"/>
+              </a:rPr>
+              <a:t> </a:t>
+            </a:r>
+          </a:p>
+          <a:p>
+            <a:pPr marL="0" indent="0">
+              <a:buNone/>
+            </a:pPr>
+            <a:r>
+              <a:rPr lang="en-CA" dirty="0">
+                <a:latin typeface="Courier New" panose="02070309020205020404" pitchFamily="49" charset="0"/>
+                <a:cs typeface="Courier New" panose="02070309020205020404" pitchFamily="49" charset="0"/>
+              </a:rPr>
+              <a:t>R100 Rain-Ltd. 11224</a:t>
+            </a:r>
+          </a:p>
+          <a:p>
+            <a:pPr marL="0" indent="0">
+              <a:buNone/>
+            </a:pPr>
+            <a:r>
+              <a:rPr lang="en-CA" dirty="0">
+                <a:latin typeface="Courier New" panose="02070309020205020404" pitchFamily="49" charset="0"/>
+                <a:cs typeface="Courier New" panose="02070309020205020404" pitchFamily="49" charset="0"/>
+              </a:rPr>
+              <a:t>T100 Toy-Inc. 3413</a:t>
+            </a:r>
+            <a:endParaRPr lang="en-CA" dirty="0"/>
+          </a:p>
+        </p:txBody>
+      </p:sp>
+      <p:sp>
+        <p:nvSpPr>
+          <p:cNvPr id="5" name="TextBox 4">
+            <a:extLst>
+              <a:ext uri="{FF2B5EF4-FFF2-40B4-BE49-F238E27FC236}">
+                <a16:creationId xmlns:a16="http://schemas.microsoft.com/office/drawing/2014/main" id="{9C301692-18A0-BB4E-BBA6-52BEC38D3BC9}"/>
+              </a:ext>
+            </a:extLst>
+          </p:cNvPr>
+          <p:cNvSpPr txBox="1"/>
+          <p:nvPr/>
+        </p:nvSpPr>
+        <p:spPr>
+          <a:xfrm>
+            <a:off x="9402688" y="4084698"/>
+            <a:ext cx="2406329" cy="1107996"/>
+          </a:xfrm>
+          <a:prstGeom prst="rect">
+            <a:avLst/>
+          </a:prstGeom>
+          <a:noFill/>
+          <a:ln>
+            <a:noFill/>
+          </a:ln>
+        </p:spPr>
+        <p:txBody>
+          <a:bodyPr wrap="square" rtlCol="0">
+            <a:spAutoFit/>
+          </a:bodyPr>
+          <a:lstStyle/>
+          <a:p>
+            <a:r>
+              <a:rPr lang="en-CA" sz="1600" dirty="0"/>
+              <a:t>Using the </a:t>
+            </a:r>
+            <a:r>
+              <a:rPr lang="en-CA" sz="1600" b="1" dirty="0">
+                <a:latin typeface="Courier New" panose="02070309020205020404" pitchFamily="49" charset="0"/>
+                <a:cs typeface="Courier New" panose="02070309020205020404" pitchFamily="49" charset="0"/>
+              </a:rPr>
+              <a:t>&amp;&amp;</a:t>
+            </a:r>
+            <a:r>
+              <a:rPr lang="en-CA" sz="1600" dirty="0"/>
+              <a:t> and </a:t>
+            </a:r>
+            <a:r>
+              <a:rPr lang="en-CA" sz="1600" b="1" dirty="0">
+                <a:latin typeface="Courier New" panose="02070309020205020404" pitchFamily="49" charset="0"/>
+                <a:cs typeface="Courier New" panose="02070309020205020404" pitchFamily="49" charset="0"/>
+              </a:rPr>
+              <a:t>||</a:t>
+            </a:r>
+            <a:r>
+              <a:rPr lang="en-CA" sz="1600" dirty="0"/>
+              <a:t> conditional operators with the </a:t>
+            </a:r>
+            <a:r>
+              <a:rPr lang="en-CA" sz="1600" dirty="0" err="1"/>
+              <a:t>awk</a:t>
+            </a:r>
+            <a:r>
+              <a:rPr lang="en-CA" sz="1600" dirty="0"/>
+              <a:t> command.</a:t>
+            </a:r>
+          </a:p>
+          <a:p>
+            <a:endParaRPr lang="en-US" dirty="0"/>
+          </a:p>
+        </p:txBody>
+      </p:sp>
+      <p:cxnSp>
+        <p:nvCxnSpPr>
+          <p:cNvPr id="7" name="Straight Arrow Connector 6">
+            <a:extLst>
+              <a:ext uri="{FF2B5EF4-FFF2-40B4-BE49-F238E27FC236}">
+                <a16:creationId xmlns:a16="http://schemas.microsoft.com/office/drawing/2014/main" id="{F73B1EBA-D151-9F49-B895-402E018A4F81}"/>
+              </a:ext>
+            </a:extLst>
+          </p:cNvPr>
+          <p:cNvCxnSpPr>
+            <a:cxnSpLocks/>
+          </p:cNvCxnSpPr>
+          <p:nvPr/>
+        </p:nvCxnSpPr>
+        <p:spPr>
+          <a:xfrm flipH="1">
+            <a:off x="8686800" y="4473642"/>
+            <a:ext cx="636168" cy="0"/>
+          </a:xfrm>
+          <a:prstGeom prst="straightConnector1">
+            <a:avLst/>
+          </a:prstGeom>
+          <a:ln>
+            <a:tailEnd type="triangle"/>
+          </a:ln>
+        </p:spPr>
+        <p:style>
+          <a:lnRef idx="1">
+            <a:schemeClr val="dk1"/>
+          </a:lnRef>
+          <a:fillRef idx="0">
+            <a:schemeClr val="dk1"/>
+          </a:fillRef>
+          <a:effectRef idx="0">
+            <a:schemeClr val="dk1"/>
+          </a:effectRef>
+          <a:fontRef idx="minor">
+            <a:schemeClr val="tx1"/>
+          </a:fontRef>
+        </p:style>
+      </p:cxnSp>
+      <p:pic>
+        <p:nvPicPr>
+          <p:cNvPr id="6" name="Picture 5" descr="A close up of a logo&#10;&#10;Description automatically generated">
+            <a:extLst>
+              <a:ext uri="{FF2B5EF4-FFF2-40B4-BE49-F238E27FC236}">
+                <a16:creationId xmlns:a16="http://schemas.microsoft.com/office/drawing/2014/main" id="{C644E3E9-7A86-AD45-8EF2-66D45F89D1A8}"/>
+              </a:ext>
+            </a:extLst>
+          </p:cNvPr>
+          <p:cNvPicPr>
+            <a:picLocks noChangeAspect="1"/>
+          </p:cNvPicPr>
+          <p:nvPr/>
+        </p:nvPicPr>
+        <p:blipFill>
+          <a:blip r:embed="rId2">
+            <a:extLst>
+              <a:ext uri="{837473B0-CC2E-450A-ABE3-18F120FF3D39}">
+                <a1611:picAttrSrcUrl xmlns:a1611="http://schemas.microsoft.com/office/drawing/2016/11/main" r:id="rId3"/>
+              </a:ext>
+            </a:extLst>
+          </a:blip>
+          <a:stretch>
+            <a:fillRect/>
+          </a:stretch>
+        </p:blipFill>
+        <p:spPr>
+          <a:xfrm>
+            <a:off x="10554014" y="1184924"/>
+            <a:ext cx="1252844" cy="1252844"/>
+          </a:xfrm>
+          <a:prstGeom prst="rect">
+            <a:avLst/>
+          </a:prstGeom>
+        </p:spPr>
+      </p:pic>
+    </p:spTree>
+    <p:extLst>
+      <p:ext uri="{BB962C8B-B14F-4D97-AF65-F5344CB8AC3E}">
+        <p14:creationId xmlns:p14="http://schemas.microsoft.com/office/powerpoint/2010/main" val="4237956369"/>
       </p:ext>
     </p:extLst>
   </p:cSld>
@@ -7966,37 +9168,6 @@
                                         <p:tgtEl>
                                           <p:spTgt spid="3">
                                             <p:txEl>
-                                              <p:pRg st="5" end="5"/>
-                                            </p:txEl>
-                                          </p:spTgt>
-                                        </p:tgtEl>
-                                        <p:attrNameLst>
-                                          <p:attrName>style.visibility</p:attrName>
-                                        </p:attrNameLst>
-                                      </p:cBhvr>
-                                      <p:to>
-                                        <p:strVal val="visible"/>
-                                      </p:to>
-                                    </p:set>
-                                  </p:childTnLst>
-                                </p:cTn>
-                              </p:par>
-                              <p:par>
-                                <p:cTn id="17" presetID="1" presetClass="entr" presetSubtype="0" fill="hold" grpId="0" nodeType="withEffect">
-                                  <p:stCondLst>
-                                    <p:cond delay="0"/>
-                                  </p:stCondLst>
-                                  <p:childTnLst>
-                                    <p:set>
-                                      <p:cBhvr>
-                                        <p:cTn id="18" dur="1" fill="hold">
-                                          <p:stCondLst>
-                                            <p:cond delay="0"/>
-                                          </p:stCondLst>
-                                        </p:cTn>
-                                        <p:tgtEl>
-                                          <p:spTgt spid="3">
-                                            <p:txEl>
                                               <p:pRg st="6" end="6"/>
                                             </p:txEl>
                                           </p:spTgt>
@@ -8012,8 +9183,26 @@
                                   </p:childTnLst>
                                 </p:cTn>
                               </p:par>
+                            </p:childTnLst>
+                          </p:cTn>
+                        </p:par>
+                      </p:childTnLst>
+                    </p:cTn>
+                  </p:par>
+                  <p:par>
+                    <p:cTn id="17" fill="hold">
+                      <p:stCondLst>
+                        <p:cond delay="indefinite"/>
+                      </p:stCondLst>
+                      <p:childTnLst>
+                        <p:par>
+                          <p:cTn id="18" fill="hold">
+                            <p:stCondLst>
+                              <p:cond delay="0"/>
+                            </p:stCondLst>
+                            <p:childTnLst>
                               <p:par>
-                                <p:cTn id="19" presetID="1" presetClass="entr" presetSubtype="0" fill="hold" grpId="0" nodeType="withEffect">
+                                <p:cTn id="19" presetID="1" presetClass="entr" presetSubtype="0" fill="hold" nodeType="clickEffect">
                                   <p:stCondLst>
                                     <p:cond delay="0"/>
                                   </p:stCondLst>
@@ -8026,11 +9215,7 @@
                                           </p:stCondLst>
                                         </p:cTn>
                                         <p:tgtEl>
-                                          <p:spTgt spid="3">
-                                            <p:txEl>
-                                              <p:pRg st="7" end="7"/>
-                                            </p:txEl>
-                                          </p:spTgt>
+                                          <p:spTgt spid="7"/>
                                         </p:tgtEl>
                                         <p:attrNameLst>
                                           <p:attrName>style.visibility</p:attrName>
@@ -8052,798 +9237,6 @@
                                     <p:set>
                                       <p:cBhvr>
                                         <p:cTn id="22" dur="1" fill="hold">
-                                          <p:stCondLst>
-                                            <p:cond delay="0"/>
-                                          </p:stCondLst>
-                                        </p:cTn>
-                                        <p:tgtEl>
-                                          <p:spTgt spid="3">
-                                            <p:txEl>
-                                              <p:pRg st="8" end="8"/>
-                                            </p:txEl>
-                                          </p:spTgt>
-                                        </p:tgtEl>
-                                        <p:attrNameLst>
-                                          <p:attrName>style.visibility</p:attrName>
-                                        </p:attrNameLst>
-                                      </p:cBhvr>
-                                      <p:to>
-                                        <p:strVal val="visible"/>
-                                      </p:to>
-                                    </p:set>
-                                  </p:childTnLst>
-                                </p:cTn>
-                              </p:par>
-                            </p:childTnLst>
-                          </p:cTn>
-                        </p:par>
-                      </p:childTnLst>
-                    </p:cTn>
-                  </p:par>
-                  <p:par>
-                    <p:cTn id="23" fill="hold">
-                      <p:stCondLst>
-                        <p:cond delay="indefinite"/>
-                      </p:stCondLst>
-                      <p:childTnLst>
-                        <p:par>
-                          <p:cTn id="24" fill="hold">
-                            <p:stCondLst>
-                              <p:cond delay="0"/>
-                            </p:stCondLst>
-                            <p:childTnLst>
-                              <p:par>
-                                <p:cTn id="25" presetID="1" presetClass="entr" presetSubtype="0" fill="hold" nodeType="clickEffect">
-                                  <p:stCondLst>
-                                    <p:cond delay="0"/>
-                                  </p:stCondLst>
-                                  <p:childTnLst>
-                                    <p:set>
-                                      <p:cBhvr>
-                                        <p:cTn id="26" dur="1" fill="hold">
-                                          <p:stCondLst>
-                                            <p:cond delay="0"/>
-                                          </p:stCondLst>
-                                        </p:cTn>
-                                        <p:tgtEl>
-                                          <p:spTgt spid="7"/>
-                                        </p:tgtEl>
-                                        <p:attrNameLst>
-                                          <p:attrName>style.visibility</p:attrName>
-                                        </p:attrNameLst>
-                                      </p:cBhvr>
-                                      <p:to>
-                                        <p:strVal val="visible"/>
-                                      </p:to>
-                                    </p:set>
-                                  </p:childTnLst>
-                                </p:cTn>
-                              </p:par>
-                              <p:par>
-                                <p:cTn id="27" presetID="1" presetClass="entr" presetSubtype="0" fill="hold" grpId="0" nodeType="withEffect">
-                                  <p:stCondLst>
-                                    <p:cond delay="0"/>
-                                  </p:stCondLst>
-                                  <p:childTnLst>
-                                    <p:set>
-                                      <p:cBhvr>
-                                        <p:cTn id="28" dur="1" fill="hold">
-                                          <p:stCondLst>
-                                            <p:cond delay="0"/>
-                                          </p:stCondLst>
-                                        </p:cTn>
-                                        <p:tgtEl>
-                                          <p:spTgt spid="5"/>
-                                        </p:tgtEl>
-                                        <p:attrNameLst>
-                                          <p:attrName>style.visibility</p:attrName>
-                                        </p:attrNameLst>
-                                      </p:cBhvr>
-                                      <p:to>
-                                        <p:strVal val="visible"/>
-                                      </p:to>
-                                    </p:set>
-                                  </p:childTnLst>
-                                </p:cTn>
-                              </p:par>
-                            </p:childTnLst>
-                          </p:cTn>
-                        </p:par>
-                      </p:childTnLst>
-                    </p:cTn>
-                  </p:par>
-                </p:childTnLst>
-              </p:cTn>
-              <p:prevCondLst>
-                <p:cond evt="onPrev" delay="0">
-                  <p:tgtEl>
-                    <p:sldTgt/>
-                  </p:tgtEl>
-                </p:cond>
-              </p:prevCondLst>
-              <p:nextCondLst>
-                <p:cond evt="onNext" delay="0">
-                  <p:tgtEl>
-                    <p:sldTgt/>
-                  </p:tgtEl>
-                </p:cond>
-              </p:nextCondLst>
-            </p:seq>
-          </p:childTnLst>
-        </p:cTn>
-      </p:par>
-    </p:tnLst>
-    <p:bldLst>
-      <p:bldP spid="3" grpId="0" uiExpand="1" build="p"/>
-      <p:bldP spid="5" grpId="0" animBg="1"/>
-    </p:bldLst>
-  </p:timing>
-</p:sld>
-</file>
-
-<file path=ppt/slides/slide15.xml><?xml version="1.0" encoding="utf-8"?>
-<p:sld xmlns:a="http://schemas.openxmlformats.org/drawingml/2006/main" xmlns:r="http://schemas.openxmlformats.org/officeDocument/2006/relationships" xmlns:p="http://schemas.openxmlformats.org/presentationml/2006/main" showMasterSp="0">
-  <p:cSld>
-    <p:spTree>
-      <p:nvGrpSpPr>
-        <p:cNvPr id="1" name=""/>
-        <p:cNvGrpSpPr/>
-        <p:nvPr/>
-      </p:nvGrpSpPr>
-      <p:grpSpPr>
-        <a:xfrm>
-          <a:off x="0" y="0"/>
-          <a:ext cx="0" cy="0"/>
-          <a:chOff x="0" y="0"/>
-          <a:chExt cx="0" cy="0"/>
-        </a:xfrm>
-      </p:grpSpPr>
-      <p:sp>
-        <p:nvSpPr>
-          <p:cNvPr id="2" name="Title 1">
-            <a:extLst>
-              <a:ext uri="{FF2B5EF4-FFF2-40B4-BE49-F238E27FC236}">
-                <a16:creationId xmlns:a16="http://schemas.microsoft.com/office/drawing/2014/main" id="{303829AC-DEC4-1147-BF51-3849E59AC39E}"/>
-              </a:ext>
-            </a:extLst>
-          </p:cNvPr>
-          <p:cNvSpPr>
-            <a:spLocks noGrp="1"/>
-          </p:cNvSpPr>
-          <p:nvPr>
-            <p:ph type="title"/>
-          </p:nvPr>
-        </p:nvSpPr>
-        <p:spPr/>
-        <p:txBody>
-          <a:bodyPr>
-            <a:normAutofit/>
-          </a:bodyPr>
-          <a:lstStyle/>
-          <a:p>
-            <a:r>
-              <a:rPr lang="en-US" sz="2800" dirty="0" err="1"/>
-              <a:t>awk</a:t>
-            </a:r>
-            <a:r>
-              <a:rPr lang="en-US" sz="2800" dirty="0"/>
-              <a:t> utility</a:t>
-            </a:r>
-            <a:endParaRPr lang="en-US" sz="3000" dirty="0"/>
-          </a:p>
-        </p:txBody>
-      </p:sp>
-      <p:sp>
-        <p:nvSpPr>
-          <p:cNvPr id="3" name="Content Placeholder 2">
-            <a:extLst>
-              <a:ext uri="{FF2B5EF4-FFF2-40B4-BE49-F238E27FC236}">
-                <a16:creationId xmlns:a16="http://schemas.microsoft.com/office/drawing/2014/main" id="{99DF4C7A-3854-7B4B-8D4F-4AD959A565DC}"/>
-              </a:ext>
-            </a:extLst>
-          </p:cNvPr>
-          <p:cNvSpPr>
-            <a:spLocks noGrp="1"/>
-          </p:cNvSpPr>
-          <p:nvPr>
-            <p:ph idx="1"/>
-          </p:nvPr>
-        </p:nvSpPr>
-        <p:spPr>
-          <a:xfrm>
-            <a:off x="1451577" y="1706813"/>
-            <a:ext cx="7235223" cy="4755771"/>
-          </a:xfrm>
-        </p:spPr>
-        <p:txBody>
-          <a:bodyPr>
-            <a:normAutofit fontScale="70000" lnSpcReduction="20000"/>
-          </a:bodyPr>
-          <a:lstStyle/>
-          <a:p>
-            <a:pPr marL="0" indent="0">
-              <a:buNone/>
-            </a:pPr>
-            <a:r>
-              <a:rPr lang="en-CA" sz="2400" b="1" dirty="0"/>
-              <a:t>Example 7</a:t>
-            </a:r>
-            <a:r>
-              <a:rPr lang="en-CA" dirty="0"/>
-              <a:t/>
-            </a:r>
-            <a:br>
-              <a:rPr lang="en-CA" dirty="0"/>
-            </a:br>
-            <a:r>
-              <a:rPr lang="en-CA" dirty="0"/>
-              <a:t/>
-            </a:r>
-            <a:br>
-              <a:rPr lang="en-CA" dirty="0"/>
-            </a:br>
-            <a:r>
-              <a:rPr lang="en-CA" b="1" dirty="0">
-                <a:latin typeface="Courier New" panose="02070309020205020404" pitchFamily="49" charset="0"/>
-                <a:cs typeface="Courier New" panose="02070309020205020404" pitchFamily="49" charset="0"/>
-              </a:rPr>
-              <a:t>cat </a:t>
-            </a:r>
-            <a:r>
-              <a:rPr lang="en-CA" b="1" dirty="0" err="1">
-                <a:latin typeface="Courier New" panose="02070309020205020404" pitchFamily="49" charset="0"/>
-                <a:cs typeface="Courier New" panose="02070309020205020404" pitchFamily="49" charset="0"/>
-              </a:rPr>
-              <a:t>customer.dat</a:t>
-            </a:r>
-            <a:r>
-              <a:rPr lang="en-CA" b="1" dirty="0">
-                <a:latin typeface="Courier New" panose="02070309020205020404" pitchFamily="49" charset="0"/>
-                <a:cs typeface="Courier New" panose="02070309020205020404" pitchFamily="49" charset="0"/>
-              </a:rPr>
-              <a:t> </a:t>
-            </a:r>
-          </a:p>
-          <a:p>
-            <a:pPr marL="0" indent="0">
-              <a:buNone/>
-            </a:pPr>
-            <a:r>
-              <a:rPr lang="en-CA" dirty="0">
-                <a:latin typeface="Courier New" panose="02070309020205020404" pitchFamily="49" charset="0"/>
-                <a:cs typeface="Courier New" panose="02070309020205020404" pitchFamily="49" charset="0"/>
-              </a:rPr>
-              <a:t>A100 Acme-Inc. 5400</a:t>
-            </a:r>
-          </a:p>
-          <a:p>
-            <a:pPr marL="0" indent="0">
-              <a:buNone/>
-            </a:pPr>
-            <a:r>
-              <a:rPr lang="en-CA" dirty="0">
-                <a:latin typeface="Courier New" panose="02070309020205020404" pitchFamily="49" charset="0"/>
-                <a:cs typeface="Courier New" panose="02070309020205020404" pitchFamily="49" charset="0"/>
-              </a:rPr>
-              <a:t>R100 Rain-Ltd. 11224</a:t>
-            </a:r>
-          </a:p>
-          <a:p>
-            <a:pPr marL="0" indent="0">
-              <a:buNone/>
-            </a:pPr>
-            <a:r>
-              <a:rPr lang="en-CA" dirty="0">
-                <a:latin typeface="Courier New" panose="02070309020205020404" pitchFamily="49" charset="0"/>
-                <a:cs typeface="Courier New" panose="02070309020205020404" pitchFamily="49" charset="0"/>
-              </a:rPr>
-              <a:t>T100 Toy-Inc. 3413</a:t>
-            </a:r>
-          </a:p>
-          <a:p>
-            <a:pPr marL="0" indent="0">
-              <a:buNone/>
-            </a:pPr>
-            <a:r>
-              <a:rPr lang="en-CA" b="1" dirty="0">
-                <a:latin typeface="Courier New" panose="02070309020205020404" pitchFamily="49" charset="0"/>
-                <a:cs typeface="Courier New" panose="02070309020205020404" pitchFamily="49" charset="0"/>
-              </a:rPr>
-              <a:t>awk '$3 &gt;= 5000 &amp;&amp; $3 &lt;= 10000  {print}' </a:t>
-            </a:r>
-            <a:r>
-              <a:rPr lang="en-CA" b="1" dirty="0" err="1">
-                <a:latin typeface="Courier New" panose="02070309020205020404" pitchFamily="49" charset="0"/>
-                <a:cs typeface="Courier New" panose="02070309020205020404" pitchFamily="49" charset="0"/>
-              </a:rPr>
-              <a:t>customer.dat</a:t>
-            </a:r>
-            <a:r>
-              <a:rPr lang="en-CA" b="1" dirty="0">
-                <a:latin typeface="Courier New" panose="02070309020205020404" pitchFamily="49" charset="0"/>
-                <a:cs typeface="Courier New" panose="02070309020205020404" pitchFamily="49" charset="0"/>
-              </a:rPr>
-              <a:t> </a:t>
-            </a:r>
-          </a:p>
-          <a:p>
-            <a:pPr marL="0" indent="0">
-              <a:buNone/>
-            </a:pPr>
-            <a:r>
-              <a:rPr lang="en-CA" dirty="0">
-                <a:latin typeface="Courier New" panose="02070309020205020404" pitchFamily="49" charset="0"/>
-                <a:cs typeface="Courier New" panose="02070309020205020404" pitchFamily="49" charset="0"/>
-              </a:rPr>
-              <a:t>A100 Acme-Inc. 5400</a:t>
-            </a:r>
-          </a:p>
-          <a:p>
-            <a:pPr marL="0" indent="0">
-              <a:buNone/>
-            </a:pPr>
-            <a:r>
-              <a:rPr lang="en-CA" b="1" dirty="0">
-                <a:latin typeface="Courier New" panose="02070309020205020404" pitchFamily="49" charset="0"/>
-                <a:cs typeface="Courier New" panose="02070309020205020404" pitchFamily="49" charset="0"/>
-              </a:rPr>
-              <a:t>awk '$3 &lt;= 5000 || $3 &gt;= 10000  {print}' </a:t>
-            </a:r>
-            <a:r>
-              <a:rPr lang="en-CA" b="1" dirty="0" err="1">
-                <a:latin typeface="Courier New" panose="02070309020205020404" pitchFamily="49" charset="0"/>
-                <a:cs typeface="Courier New" panose="02070309020205020404" pitchFamily="49" charset="0"/>
-              </a:rPr>
-              <a:t>customer.dat</a:t>
-            </a:r>
-            <a:r>
-              <a:rPr lang="en-CA" b="1" dirty="0">
-                <a:latin typeface="Courier New" panose="02070309020205020404" pitchFamily="49" charset="0"/>
-                <a:cs typeface="Courier New" panose="02070309020205020404" pitchFamily="49" charset="0"/>
-              </a:rPr>
-              <a:t> </a:t>
-            </a:r>
-          </a:p>
-          <a:p>
-            <a:pPr marL="0" indent="0">
-              <a:buNone/>
-            </a:pPr>
-            <a:r>
-              <a:rPr lang="en-CA" dirty="0">
-                <a:latin typeface="Courier New" panose="02070309020205020404" pitchFamily="49" charset="0"/>
-                <a:cs typeface="Courier New" panose="02070309020205020404" pitchFamily="49" charset="0"/>
-              </a:rPr>
-              <a:t>R100 Rain-Ltd. 11224</a:t>
-            </a:r>
-          </a:p>
-          <a:p>
-            <a:pPr marL="0" indent="0">
-              <a:buNone/>
-            </a:pPr>
-            <a:r>
-              <a:rPr lang="en-CA" dirty="0">
-                <a:latin typeface="Courier New" panose="02070309020205020404" pitchFamily="49" charset="0"/>
-                <a:cs typeface="Courier New" panose="02070309020205020404" pitchFamily="49" charset="0"/>
-              </a:rPr>
-              <a:t>T100 Toy-Inc. 3413</a:t>
-            </a:r>
-            <a:br>
-              <a:rPr lang="en-CA" dirty="0">
-                <a:latin typeface="Courier New" panose="02070309020205020404" pitchFamily="49" charset="0"/>
-                <a:cs typeface="Courier New" panose="02070309020205020404" pitchFamily="49" charset="0"/>
-              </a:rPr>
-            </a:br>
-            <a:r>
-              <a:rPr lang="en-CA" dirty="0">
-                <a:latin typeface="Courier New" panose="02070309020205020404" pitchFamily="49" charset="0"/>
-                <a:cs typeface="Courier New" panose="02070309020205020404" pitchFamily="49" charset="0"/>
-              </a:rPr>
-              <a:t/>
-            </a:r>
-            <a:br>
-              <a:rPr lang="en-CA" dirty="0">
-                <a:latin typeface="Courier New" panose="02070309020205020404" pitchFamily="49" charset="0"/>
-                <a:cs typeface="Courier New" panose="02070309020205020404" pitchFamily="49" charset="0"/>
-              </a:rPr>
-            </a:br>
-            <a:r>
-              <a:rPr lang="en-CA" dirty="0">
-                <a:latin typeface="Courier New" panose="02070309020205020404" pitchFamily="49" charset="0"/>
-                <a:cs typeface="Courier New" panose="02070309020205020404" pitchFamily="49" charset="0"/>
-              </a:rPr>
-              <a:t/>
-            </a:r>
-            <a:br>
-              <a:rPr lang="en-CA" dirty="0">
-                <a:latin typeface="Courier New" panose="02070309020205020404" pitchFamily="49" charset="0"/>
-                <a:cs typeface="Courier New" panose="02070309020205020404" pitchFamily="49" charset="0"/>
-              </a:rPr>
-            </a:br>
-            <a:r>
-              <a:rPr lang="en-CA" dirty="0">
-                <a:latin typeface="Courier New" panose="02070309020205020404" pitchFamily="49" charset="0"/>
-                <a:cs typeface="Courier New" panose="02070309020205020404" pitchFamily="49" charset="0"/>
-              </a:rPr>
-              <a:t/>
-            </a:r>
-            <a:br>
-              <a:rPr lang="en-CA" dirty="0">
-                <a:latin typeface="Courier New" panose="02070309020205020404" pitchFamily="49" charset="0"/>
-                <a:cs typeface="Courier New" panose="02070309020205020404" pitchFamily="49" charset="0"/>
-              </a:rPr>
-            </a:br>
-            <a:endParaRPr lang="en-CA" dirty="0">
-              <a:latin typeface="Courier New" panose="02070309020205020404" pitchFamily="49" charset="0"/>
-              <a:cs typeface="Courier New" panose="02070309020205020404" pitchFamily="49" charset="0"/>
-            </a:endParaRPr>
-          </a:p>
-          <a:p>
-            <a:pPr marL="0" indent="0">
-              <a:buNone/>
-            </a:pPr>
-            <a:endParaRPr lang="en-CA" dirty="0"/>
-          </a:p>
-        </p:txBody>
-      </p:sp>
-      <p:sp>
-        <p:nvSpPr>
-          <p:cNvPr id="5" name="TextBox 4">
-            <a:extLst>
-              <a:ext uri="{FF2B5EF4-FFF2-40B4-BE49-F238E27FC236}">
-                <a16:creationId xmlns:a16="http://schemas.microsoft.com/office/drawing/2014/main" id="{9C301692-18A0-BB4E-BBA6-52BEC38D3BC9}"/>
-              </a:ext>
-            </a:extLst>
-          </p:cNvPr>
-          <p:cNvSpPr txBox="1"/>
-          <p:nvPr/>
-        </p:nvSpPr>
-        <p:spPr>
-          <a:xfrm>
-            <a:off x="9402688" y="4084698"/>
-            <a:ext cx="2406329" cy="1107996"/>
-          </a:xfrm>
-          <a:prstGeom prst="rect">
-            <a:avLst/>
-          </a:prstGeom>
-          <a:noFill/>
-          <a:ln>
-            <a:noFill/>
-          </a:ln>
-        </p:spPr>
-        <p:txBody>
-          <a:bodyPr wrap="square" rtlCol="0">
-            <a:spAutoFit/>
-          </a:bodyPr>
-          <a:lstStyle/>
-          <a:p>
-            <a:r>
-              <a:rPr lang="en-CA" sz="1600" dirty="0"/>
-              <a:t>Using the </a:t>
-            </a:r>
-            <a:r>
-              <a:rPr lang="en-CA" sz="1600" b="1" dirty="0">
-                <a:latin typeface="Courier New" panose="02070309020205020404" pitchFamily="49" charset="0"/>
-                <a:cs typeface="Courier New" panose="02070309020205020404" pitchFamily="49" charset="0"/>
-              </a:rPr>
-              <a:t>&amp;&amp;</a:t>
-            </a:r>
-            <a:r>
-              <a:rPr lang="en-CA" sz="1600" dirty="0"/>
-              <a:t> and </a:t>
-            </a:r>
-            <a:r>
-              <a:rPr lang="en-CA" sz="1600" b="1" dirty="0">
-                <a:latin typeface="Courier New" panose="02070309020205020404" pitchFamily="49" charset="0"/>
-                <a:cs typeface="Courier New" panose="02070309020205020404" pitchFamily="49" charset="0"/>
-              </a:rPr>
-              <a:t>||</a:t>
-            </a:r>
-            <a:r>
-              <a:rPr lang="en-CA" sz="1600" dirty="0"/>
-              <a:t> conditional operators with the </a:t>
-            </a:r>
-            <a:r>
-              <a:rPr lang="en-CA" sz="1600" dirty="0" err="1"/>
-              <a:t>awk</a:t>
-            </a:r>
-            <a:r>
-              <a:rPr lang="en-CA" sz="1600" dirty="0"/>
-              <a:t> command.</a:t>
-            </a:r>
-          </a:p>
-          <a:p>
-            <a:endParaRPr lang="en-US" dirty="0"/>
-          </a:p>
-        </p:txBody>
-      </p:sp>
-      <p:cxnSp>
-        <p:nvCxnSpPr>
-          <p:cNvPr id="7" name="Straight Arrow Connector 6">
-            <a:extLst>
-              <a:ext uri="{FF2B5EF4-FFF2-40B4-BE49-F238E27FC236}">
-                <a16:creationId xmlns:a16="http://schemas.microsoft.com/office/drawing/2014/main" id="{F73B1EBA-D151-9F49-B895-402E018A4F81}"/>
-              </a:ext>
-            </a:extLst>
-          </p:cNvPr>
-          <p:cNvCxnSpPr>
-            <a:cxnSpLocks/>
-          </p:cNvCxnSpPr>
-          <p:nvPr/>
-        </p:nvCxnSpPr>
-        <p:spPr>
-          <a:xfrm flipH="1">
-            <a:off x="8686800" y="4473642"/>
-            <a:ext cx="636168" cy="0"/>
-          </a:xfrm>
-          <a:prstGeom prst="straightConnector1">
-            <a:avLst/>
-          </a:prstGeom>
-          <a:ln>
-            <a:tailEnd type="triangle"/>
-          </a:ln>
-        </p:spPr>
-        <p:style>
-          <a:lnRef idx="1">
-            <a:schemeClr val="dk1"/>
-          </a:lnRef>
-          <a:fillRef idx="0">
-            <a:schemeClr val="dk1"/>
-          </a:fillRef>
-          <a:effectRef idx="0">
-            <a:schemeClr val="dk1"/>
-          </a:effectRef>
-          <a:fontRef idx="minor">
-            <a:schemeClr val="tx1"/>
-          </a:fontRef>
-        </p:style>
-      </p:cxnSp>
-      <p:pic>
-        <p:nvPicPr>
-          <p:cNvPr id="6" name="Picture 5" descr="A close up of a logo&#10;&#10;Description automatically generated">
-            <a:extLst>
-              <a:ext uri="{FF2B5EF4-FFF2-40B4-BE49-F238E27FC236}">
-                <a16:creationId xmlns:a16="http://schemas.microsoft.com/office/drawing/2014/main" id="{C644E3E9-7A86-AD45-8EF2-66D45F89D1A8}"/>
-              </a:ext>
-            </a:extLst>
-          </p:cNvPr>
-          <p:cNvPicPr>
-            <a:picLocks noChangeAspect="1"/>
-          </p:cNvPicPr>
-          <p:nvPr/>
-        </p:nvPicPr>
-        <p:blipFill>
-          <a:blip r:embed="rId2">
-            <a:extLst>
-              <a:ext uri="{837473B0-CC2E-450A-ABE3-18F120FF3D39}">
-                <a1611:picAttrSrcUrl xmlns="" xmlns:a1611="http://schemas.microsoft.com/office/drawing/2016/11/main" r:id="rId3"/>
-              </a:ext>
-            </a:extLst>
-          </a:blip>
-          <a:stretch>
-            <a:fillRect/>
-          </a:stretch>
-        </p:blipFill>
-        <p:spPr>
-          <a:xfrm>
-            <a:off x="10554014" y="1184924"/>
-            <a:ext cx="1252844" cy="1252844"/>
-          </a:xfrm>
-          <a:prstGeom prst="rect">
-            <a:avLst/>
-          </a:prstGeom>
-        </p:spPr>
-      </p:pic>
-    </p:spTree>
-    <p:extLst>
-      <p:ext uri="{BB962C8B-B14F-4D97-AF65-F5344CB8AC3E}">
-        <p14:creationId xmlns:p14="http://schemas.microsoft.com/office/powerpoint/2010/main" val="4237956369"/>
-      </p:ext>
-    </p:extLst>
-  </p:cSld>
-  <p:clrMapOvr>
-    <a:masterClrMapping/>
-  </p:clrMapOvr>
-  <p:timing>
-    <p:tnLst>
-      <p:par>
-        <p:cTn id="1" dur="indefinite" restart="never" nodeType="tmRoot">
-          <p:childTnLst>
-            <p:seq concurrent="1" nextAc="seek">
-              <p:cTn id="2" dur="indefinite" nodeType="mainSeq">
-                <p:childTnLst>
-                  <p:par>
-                    <p:cTn id="3" fill="hold">
-                      <p:stCondLst>
-                        <p:cond delay="indefinite"/>
-                        <p:cond evt="onBegin" delay="0">
-                          <p:tn val="2"/>
-                        </p:cond>
-                      </p:stCondLst>
-                      <p:childTnLst>
-                        <p:par>
-                          <p:cTn id="4" fill="hold">
-                            <p:stCondLst>
-                              <p:cond delay="0"/>
-                            </p:stCondLst>
-                            <p:childTnLst>
-                              <p:par>
-                                <p:cTn id="5" presetID="1" presetClass="entr" presetSubtype="0" fill="hold" grpId="0" nodeType="withEffect">
-                                  <p:stCondLst>
-                                    <p:cond delay="0"/>
-                                  </p:stCondLst>
-                                  <p:childTnLst>
-                                    <p:set>
-                                      <p:cBhvr>
-                                        <p:cTn id="6" dur="1" fill="hold">
-                                          <p:stCondLst>
-                                            <p:cond delay="0"/>
-                                          </p:stCondLst>
-                                        </p:cTn>
-                                        <p:tgtEl>
-                                          <p:spTgt spid="3">
-                                            <p:txEl>
-                                              <p:pRg st="0" end="0"/>
-                                            </p:txEl>
-                                          </p:spTgt>
-                                        </p:tgtEl>
-                                        <p:attrNameLst>
-                                          <p:attrName>style.visibility</p:attrName>
-                                        </p:attrNameLst>
-                                      </p:cBhvr>
-                                      <p:to>
-                                        <p:strVal val="visible"/>
-                                      </p:to>
-                                    </p:set>
-                                  </p:childTnLst>
-                                </p:cTn>
-                              </p:par>
-                              <p:par>
-                                <p:cTn id="7" presetID="1" presetClass="entr" presetSubtype="0" fill="hold" grpId="0" nodeType="withEffect">
-                                  <p:stCondLst>
-                                    <p:cond delay="0"/>
-                                  </p:stCondLst>
-                                  <p:childTnLst>
-                                    <p:set>
-                                      <p:cBhvr>
-                                        <p:cTn id="8" dur="1" fill="hold">
-                                          <p:stCondLst>
-                                            <p:cond delay="0"/>
-                                          </p:stCondLst>
-                                        </p:cTn>
-                                        <p:tgtEl>
-                                          <p:spTgt spid="3">
-                                            <p:txEl>
-                                              <p:pRg st="1" end="1"/>
-                                            </p:txEl>
-                                          </p:spTgt>
-                                        </p:tgtEl>
-                                        <p:attrNameLst>
-                                          <p:attrName>style.visibility</p:attrName>
-                                        </p:attrNameLst>
-                                      </p:cBhvr>
-                                      <p:to>
-                                        <p:strVal val="visible"/>
-                                      </p:to>
-                                    </p:set>
-                                  </p:childTnLst>
-                                </p:cTn>
-                              </p:par>
-                              <p:par>
-                                <p:cTn id="9" presetID="1" presetClass="entr" presetSubtype="0" fill="hold" grpId="0" nodeType="withEffect">
-                                  <p:stCondLst>
-                                    <p:cond delay="0"/>
-                                  </p:stCondLst>
-                                  <p:childTnLst>
-                                    <p:set>
-                                      <p:cBhvr>
-                                        <p:cTn id="10" dur="1" fill="hold">
-                                          <p:stCondLst>
-                                            <p:cond delay="0"/>
-                                          </p:stCondLst>
-                                        </p:cTn>
-                                        <p:tgtEl>
-                                          <p:spTgt spid="3">
-                                            <p:txEl>
-                                              <p:pRg st="2" end="2"/>
-                                            </p:txEl>
-                                          </p:spTgt>
-                                        </p:tgtEl>
-                                        <p:attrNameLst>
-                                          <p:attrName>style.visibility</p:attrName>
-                                        </p:attrNameLst>
-                                      </p:cBhvr>
-                                      <p:to>
-                                        <p:strVal val="visible"/>
-                                      </p:to>
-                                    </p:set>
-                                  </p:childTnLst>
-                                </p:cTn>
-                              </p:par>
-                              <p:par>
-                                <p:cTn id="11" presetID="1" presetClass="entr" presetSubtype="0" fill="hold" grpId="0" nodeType="withEffect">
-                                  <p:stCondLst>
-                                    <p:cond delay="0"/>
-                                  </p:stCondLst>
-                                  <p:childTnLst>
-                                    <p:set>
-                                      <p:cBhvr>
-                                        <p:cTn id="12" dur="1" fill="hold">
-                                          <p:stCondLst>
-                                            <p:cond delay="0"/>
-                                          </p:stCondLst>
-                                        </p:cTn>
-                                        <p:tgtEl>
-                                          <p:spTgt spid="3">
-                                            <p:txEl>
-                                              <p:pRg st="3" end="3"/>
-                                            </p:txEl>
-                                          </p:spTgt>
-                                        </p:tgtEl>
-                                        <p:attrNameLst>
-                                          <p:attrName>style.visibility</p:attrName>
-                                        </p:attrNameLst>
-                                      </p:cBhvr>
-                                      <p:to>
-                                        <p:strVal val="visible"/>
-                                      </p:to>
-                                    </p:set>
-                                  </p:childTnLst>
-                                </p:cTn>
-                              </p:par>
-                            </p:childTnLst>
-                          </p:cTn>
-                        </p:par>
-                      </p:childTnLst>
-                    </p:cTn>
-                  </p:par>
-                  <p:par>
-                    <p:cTn id="13" fill="hold">
-                      <p:stCondLst>
-                        <p:cond delay="indefinite"/>
-                      </p:stCondLst>
-                      <p:childTnLst>
-                        <p:par>
-                          <p:cTn id="14" fill="hold">
-                            <p:stCondLst>
-                              <p:cond delay="0"/>
-                            </p:stCondLst>
-                            <p:childTnLst>
-                              <p:par>
-                                <p:cTn id="15" presetID="1" presetClass="entr" presetSubtype="0" fill="hold" nodeType="clickEffect">
-                                  <p:stCondLst>
-                                    <p:cond delay="0"/>
-                                  </p:stCondLst>
-                                  <p:childTnLst>
-                                    <p:set>
-                                      <p:cBhvr>
-                                        <p:cTn id="16" dur="1" fill="hold">
-                                          <p:stCondLst>
-                                            <p:cond delay="0"/>
-                                          </p:stCondLst>
-                                        </p:cTn>
-                                        <p:tgtEl>
-                                          <p:spTgt spid="7"/>
-                                        </p:tgtEl>
-                                        <p:attrNameLst>
-                                          <p:attrName>style.visibility</p:attrName>
-                                        </p:attrNameLst>
-                                      </p:cBhvr>
-                                      <p:to>
-                                        <p:strVal val="visible"/>
-                                      </p:to>
-                                    </p:set>
-                                  </p:childTnLst>
-                                </p:cTn>
-                              </p:par>
-                              <p:par>
-                                <p:cTn id="17" presetID="1" presetClass="entr" presetSubtype="0" fill="hold" grpId="0" nodeType="withEffect">
-                                  <p:stCondLst>
-                                    <p:cond delay="0"/>
-                                  </p:stCondLst>
-                                  <p:childTnLst>
-                                    <p:set>
-                                      <p:cBhvr>
-                                        <p:cTn id="18" dur="1" fill="hold">
                                           <p:stCondLst>
                                             <p:cond delay="0"/>
                                           </p:stCondLst>
@@ -8973,7 +9366,7 @@
         </p:spPr>
         <p:txBody>
           <a:bodyPr>
-            <a:normAutofit fontScale="77500" lnSpcReduction="20000"/>
+            <a:normAutofit fontScale="92500" lnSpcReduction="20000"/>
           </a:bodyPr>
           <a:lstStyle/>
           <a:p>
@@ -8983,18 +9376,10 @@
             <a:r>
               <a:rPr lang="en-CA" sz="2400" b="1" dirty="0"/>
               <a:t>Example 8</a:t>
-            </a:r>
-            <a:r>
-              <a:rPr lang="en-CA" dirty="0"/>
-              <a:t/>
             </a:r>
             <a:br>
               <a:rPr lang="en-CA" dirty="0"/>
             </a:br>
-            <a:r>
-              <a:rPr lang="en-CA" dirty="0"/>
-              <a:t/>
-            </a:r>
             <a:br>
               <a:rPr lang="en-CA" dirty="0"/>
             </a:br>
@@ -9060,6 +9445,15 @@
             <a:pPr marL="0" indent="0">
               <a:buNone/>
             </a:pPr>
+            <a:endParaRPr lang="en-CA" b="1" dirty="0">
+              <a:latin typeface="Courier New" panose="02070309020205020404" pitchFamily="49" charset="0"/>
+              <a:cs typeface="Courier New" panose="02070309020205020404" pitchFamily="49" charset="0"/>
+            </a:endParaRPr>
+          </a:p>
+          <a:p>
+            <a:pPr marL="0" indent="0">
+              <a:buNone/>
+            </a:pPr>
             <a:r>
               <a:rPr lang="en-CA" b="1" dirty="0">
                 <a:latin typeface="Courier New" panose="02070309020205020404" pitchFamily="49" charset="0"/>
@@ -9098,6 +9492,15 @@
             <a:pPr marL="0" indent="0">
               <a:buNone/>
             </a:pPr>
+            <a:endParaRPr lang="en-CA" b="1" dirty="0">
+              <a:latin typeface="Courier New" panose="02070309020205020404" pitchFamily="49" charset="0"/>
+              <a:cs typeface="Courier New" panose="02070309020205020404" pitchFamily="49" charset="0"/>
+            </a:endParaRPr>
+          </a:p>
+          <a:p>
+            <a:pPr marL="0" indent="0">
+              <a:buNone/>
+            </a:pPr>
             <a:r>
               <a:rPr lang="en-CA" b="1" dirty="0">
                 <a:latin typeface="Courier New" panose="02070309020205020404" pitchFamily="49" charset="0"/>
@@ -9131,73 +9534,6 @@
               </a:rPr>
               <a:t>5400</a:t>
             </a:r>
-            <a:br>
-              <a:rPr lang="en-CA" dirty="0">
-                <a:latin typeface="Courier New" panose="02070309020205020404" pitchFamily="49" charset="0"/>
-                <a:cs typeface="Courier New" panose="02070309020205020404" pitchFamily="49" charset="0"/>
-              </a:rPr>
-            </a:br>
-            <a:r>
-              <a:rPr lang="en-CA" dirty="0">
-                <a:latin typeface="Courier New" panose="02070309020205020404" pitchFamily="49" charset="0"/>
-                <a:cs typeface="Courier New" panose="02070309020205020404" pitchFamily="49" charset="0"/>
-              </a:rPr>
-              <a:t/>
-            </a:r>
-            <a:br>
-              <a:rPr lang="en-CA" dirty="0">
-                <a:latin typeface="Courier New" panose="02070309020205020404" pitchFamily="49" charset="0"/>
-                <a:cs typeface="Courier New" panose="02070309020205020404" pitchFamily="49" charset="0"/>
-              </a:rPr>
-            </a:br>
-            <a:r>
-              <a:rPr lang="en-CA" dirty="0">
-                <a:latin typeface="Courier New" panose="02070309020205020404" pitchFamily="49" charset="0"/>
-                <a:cs typeface="Courier New" panose="02070309020205020404" pitchFamily="49" charset="0"/>
-              </a:rPr>
-              <a:t/>
-            </a:r>
-            <a:br>
-              <a:rPr lang="en-CA" dirty="0">
-                <a:latin typeface="Courier New" panose="02070309020205020404" pitchFamily="49" charset="0"/>
-                <a:cs typeface="Courier New" panose="02070309020205020404" pitchFamily="49" charset="0"/>
-              </a:rPr>
-            </a:br>
-            <a:r>
-              <a:rPr lang="en-CA" dirty="0">
-                <a:latin typeface="Courier New" panose="02070309020205020404" pitchFamily="49" charset="0"/>
-                <a:cs typeface="Courier New" panose="02070309020205020404" pitchFamily="49" charset="0"/>
-              </a:rPr>
-              <a:t/>
-            </a:r>
-            <a:br>
-              <a:rPr lang="en-CA" dirty="0">
-                <a:latin typeface="Courier New" panose="02070309020205020404" pitchFamily="49" charset="0"/>
-                <a:cs typeface="Courier New" panose="02070309020205020404" pitchFamily="49" charset="0"/>
-              </a:rPr>
-            </a:br>
-            <a:r>
-              <a:rPr lang="en-CA" dirty="0">
-                <a:latin typeface="Courier New" panose="02070309020205020404" pitchFamily="49" charset="0"/>
-                <a:cs typeface="Courier New" panose="02070309020205020404" pitchFamily="49" charset="0"/>
-              </a:rPr>
-              <a:t/>
-            </a:r>
-            <a:br>
-              <a:rPr lang="en-CA" dirty="0">
-                <a:latin typeface="Courier New" panose="02070309020205020404" pitchFamily="49" charset="0"/>
-                <a:cs typeface="Courier New" panose="02070309020205020404" pitchFamily="49" charset="0"/>
-              </a:rPr>
-            </a:br>
-            <a:endParaRPr lang="en-CA" dirty="0">
-              <a:latin typeface="Courier New" panose="02070309020205020404" pitchFamily="49" charset="0"/>
-              <a:cs typeface="Courier New" panose="02070309020205020404" pitchFamily="49" charset="0"/>
-            </a:endParaRPr>
-          </a:p>
-          <a:p>
-            <a:pPr marL="0" indent="0">
-              <a:buNone/>
-            </a:pPr>
             <a:endParaRPr lang="en-CA" dirty="0"/>
           </a:p>
         </p:txBody>
@@ -9302,7 +9638,7 @@
           <a:blip r:embed="rId2">
             <a:extLst>
               <a:ext uri="{837473B0-CC2E-450A-ABE3-18F120FF3D39}">
-                <a1611:picAttrSrcUrl xmlns="" xmlns:a1611="http://schemas.microsoft.com/office/drawing/2016/11/main" r:id="rId3"/>
+                <a1611:picAttrSrcUrl xmlns:a1611="http://schemas.microsoft.com/office/drawing/2016/11/main" r:id="rId3"/>
               </a:ext>
             </a:extLst>
           </a:blip>
@@ -9477,6 +9813,37 @@
                                   </p:childTnLst>
                                 </p:cTn>
                               </p:par>
+                              <p:par>
+                                <p:cTn id="13" presetID="1" presetClass="entr" presetSubtype="0" fill="hold" grpId="0" nodeType="withEffect">
+                                  <p:stCondLst>
+                                    <p:cond delay="0"/>
+                                  </p:stCondLst>
+                                  <p:childTnLst>
+                                    <p:set>
+                                      <p:cBhvr>
+                                        <p:cTn id="14" dur="1" fill="hold">
+                                          <p:stCondLst>
+                                            <p:cond delay="0"/>
+                                          </p:stCondLst>
+                                        </p:cTn>
+                                        <p:tgtEl>
+                                          <p:spTgt spid="3">
+                                            <p:txEl>
+                                              <p:pRg st="5" end="5"/>
+                                            </p:txEl>
+                                          </p:spTgt>
+                                        </p:tgtEl>
+                                        <p:attrNameLst>
+                                          <p:attrName>style.visibility</p:attrName>
+                                        </p:attrNameLst>
+                                      </p:cBhvr>
+                                      <p:to>
+                                        <p:strVal val="visible"/>
+                                      </p:to>
+                                    </p:set>
+                                  </p:childTnLst>
+                                </p:cTn>
+                              </p:par>
                             </p:childTnLst>
                           </p:cTn>
                         </p:par>
@@ -9484,26 +9851,26 @@
                     </p:cTn>
                   </p:par>
                   <p:par>
-                    <p:cTn id="13" fill="hold">
+                    <p:cTn id="15" fill="hold">
                       <p:stCondLst>
                         <p:cond delay="indefinite"/>
                       </p:stCondLst>
                       <p:childTnLst>
                         <p:par>
-                          <p:cTn id="14" fill="hold">
+                          <p:cTn id="16" fill="hold">
                             <p:stCondLst>
                               <p:cond delay="0"/>
                             </p:stCondLst>
                             <p:childTnLst>
                               <p:par>
-                                <p:cTn id="15" presetID="1" presetClass="entr" presetSubtype="0" fill="hold" nodeType="clickEffect">
+                                <p:cTn id="17" presetID="1" presetClass="entr" presetSubtype="0" fill="hold" nodeType="clickEffect">
                                   <p:stCondLst>
                                     <p:cond delay="0"/>
                                   </p:stCondLst>
                                   <p:childTnLst>
                                     <p:set>
                                       <p:cBhvr>
-                                        <p:cTn id="16" dur="1" fill="hold">
+                                        <p:cTn id="18" dur="1" fill="hold">
                                           <p:stCondLst>
                                             <p:cond delay="0"/>
                                           </p:stCondLst>
@@ -9523,14 +9890,14 @@
                                 </p:cTn>
                               </p:par>
                               <p:par>
-                                <p:cTn id="17" presetID="1" presetClass="entr" presetSubtype="0" fill="hold" grpId="0" nodeType="withEffect">
+                                <p:cTn id="19" presetID="1" presetClass="entr" presetSubtype="0" fill="hold" grpId="0" nodeType="withEffect">
                                   <p:stCondLst>
                                     <p:cond delay="0"/>
                                   </p:stCondLst>
                                   <p:childTnLst>
                                     <p:set>
                                       <p:cBhvr>
-                                        <p:cTn id="18" dur="1" fill="hold">
+                                        <p:cTn id="20" dur="1" fill="hold">
                                           <p:stCondLst>
                                             <p:cond delay="0"/>
                                           </p:stCondLst>
@@ -9660,7 +10027,7 @@
         </p:spPr>
         <p:txBody>
           <a:bodyPr>
-            <a:normAutofit fontScale="92500" lnSpcReduction="20000"/>
+            <a:normAutofit/>
           </a:bodyPr>
           <a:lstStyle/>
           <a:p>
@@ -9670,18 +10037,10 @@
             <a:r>
               <a:rPr lang="en-CA" b="1" dirty="0"/>
               <a:t>Other Variables for awk Utility</a:t>
-            </a:r>
-            <a:r>
-              <a:rPr lang="en-CA" dirty="0"/>
-              <a:t/>
             </a:r>
             <a:br>
               <a:rPr lang="en-CA" dirty="0"/>
             </a:br>
-            <a:r>
-              <a:rPr lang="en-CA" dirty="0"/>
-              <a:t/>
-            </a:r>
             <a:br>
               <a:rPr lang="en-CA" dirty="0"/>
             </a:br>
@@ -9691,14 +10050,6 @@
               </a:rPr>
               <a:t>The table below show other variables that can be used with the awk command.</a:t>
             </a:r>
-            <a:br>
-              <a:rPr lang="en-CA" sz="1800" dirty="0">
-                <a:cs typeface="Courier New" panose="02070309020205020404" pitchFamily="49" charset="0"/>
-              </a:rPr>
-            </a:br>
-            <a:endParaRPr lang="en-CA" sz="1800" dirty="0">
-              <a:cs typeface="Courier New" panose="02070309020205020404" pitchFamily="49" charset="0"/>
-            </a:endParaRPr>
           </a:p>
           <a:p>
             <a:pPr fontAlgn="t"/>
@@ -9707,10 +10058,9 @@
               <a:t>FILENAME   </a:t>
             </a:r>
             <a:r>
-              <a:rPr lang="en-CA" sz="1600" b="1" dirty="0"/>
+              <a:rPr lang="en-CA" sz="1600" dirty="0"/>
               <a:t>Name of the current input file</a:t>
             </a:r>
-            <a:endParaRPr lang="en-CA" sz="1600" dirty="0"/>
           </a:p>
           <a:p>
             <a:pPr fontAlgn="t"/>
@@ -9777,33 +10127,6 @@
               <a:rPr lang="en-CA" sz="1600" dirty="0"/>
               <a:t>Input record separator (default: NEWLINE)</a:t>
             </a:r>
-            <a:r>
-              <a:rPr lang="en-CA" dirty="0"/>
-              <a:t/>
-            </a:r>
-            <a:br>
-              <a:rPr lang="en-CA" dirty="0"/>
-            </a:br>
-            <a:r>
-              <a:rPr lang="en-CA" dirty="0"/>
-              <a:t/>
-            </a:r>
-            <a:br>
-              <a:rPr lang="en-CA" dirty="0"/>
-            </a:br>
-            <a:r>
-              <a:rPr lang="en-CA" dirty="0"/>
-              <a:t/>
-            </a:r>
-            <a:br>
-              <a:rPr lang="en-CA" dirty="0"/>
-            </a:br>
-            <a:endParaRPr lang="en-CA" dirty="0"/>
-          </a:p>
-          <a:p>
-            <a:pPr marL="0" indent="0">
-              <a:buNone/>
-            </a:pPr>
             <a:endParaRPr lang="en-CA" sz="1800" dirty="0"/>
           </a:p>
         </p:txBody>
@@ -9826,7 +10149,7 @@
           <a:blip r:embed="rId2">
             <a:extLst>
               <a:ext uri="{837473B0-CC2E-450A-ABE3-18F120FF3D39}">
-                <a1611:picAttrSrcUrl xmlns="" xmlns:a1611="http://schemas.microsoft.com/office/drawing/2016/11/main" r:id="rId3"/>
+                <a1611:picAttrSrcUrl xmlns:a1611="http://schemas.microsoft.com/office/drawing/2016/11/main" r:id="rId3"/>
               </a:ext>
             </a:extLst>
           </a:blip>
@@ -9908,33 +10231,15 @@
                                   </p:childTnLst>
                                 </p:cTn>
                               </p:par>
-                            </p:childTnLst>
-                          </p:cTn>
-                        </p:par>
-                      </p:childTnLst>
-                    </p:cTn>
-                  </p:par>
-                  <p:par>
-                    <p:cTn id="7" fill="hold">
-                      <p:stCondLst>
-                        <p:cond delay="indefinite"/>
-                      </p:stCondLst>
-                      <p:childTnLst>
-                        <p:par>
-                          <p:cTn id="8" fill="hold">
-                            <p:stCondLst>
-                              <p:cond delay="0"/>
-                            </p:stCondLst>
-                            <p:childTnLst>
                               <p:par>
-                                <p:cTn id="9" presetID="1" presetClass="entr" presetSubtype="0" fill="hold" grpId="0" nodeType="clickEffect">
+                                <p:cTn id="7" presetID="1" presetClass="entr" presetSubtype="0" fill="hold" grpId="0" nodeType="withEffect">
                                   <p:stCondLst>
                                     <p:cond delay="0"/>
                                   </p:stCondLst>
                                   <p:childTnLst>
                                     <p:set>
                                       <p:cBhvr>
-                                        <p:cTn id="10" dur="1" fill="hold">
+                                        <p:cTn id="8" dur="1" fill="hold">
                                           <p:stCondLst>
                                             <p:cond delay="0"/>
                                           </p:stCondLst>
@@ -9964,26 +10269,75 @@
                     </p:cTn>
                   </p:par>
                   <p:par>
-                    <p:cTn id="11" fill="hold">
+                    <p:cTn id="9" fill="hold">
                       <p:stCondLst>
                         <p:cond delay="indefinite"/>
                       </p:stCondLst>
                       <p:childTnLst>
                         <p:par>
-                          <p:cTn id="12" fill="hold">
+                          <p:cTn id="10" fill="hold">
                             <p:stCondLst>
                               <p:cond delay="0"/>
                             </p:stCondLst>
                             <p:childTnLst>
                               <p:par>
-                                <p:cTn id="13" presetID="1" presetClass="entr" presetSubtype="0" fill="hold" grpId="0" nodeType="clickEffect">
+                                <p:cTn id="11" presetID="1" presetClass="entr" presetSubtype="0" fill="hold" nodeType="clickEffect">
                                   <p:stCondLst>
                                     <p:cond delay="0"/>
                                   </p:stCondLst>
                                   <p:childTnLst>
                                     <p:set>
                                       <p:cBhvr>
-                                        <p:cTn id="14" dur="1" fill="hold">
+                                        <p:cTn id="12" dur="1" fill="hold">
+                                          <p:stCondLst>
+                                            <p:cond delay="0"/>
+                                          </p:stCondLst>
+                                        </p:cTn>
+                                        <p:tgtEl>
+                                          <p:spTgt spid="3">
+                                            <p:txEl>
+                                              <p:pRg st="1" end="1"/>
+                                            </p:txEl>
+                                          </p:spTgt>
+                                        </p:tgtEl>
+                                        <p:attrNameLst>
+                                          <p:attrName>style.visibility</p:attrName>
+                                        </p:attrNameLst>
+                                      </p:cBhvr>
+                                      <p:to>
+                                        <p:strVal val="visible"/>
+                                      </p:to>
+                                    </p:set>
+                                  </p:childTnLst>
+                                </p:cTn>
+                              </p:par>
+                            </p:childTnLst>
+                          </p:cTn>
+                        </p:par>
+                      </p:childTnLst>
+                    </p:cTn>
+                  </p:par>
+                  <p:par>
+                    <p:cTn id="13" fill="hold">
+                      <p:stCondLst>
+                        <p:cond delay="indefinite"/>
+                      </p:stCondLst>
+                      <p:childTnLst>
+                        <p:par>
+                          <p:cTn id="14" fill="hold">
+                            <p:stCondLst>
+                              <p:cond delay="0"/>
+                            </p:stCondLst>
+                            <p:childTnLst>
+                              <p:par>
+                                <p:cTn id="15" presetID="1" presetClass="entr" presetSubtype="0" fill="hold" grpId="0" nodeType="clickEffect">
+                                  <p:stCondLst>
+                                    <p:cond delay="0"/>
+                                  </p:stCondLst>
+                                  <p:childTnLst>
+                                    <p:set>
+                                      <p:cBhvr>
+                                        <p:cTn id="16" dur="1" fill="hold">
                                           <p:stCondLst>
                                             <p:cond delay="0"/>
                                           </p:stCondLst>
@@ -10013,26 +10367,26 @@
                     </p:cTn>
                   </p:par>
                   <p:par>
-                    <p:cTn id="15" fill="hold">
+                    <p:cTn id="17" fill="hold">
                       <p:stCondLst>
                         <p:cond delay="indefinite"/>
                       </p:stCondLst>
                       <p:childTnLst>
                         <p:par>
-                          <p:cTn id="16" fill="hold">
+                          <p:cTn id="18" fill="hold">
                             <p:stCondLst>
                               <p:cond delay="0"/>
                             </p:stCondLst>
                             <p:childTnLst>
                               <p:par>
-                                <p:cTn id="17" presetID="1" presetClass="entr" presetSubtype="0" fill="hold" grpId="0" nodeType="clickEffect">
+                                <p:cTn id="19" presetID="1" presetClass="entr" presetSubtype="0" fill="hold" grpId="0" nodeType="clickEffect">
                                   <p:stCondLst>
                                     <p:cond delay="0"/>
                                   </p:stCondLst>
                                   <p:childTnLst>
                                     <p:set>
                                       <p:cBhvr>
-                                        <p:cTn id="18" dur="1" fill="hold">
+                                        <p:cTn id="20" dur="1" fill="hold">
                                           <p:stCondLst>
                                             <p:cond delay="0"/>
                                           </p:stCondLst>
@@ -10062,26 +10416,26 @@
                     </p:cTn>
                   </p:par>
                   <p:par>
-                    <p:cTn id="19" fill="hold">
+                    <p:cTn id="21" fill="hold">
                       <p:stCondLst>
                         <p:cond delay="indefinite"/>
                       </p:stCondLst>
                       <p:childTnLst>
                         <p:par>
-                          <p:cTn id="20" fill="hold">
+                          <p:cTn id="22" fill="hold">
                             <p:stCondLst>
                               <p:cond delay="0"/>
                             </p:stCondLst>
                             <p:childTnLst>
                               <p:par>
-                                <p:cTn id="21" presetID="1" presetClass="entr" presetSubtype="0" fill="hold" grpId="0" nodeType="clickEffect">
+                                <p:cTn id="23" presetID="1" presetClass="entr" presetSubtype="0" fill="hold" grpId="0" nodeType="clickEffect">
                                   <p:stCondLst>
                                     <p:cond delay="0"/>
                                   </p:stCondLst>
                                   <p:childTnLst>
                                     <p:set>
                                       <p:cBhvr>
-                                        <p:cTn id="22" dur="1" fill="hold">
+                                        <p:cTn id="24" dur="1" fill="hold">
                                           <p:stCondLst>
                                             <p:cond delay="0"/>
                                           </p:stCondLst>
@@ -10111,26 +10465,26 @@
                     </p:cTn>
                   </p:par>
                   <p:par>
-                    <p:cTn id="23" fill="hold">
+                    <p:cTn id="25" fill="hold">
                       <p:stCondLst>
                         <p:cond delay="indefinite"/>
                       </p:stCondLst>
                       <p:childTnLst>
                         <p:par>
-                          <p:cTn id="24" fill="hold">
+                          <p:cTn id="26" fill="hold">
                             <p:stCondLst>
                               <p:cond delay="0"/>
                             </p:stCondLst>
                             <p:childTnLst>
                               <p:par>
-                                <p:cTn id="25" presetID="1" presetClass="entr" presetSubtype="0" fill="hold" grpId="0" nodeType="clickEffect">
+                                <p:cTn id="27" presetID="1" presetClass="entr" presetSubtype="0" fill="hold" grpId="0" nodeType="clickEffect">
                                   <p:stCondLst>
                                     <p:cond delay="0"/>
                                   </p:stCondLst>
                                   <p:childTnLst>
                                     <p:set>
                                       <p:cBhvr>
-                                        <p:cTn id="26" dur="1" fill="hold">
+                                        <p:cTn id="28" dur="1" fill="hold">
                                           <p:stCondLst>
                                             <p:cond delay="0"/>
                                           </p:stCondLst>
@@ -10160,26 +10514,26 @@
                     </p:cTn>
                   </p:par>
                   <p:par>
-                    <p:cTn id="27" fill="hold">
+                    <p:cTn id="29" fill="hold">
                       <p:stCondLst>
                         <p:cond delay="indefinite"/>
                       </p:stCondLst>
                       <p:childTnLst>
                         <p:par>
-                          <p:cTn id="28" fill="hold">
+                          <p:cTn id="30" fill="hold">
                             <p:stCondLst>
                               <p:cond delay="0"/>
                             </p:stCondLst>
                             <p:childTnLst>
                               <p:par>
-                                <p:cTn id="29" presetID="1" presetClass="entr" presetSubtype="0" fill="hold" grpId="0" nodeType="clickEffect">
+                                <p:cTn id="31" presetID="1" presetClass="entr" presetSubtype="0" fill="hold" grpId="0" nodeType="clickEffect">
                                   <p:stCondLst>
                                     <p:cond delay="0"/>
                                   </p:stCondLst>
                                   <p:childTnLst>
                                     <p:set>
                                       <p:cBhvr>
-                                        <p:cTn id="30" dur="1" fill="hold">
+                                        <p:cTn id="32" dur="1" fill="hold">
                                           <p:stCondLst>
                                             <p:cond delay="0"/>
                                           </p:stCondLst>
@@ -10209,26 +10563,26 @@
                     </p:cTn>
                   </p:par>
                   <p:par>
-                    <p:cTn id="31" fill="hold">
+                    <p:cTn id="33" fill="hold">
                       <p:stCondLst>
                         <p:cond delay="indefinite"/>
                       </p:stCondLst>
                       <p:childTnLst>
                         <p:par>
-                          <p:cTn id="32" fill="hold">
+                          <p:cTn id="34" fill="hold">
                             <p:stCondLst>
                               <p:cond delay="0"/>
                             </p:stCondLst>
                             <p:childTnLst>
                               <p:par>
-                                <p:cTn id="33" presetID="1" presetClass="entr" presetSubtype="0" fill="hold" grpId="0" nodeType="clickEffect">
+                                <p:cTn id="35" presetID="1" presetClass="entr" presetSubtype="0" fill="hold" grpId="0" nodeType="clickEffect">
                                   <p:stCondLst>
                                     <p:cond delay="0"/>
                                   </p:stCondLst>
                                   <p:childTnLst>
                                     <p:set>
                                       <p:cBhvr>
-                                        <p:cTn id="34" dur="1" fill="hold">
+                                        <p:cTn id="36" dur="1" fill="hold">
                                           <p:stCondLst>
                                             <p:cond delay="0"/>
                                           </p:stCondLst>
@@ -10355,13 +10709,13 @@
         </p:nvSpPr>
         <p:spPr>
           <a:xfrm>
-            <a:off x="1451577" y="1706813"/>
-            <a:ext cx="7235223" cy="4755771"/>
+            <a:off x="1451578" y="1706813"/>
+            <a:ext cx="5642906" cy="4755771"/>
           </a:xfrm>
         </p:spPr>
         <p:txBody>
           <a:bodyPr>
-            <a:normAutofit fontScale="62500" lnSpcReduction="20000"/>
+            <a:normAutofit fontScale="77500" lnSpcReduction="20000"/>
           </a:bodyPr>
           <a:lstStyle/>
           <a:p>
@@ -10371,18 +10725,10 @@
             <a:r>
               <a:rPr lang="en-CA" sz="2400" b="1" dirty="0"/>
               <a:t>Example</a:t>
-            </a:r>
-            <a:r>
-              <a:rPr lang="en-CA" dirty="0"/>
-              <a:t/>
             </a:r>
             <a:br>
               <a:rPr lang="en-CA" dirty="0"/>
             </a:br>
-            <a:r>
-              <a:rPr lang="en-CA" b="1" dirty="0"/>
-              <a:t/>
-            </a:r>
             <a:br>
               <a:rPr lang="en-CA" b="1" dirty="0"/>
             </a:br>
@@ -10391,7 +10737,7 @@
                 <a:latin typeface="Courier New" panose="02070309020205020404" pitchFamily="49" charset="0"/>
                 <a:cs typeface="Courier New" panose="02070309020205020404" pitchFamily="49" charset="0"/>
               </a:rPr>
-              <a:t>cat </a:t>
+              <a:t>awk '{print NR,$0}' </a:t>
             </a:r>
             <a:r>
               <a:rPr lang="en-CA" b="1" dirty="0" err="1">
@@ -10417,7 +10763,7 @@
                 <a:latin typeface="Courier New" panose="02070309020205020404" pitchFamily="49" charset="0"/>
                 <a:cs typeface="Courier New" panose="02070309020205020404" pitchFamily="49" charset="0"/>
               </a:rPr>
-              <a:t>A100 Acme-Inc. 5400</a:t>
+              <a:t>1 A100 Acme-Inc. 5400</a:t>
             </a:r>
           </a:p>
           <a:p>
@@ -10429,7 +10775,7 @@
                 <a:latin typeface="Courier New" panose="02070309020205020404" pitchFamily="49" charset="0"/>
                 <a:cs typeface="Courier New" panose="02070309020205020404" pitchFamily="49" charset="0"/>
               </a:rPr>
-              <a:t>R100 Rain-Ltd. 11224</a:t>
+              <a:t>2 R100 Rain-Ltd. 11224</a:t>
             </a:r>
           </a:p>
           <a:p>
@@ -10441,140 +10787,75 @@
                 <a:latin typeface="Courier New" panose="02070309020205020404" pitchFamily="49" charset="0"/>
                 <a:cs typeface="Courier New" panose="02070309020205020404" pitchFamily="49" charset="0"/>
               </a:rPr>
-              <a:t>T100 Toy-Inc. 3413</a:t>
+              <a:t>3 T100 Toy-Inc. 3413</a:t>
             </a:r>
           </a:p>
           <a:p>
             <a:pPr marL="0" indent="0">
               <a:buNone/>
             </a:pPr>
+            <a:endParaRPr lang="en-CA" b="1" dirty="0">
+              <a:latin typeface="Courier New" panose="02070309020205020404" pitchFamily="49" charset="0"/>
+              <a:cs typeface="Courier New" panose="02070309020205020404" pitchFamily="49" charset="0"/>
+            </a:endParaRPr>
+          </a:p>
+          <a:p>
+            <a:pPr marL="0" indent="0">
+              <a:buNone/>
+            </a:pPr>
+            <a:r>
+              <a:rPr lang="en-CA" b="1" dirty="0">
+                <a:latin typeface="Courier New" panose="02070309020205020404" pitchFamily="49" charset="0"/>
+                <a:cs typeface="Courier New" panose="02070309020205020404" pitchFamily="49" charset="0"/>
+              </a:rPr>
+              <a:t>awk 'NR ==2 {print}' </a:t>
+            </a:r>
             <a:r>
               <a:rPr lang="en-CA" b="1" dirty="0" err="1">
                 <a:latin typeface="Courier New" panose="02070309020205020404" pitchFamily="49" charset="0"/>
                 <a:cs typeface="Courier New" panose="02070309020205020404" pitchFamily="49" charset="0"/>
               </a:rPr>
-              <a:t>awk</a:t>
+              <a:t>customer.dat</a:t>
             </a:r>
             <a:r>
               <a:rPr lang="en-CA" b="1" dirty="0">
                 <a:latin typeface="Courier New" panose="02070309020205020404" pitchFamily="49" charset="0"/>
                 <a:cs typeface="Courier New" panose="02070309020205020404" pitchFamily="49" charset="0"/>
               </a:rPr>
-              <a:t> '{print NR,$0}' </a:t>
-            </a:r>
-            <a:r>
-              <a:rPr lang="en-CA" b="1" dirty="0" err="1">
+              <a:t> </a:t>
+            </a:r>
+          </a:p>
+          <a:p>
+            <a:pPr marL="0" indent="0">
+              <a:buNone/>
+            </a:pPr>
+            <a:r>
+              <a:rPr lang="en-CA" dirty="0">
                 <a:latin typeface="Courier New" panose="02070309020205020404" pitchFamily="49" charset="0"/>
                 <a:cs typeface="Courier New" panose="02070309020205020404" pitchFamily="49" charset="0"/>
               </a:rPr>
-              <a:t>customer.dat</a:t>
-            </a:r>
+              <a:t>R100 Rain-Ltd. 11224</a:t>
+            </a:r>
+          </a:p>
+          <a:p>
+            <a:pPr marL="0" indent="0">
+              <a:buNone/>
+            </a:pPr>
+            <a:endParaRPr lang="en-CA" b="1" dirty="0">
+              <a:latin typeface="Courier New" panose="02070309020205020404" pitchFamily="49" charset="0"/>
+              <a:cs typeface="Courier New" panose="02070309020205020404" pitchFamily="49" charset="0"/>
+            </a:endParaRPr>
+          </a:p>
+          <a:p>
+            <a:pPr marL="0" indent="0">
+              <a:buNone/>
+            </a:pPr>
             <a:r>
               <a:rPr lang="en-CA" b="1" dirty="0">
                 <a:latin typeface="Courier New" panose="02070309020205020404" pitchFamily="49" charset="0"/>
                 <a:cs typeface="Courier New" panose="02070309020205020404" pitchFamily="49" charset="0"/>
               </a:rPr>
-              <a:t> </a:t>
-            </a:r>
-          </a:p>
-          <a:p>
-            <a:pPr marL="0" indent="0">
-              <a:buNone/>
-            </a:pPr>
-            <a:r>
-              <a:rPr lang="en-CA" dirty="0">
-                <a:latin typeface="Courier New" panose="02070309020205020404" pitchFamily="49" charset="0"/>
-                <a:cs typeface="Courier New" panose="02070309020205020404" pitchFamily="49" charset="0"/>
-              </a:rPr>
-              <a:t>1 A100 Acme-Inc. 5400</a:t>
-            </a:r>
-          </a:p>
-          <a:p>
-            <a:pPr marL="0" indent="0">
-              <a:buNone/>
-            </a:pPr>
-            <a:r>
-              <a:rPr lang="en-CA" dirty="0">
-                <a:latin typeface="Courier New" panose="02070309020205020404" pitchFamily="49" charset="0"/>
-                <a:cs typeface="Courier New" panose="02070309020205020404" pitchFamily="49" charset="0"/>
-              </a:rPr>
-              <a:t>2 R100 Rain-Ltd. 11224</a:t>
-            </a:r>
-          </a:p>
-          <a:p>
-            <a:pPr marL="0" indent="0">
-              <a:buNone/>
-            </a:pPr>
-            <a:r>
-              <a:rPr lang="en-CA" dirty="0">
-                <a:latin typeface="Courier New" panose="02070309020205020404" pitchFamily="49" charset="0"/>
-                <a:cs typeface="Courier New" panose="02070309020205020404" pitchFamily="49" charset="0"/>
-              </a:rPr>
-              <a:t>3 T100 Toy-Inc. 3413</a:t>
-            </a:r>
-          </a:p>
-          <a:p>
-            <a:pPr marL="0" indent="0">
-              <a:buNone/>
-            </a:pPr>
-            <a:r>
-              <a:rPr lang="en-CA" b="1" dirty="0" err="1">
-                <a:latin typeface="Courier New" panose="02070309020205020404" pitchFamily="49" charset="0"/>
-                <a:cs typeface="Courier New" panose="02070309020205020404" pitchFamily="49" charset="0"/>
-              </a:rPr>
-              <a:t>awk</a:t>
-            </a:r>
-            <a:r>
-              <a:rPr lang="en-CA" b="1" dirty="0">
-                <a:latin typeface="Courier New" panose="02070309020205020404" pitchFamily="49" charset="0"/>
-                <a:cs typeface="Courier New" panose="02070309020205020404" pitchFamily="49" charset="0"/>
-              </a:rPr>
-              <a:t> 'NR ==2 {print}' </a:t>
-            </a:r>
-            <a:r>
-              <a:rPr lang="en-CA" b="1" dirty="0" err="1">
-                <a:latin typeface="Courier New" panose="02070309020205020404" pitchFamily="49" charset="0"/>
-                <a:cs typeface="Courier New" panose="02070309020205020404" pitchFamily="49" charset="0"/>
-              </a:rPr>
-              <a:t>customer.dat</a:t>
-            </a:r>
-            <a:r>
-              <a:rPr lang="en-CA" b="1" dirty="0">
-                <a:latin typeface="Courier New" panose="02070309020205020404" pitchFamily="49" charset="0"/>
-                <a:cs typeface="Courier New" panose="02070309020205020404" pitchFamily="49" charset="0"/>
-              </a:rPr>
-              <a:t> </a:t>
-            </a:r>
-          </a:p>
-          <a:p>
-            <a:pPr marL="0" indent="0">
-              <a:buNone/>
-            </a:pPr>
-            <a:r>
-              <a:rPr lang="en-CA" dirty="0">
-                <a:latin typeface="Courier New" panose="02070309020205020404" pitchFamily="49" charset="0"/>
-                <a:cs typeface="Courier New" panose="02070309020205020404" pitchFamily="49" charset="0"/>
-              </a:rPr>
-              <a:t>R100 Rain-Ltd. 11224</a:t>
-            </a:r>
-          </a:p>
-          <a:p>
-            <a:pPr marL="0" indent="0">
-              <a:buNone/>
-            </a:pPr>
-            <a:r>
-              <a:rPr lang="en-CA" b="1" dirty="0" err="1">
-                <a:latin typeface="Courier New" panose="02070309020205020404" pitchFamily="49" charset="0"/>
-                <a:cs typeface="Courier New" panose="02070309020205020404" pitchFamily="49" charset="0"/>
-              </a:rPr>
-              <a:t>awk</a:t>
-            </a:r>
-            <a:r>
-              <a:rPr lang="en-CA" b="1" dirty="0">
-                <a:latin typeface="Courier New" panose="02070309020205020404" pitchFamily="49" charset="0"/>
-                <a:cs typeface="Courier New" panose="02070309020205020404" pitchFamily="49" charset="0"/>
-              </a:rPr>
-              <a:t> 'NR &gt; 1 &amp;&amp; NR &lt; 5{print}' </a:t>
+              <a:t>awk 'NR &gt; 1 &amp;&amp; NR &lt; 5{print}' </a:t>
             </a:r>
             <a:r>
               <a:rPr lang="en-CA" b="1" dirty="0" err="1">
@@ -10637,7 +10918,7 @@
         </p:nvSpPr>
         <p:spPr>
           <a:xfrm>
-            <a:off x="9076267" y="4504267"/>
+            <a:off x="9025102" y="4020079"/>
             <a:ext cx="2781756" cy="861774"/>
           </a:xfrm>
           <a:prstGeom prst="rect">
@@ -10699,7 +10980,7 @@
         </p:nvCxnSpPr>
         <p:spPr>
           <a:xfrm flipH="1">
-            <a:off x="6502400" y="5021180"/>
+            <a:off x="6692171" y="4285456"/>
             <a:ext cx="2184400" cy="0"/>
           </a:xfrm>
           <a:prstGeom prst="straightConnector1">
@@ -10742,7 +11023,7 @@
           <a:blip r:embed="rId2">
             <a:extLst>
               <a:ext uri="{837473B0-CC2E-450A-ABE3-18F120FF3D39}">
-                <a1611:picAttrSrcUrl xmlns="" xmlns:a1611="http://schemas.microsoft.com/office/drawing/2016/11/main" r:id="rId3"/>
+                <a1611:picAttrSrcUrl xmlns:a1611="http://schemas.microsoft.com/office/drawing/2016/11/main" r:id="rId3"/>
               </a:ext>
             </a:extLst>
           </a:blip>
@@ -10760,6 +11041,100 @@
           </a:prstGeom>
         </p:spPr>
       </p:pic>
+      <p:sp>
+        <p:nvSpPr>
+          <p:cNvPr id="7" name="TextBox 6">
+            <a:extLst>
+              <a:ext uri="{FF2B5EF4-FFF2-40B4-BE49-F238E27FC236}">
+                <a16:creationId xmlns:a16="http://schemas.microsoft.com/office/drawing/2014/main" id="{AFEB6086-CBEB-A5BE-7AEF-55F8DB4D1A34}"/>
+              </a:ext>
+            </a:extLst>
+          </p:cNvPr>
+          <p:cNvSpPr txBox="1"/>
+          <p:nvPr/>
+        </p:nvSpPr>
+        <p:spPr>
+          <a:xfrm>
+            <a:off x="6726177" y="2259808"/>
+            <a:ext cx="3459531" cy="1354217"/>
+          </a:xfrm>
+          <a:prstGeom prst="rect">
+            <a:avLst/>
+          </a:prstGeom>
+          <a:noFill/>
+        </p:spPr>
+        <p:txBody>
+          <a:bodyPr wrap="square" rtlCol="0">
+            <a:spAutoFit/>
+          </a:bodyPr>
+          <a:lstStyle/>
+          <a:p>
+            <a:pPr marL="0" indent="0">
+              <a:buNone/>
+            </a:pPr>
+            <a:r>
+              <a:rPr lang="en-CA" sz="1600" b="1" dirty="0">
+                <a:latin typeface="Courier New" panose="02070309020205020404" pitchFamily="49" charset="0"/>
+                <a:cs typeface="Courier New" panose="02070309020205020404" pitchFamily="49" charset="0"/>
+              </a:rPr>
+              <a:t>cat </a:t>
+            </a:r>
+            <a:r>
+              <a:rPr lang="en-CA" sz="1600" b="1" dirty="0" err="1">
+                <a:latin typeface="Courier New" panose="02070309020205020404" pitchFamily="49" charset="0"/>
+                <a:cs typeface="Courier New" panose="02070309020205020404" pitchFamily="49" charset="0"/>
+              </a:rPr>
+              <a:t>customer.dat</a:t>
+            </a:r>
+            <a:r>
+              <a:rPr lang="en-CA" sz="1600" b="1" dirty="0">
+                <a:latin typeface="Courier New" panose="02070309020205020404" pitchFamily="49" charset="0"/>
+                <a:cs typeface="Courier New" panose="02070309020205020404" pitchFamily="49" charset="0"/>
+              </a:rPr>
+              <a:t> </a:t>
+            </a:r>
+          </a:p>
+          <a:p>
+            <a:pPr marL="0" indent="0">
+              <a:buNone/>
+            </a:pPr>
+            <a:r>
+              <a:rPr lang="en-CA" sz="1600" dirty="0">
+                <a:latin typeface="Courier New" panose="02070309020205020404" pitchFamily="49" charset="0"/>
+                <a:cs typeface="Courier New" panose="02070309020205020404" pitchFamily="49" charset="0"/>
+              </a:rPr>
+              <a:t>A100 Acme-Inc. 5400</a:t>
+            </a:r>
+          </a:p>
+          <a:p>
+            <a:pPr marL="0" indent="0">
+              <a:buNone/>
+            </a:pPr>
+            <a:r>
+              <a:rPr lang="en-CA" sz="1600" dirty="0">
+                <a:latin typeface="Courier New" panose="02070309020205020404" pitchFamily="49" charset="0"/>
+                <a:cs typeface="Courier New" panose="02070309020205020404" pitchFamily="49" charset="0"/>
+              </a:rPr>
+              <a:t>R100 Rain-Ltd. 11224</a:t>
+            </a:r>
+          </a:p>
+          <a:p>
+            <a:pPr marL="0" indent="0">
+              <a:buNone/>
+            </a:pPr>
+            <a:r>
+              <a:rPr lang="en-CA" sz="1600" dirty="0">
+                <a:latin typeface="Courier New" panose="02070309020205020404" pitchFamily="49" charset="0"/>
+                <a:cs typeface="Courier New" panose="02070309020205020404" pitchFamily="49" charset="0"/>
+              </a:rPr>
+              <a:t>T100 Toy-Inc. 3413</a:t>
+            </a:r>
+          </a:p>
+          <a:p>
+            <a:endParaRPr lang="en-US" dirty="0"/>
+          </a:p>
+        </p:txBody>
+      </p:sp>
     </p:spTree>
     <p:extLst>
       <p:ext uri="{BB962C8B-B14F-4D97-AF65-F5344CB8AC3E}">
@@ -10933,7 +11308,7 @@
                                         <p:tgtEl>
                                           <p:spTgt spid="3">
                                             <p:txEl>
-                                              <p:pRg st="4" end="4"/>
+                                              <p:pRg st="5" end="5"/>
                                             </p:txEl>
                                           </p:spTgt>
                                         </p:tgtEl>
@@ -10964,7 +11339,7 @@
                                         <p:tgtEl>
                                           <p:spTgt spid="3">
                                             <p:txEl>
-                                              <p:pRg st="5" end="5"/>
+                                              <p:pRg st="6" end="6"/>
                                             </p:txEl>
                                           </p:spTgt>
                                         </p:tgtEl>
@@ -10995,7 +11370,7 @@
                                         <p:tgtEl>
                                           <p:spTgt spid="3">
                                             <p:txEl>
-                                              <p:pRg st="6" end="6"/>
+                                              <p:pRg st="8" end="8"/>
                                             </p:txEl>
                                           </p:spTgt>
                                         </p:tgtEl>
@@ -11026,7 +11401,7 @@
                                         <p:tgtEl>
                                           <p:spTgt spid="3">
                                             <p:txEl>
-                                              <p:pRg st="7" end="7"/>
+                                              <p:pRg st="9" end="9"/>
                                             </p:txEl>
                                           </p:spTgt>
                                         </p:tgtEl>
@@ -11057,7 +11432,7 @@
                                         <p:tgtEl>
                                           <p:spTgt spid="3">
                                             <p:txEl>
-                                              <p:pRg st="8" end="8"/>
+                                              <p:pRg st="10" end="10"/>
                                             </p:txEl>
                                           </p:spTgt>
                                         </p:tgtEl>
@@ -11072,39 +11447,26 @@
                                   </p:childTnLst>
                                 </p:cTn>
                               </p:par>
+                            </p:childTnLst>
+                          </p:cTn>
+                        </p:par>
+                      </p:childTnLst>
+                    </p:cTn>
+                  </p:par>
+                  <p:par>
+                    <p:cTn id="23" fill="hold">
+                      <p:stCondLst>
+                        <p:cond delay="indefinite"/>
+                      </p:stCondLst>
+                      <p:childTnLst>
+                        <p:par>
+                          <p:cTn id="24" fill="hold">
+                            <p:stCondLst>
+                              <p:cond delay="0"/>
+                            </p:stCondLst>
+                            <p:childTnLst>
                               <p:par>
-                                <p:cTn id="23" presetID="1" presetClass="entr" presetSubtype="0" fill="hold" grpId="0" nodeType="withEffect">
-                                  <p:stCondLst>
-                                    <p:cond delay="0"/>
-                                  </p:stCondLst>
-                                  <p:childTnLst>
-                                    <p:set>
-                                      <p:cBhvr>
-                                        <p:cTn id="24" dur="1" fill="hold">
-                                          <p:stCondLst>
-                                            <p:cond delay="0"/>
-                                          </p:stCondLst>
-                                        </p:cTn>
-                                        <p:tgtEl>
-                                          <p:spTgt spid="3">
-                                            <p:txEl>
-                                              <p:pRg st="9" end="9"/>
-                                            </p:txEl>
-                                          </p:spTgt>
-                                        </p:tgtEl>
-                                        <p:attrNameLst>
-                                          <p:attrName>style.visibility</p:attrName>
-                                        </p:attrNameLst>
-                                      </p:cBhvr>
-                                      <p:to>
-                                        <p:strVal val="visible"/>
-                                      </p:to>
-                                    </p:set>
-                                  </p:childTnLst>
-                                </p:cTn>
-                              </p:par>
-                              <p:par>
-                                <p:cTn id="25" presetID="1" presetClass="entr" presetSubtype="0" fill="hold" grpId="0" nodeType="withEffect">
+                                <p:cTn id="25" presetID="1" presetClass="entr" presetSubtype="0" fill="hold" nodeType="clickEffect">
                                   <p:stCondLst>
                                     <p:cond delay="0"/>
                                   </p:stCondLst>
@@ -11117,11 +11479,7 @@
                                           </p:stCondLst>
                                         </p:cTn>
                                         <p:tgtEl>
-                                          <p:spTgt spid="3">
-                                            <p:txEl>
-                                              <p:pRg st="10" end="10"/>
-                                            </p:txEl>
-                                          </p:spTgt>
+                                          <p:spTgt spid="5"/>
                                         </p:tgtEl>
                                         <p:attrNameLst>
                                           <p:attrName>style.visibility</p:attrName>
@@ -11143,113 +11501,6 @@
                                     <p:set>
                                       <p:cBhvr>
                                         <p:cTn id="28" dur="1" fill="hold">
-                                          <p:stCondLst>
-                                            <p:cond delay="0"/>
-                                          </p:stCondLst>
-                                        </p:cTn>
-                                        <p:tgtEl>
-                                          <p:spTgt spid="3">
-                                            <p:txEl>
-                                              <p:pRg st="11" end="11"/>
-                                            </p:txEl>
-                                          </p:spTgt>
-                                        </p:tgtEl>
-                                        <p:attrNameLst>
-                                          <p:attrName>style.visibility</p:attrName>
-                                        </p:attrNameLst>
-                                      </p:cBhvr>
-                                      <p:to>
-                                        <p:strVal val="visible"/>
-                                      </p:to>
-                                    </p:set>
-                                  </p:childTnLst>
-                                </p:cTn>
-                              </p:par>
-                              <p:par>
-                                <p:cTn id="29" presetID="1" presetClass="entr" presetSubtype="0" fill="hold" grpId="0" nodeType="withEffect">
-                                  <p:stCondLst>
-                                    <p:cond delay="0"/>
-                                  </p:stCondLst>
-                                  <p:childTnLst>
-                                    <p:set>
-                                      <p:cBhvr>
-                                        <p:cTn id="30" dur="1" fill="hold">
-                                          <p:stCondLst>
-                                            <p:cond delay="0"/>
-                                          </p:stCondLst>
-                                        </p:cTn>
-                                        <p:tgtEl>
-                                          <p:spTgt spid="3">
-                                            <p:txEl>
-                                              <p:pRg st="12" end="12"/>
-                                            </p:txEl>
-                                          </p:spTgt>
-                                        </p:tgtEl>
-                                        <p:attrNameLst>
-                                          <p:attrName>style.visibility</p:attrName>
-                                        </p:attrNameLst>
-                                      </p:cBhvr>
-                                      <p:to>
-                                        <p:strVal val="visible"/>
-                                      </p:to>
-                                    </p:set>
-                                  </p:childTnLst>
-                                </p:cTn>
-                              </p:par>
-                            </p:childTnLst>
-                          </p:cTn>
-                        </p:par>
-                      </p:childTnLst>
-                    </p:cTn>
-                  </p:par>
-                  <p:par>
-                    <p:cTn id="31" fill="hold">
-                      <p:stCondLst>
-                        <p:cond delay="indefinite"/>
-                      </p:stCondLst>
-                      <p:childTnLst>
-                        <p:par>
-                          <p:cTn id="32" fill="hold">
-                            <p:stCondLst>
-                              <p:cond delay="0"/>
-                            </p:stCondLst>
-                            <p:childTnLst>
-                              <p:par>
-                                <p:cTn id="33" presetID="1" presetClass="entr" presetSubtype="0" fill="hold" nodeType="clickEffect">
-                                  <p:stCondLst>
-                                    <p:cond delay="0"/>
-                                  </p:stCondLst>
-                                  <p:childTnLst>
-                                    <p:set>
-                                      <p:cBhvr>
-                                        <p:cTn id="34" dur="1" fill="hold">
-                                          <p:stCondLst>
-                                            <p:cond delay="0"/>
-                                          </p:stCondLst>
-                                        </p:cTn>
-                                        <p:tgtEl>
-                                          <p:spTgt spid="5"/>
-                                        </p:tgtEl>
-                                        <p:attrNameLst>
-                                          <p:attrName>style.visibility</p:attrName>
-                                        </p:attrNameLst>
-                                      </p:cBhvr>
-                                      <p:to>
-                                        <p:strVal val="visible"/>
-                                      </p:to>
-                                    </p:set>
-                                  </p:childTnLst>
-                                </p:cTn>
-                              </p:par>
-                              <p:par>
-                                <p:cTn id="35" presetID="1" presetClass="entr" presetSubtype="0" fill="hold" grpId="0" nodeType="withEffect">
-                                  <p:stCondLst>
-                                    <p:cond delay="0"/>
-                                  </p:stCondLst>
-                                  <p:childTnLst>
-                                    <p:set>
-                                      <p:cBhvr>
-                                        <p:cTn id="36" dur="1" fill="hold">
                                           <p:stCondLst>
                                             <p:cond delay="0"/>
                                           </p:stCondLst>
@@ -11382,72 +11633,36 @@
         </p:spPr>
         <p:txBody>
           <a:bodyPr>
-            <a:normAutofit fontScale="85000" lnSpcReduction="10000"/>
+            <a:normAutofit/>
           </a:bodyPr>
           <a:lstStyle/>
           <a:p>
             <a:pPr marL="0" indent="0">
               <a:buNone/>
             </a:pPr>
-            <a:endParaRPr lang="en-CA" sz="2600" b="1" dirty="0"/>
-          </a:p>
-          <a:p>
-            <a:pPr marL="0" indent="0">
+            <a:r>
+              <a:rPr lang="en-CA" b="1" dirty="0"/>
+              <a:t>Using awk Utility as a Filter</a:t>
+            </a:r>
+            <a:endParaRPr lang="en-CA" dirty="0"/>
+          </a:p>
+          <a:p>
+            <a:pPr marL="0" indent="0" fontAlgn="base">
               <a:buNone/>
             </a:pPr>
             <a:r>
-              <a:rPr lang="en-CA" b="1" dirty="0"/>
-              <a:t>Using </a:t>
-            </a:r>
-            <a:r>
-              <a:rPr lang="en-CA" b="1" dirty="0" err="1"/>
-              <a:t>awk</a:t>
-            </a:r>
-            <a:r>
-              <a:rPr lang="en-CA" b="1" dirty="0"/>
-              <a:t> Utility as a Filter</a:t>
-            </a:r>
-            <a:r>
               <a:rPr lang="en-CA" dirty="0"/>
-              <a:t/>
+              <a:t>Although awk can be used as a streaming editor for text contained within a text file,  awk can also be used as a filter using a pipeline command.</a:t>
             </a:r>
             <a:br>
               <a:rPr lang="en-CA" dirty="0"/>
             </a:br>
-            <a:endParaRPr lang="en-CA" dirty="0"/>
-          </a:p>
-          <a:p>
-            <a:pPr marL="0" indent="0" fontAlgn="base">
-              <a:buNone/>
-            </a:pPr>
-            <a:r>
-              <a:rPr lang="en-CA" dirty="0"/>
-              <a:t>Although awk can be used as a streaming editor for text contained within a text file,  awk can also be used as a filter using a pipeline command.</a:t>
-            </a:r>
             <a:br>
               <a:rPr lang="en-CA" dirty="0"/>
             </a:br>
             <a:r>
-              <a:rPr lang="en-CA" dirty="0"/>
-              <a:t/>
-            </a:r>
-            <a:br>
-              <a:rPr lang="en-CA" dirty="0"/>
-            </a:br>
-            <a:r>
               <a:rPr lang="en-CA" b="1" dirty="0"/>
               <a:t>Examples</a:t>
-            </a:r>
-            <a:r>
-              <a:rPr lang="en-CA" dirty="0"/>
-              <a:t/>
-            </a:r>
-            <a:br>
-              <a:rPr lang="en-CA" dirty="0"/>
-            </a:br>
-            <a:r>
-              <a:rPr lang="en-CA" dirty="0"/>
-              <a:t/>
             </a:r>
             <a:br>
               <a:rPr lang="en-CA" dirty="0"/>
@@ -11460,112 +11675,8 @@
                 <a:latin typeface="Courier New" panose="02070309020205020404" pitchFamily="49" charset="0"/>
                 <a:cs typeface="Courier New" panose="02070309020205020404" pitchFamily="49" charset="0"/>
               </a:rPr>
-              <a:t>ls | awk ‘{print $1,$2}’</a:t>
-            </a:r>
-            <a:br>
-              <a:rPr lang="en-CA" b="1" dirty="0">
-                <a:solidFill>
-                  <a:srgbClr val="0070C0"/>
-                </a:solidFill>
-                <a:latin typeface="Courier New" panose="02070309020205020404" pitchFamily="49" charset="0"/>
-                <a:cs typeface="Courier New" panose="02070309020205020404" pitchFamily="49" charset="0"/>
-              </a:rPr>
-            </a:br>
-            <a:r>
-              <a:rPr lang="en-CA" b="1" dirty="0">
-                <a:solidFill>
-                  <a:srgbClr val="0070C0"/>
-                </a:solidFill>
-                <a:latin typeface="Courier New" panose="02070309020205020404" pitchFamily="49" charset="0"/>
-                <a:cs typeface="Courier New" panose="02070309020205020404" pitchFamily="49" charset="0"/>
-              </a:rPr>
-              <a:t/>
-            </a:r>
-            <a:br>
-              <a:rPr lang="en-CA" b="1" dirty="0">
-                <a:solidFill>
-                  <a:srgbClr val="0070C0"/>
-                </a:solidFill>
-                <a:latin typeface="Courier New" panose="02070309020205020404" pitchFamily="49" charset="0"/>
-                <a:cs typeface="Courier New" panose="02070309020205020404" pitchFamily="49" charset="0"/>
-              </a:rPr>
-            </a:br>
-            <a:r>
-              <a:rPr lang="en-CA" b="1" dirty="0">
-                <a:solidFill>
-                  <a:srgbClr val="0070C0"/>
-                </a:solidFill>
-                <a:latin typeface="Courier New" panose="02070309020205020404" pitchFamily="49" charset="0"/>
-                <a:cs typeface="Courier New" panose="02070309020205020404" pitchFamily="49" charset="0"/>
-              </a:rPr>
-              <a:t/>
-            </a:r>
-            <a:br>
-              <a:rPr lang="en-CA" b="1" dirty="0">
-                <a:solidFill>
-                  <a:srgbClr val="0070C0"/>
-                </a:solidFill>
-                <a:latin typeface="Courier New" panose="02070309020205020404" pitchFamily="49" charset="0"/>
-                <a:cs typeface="Courier New" panose="02070309020205020404" pitchFamily="49" charset="0"/>
-              </a:rPr>
-            </a:br>
-            <a:r>
-              <a:rPr lang="en-CA" b="1" dirty="0">
-                <a:solidFill>
-                  <a:srgbClr val="0070C0"/>
-                </a:solidFill>
-                <a:latin typeface="Courier New" panose="02070309020205020404" pitchFamily="49" charset="0"/>
-                <a:cs typeface="Courier New" panose="02070309020205020404" pitchFamily="49" charset="0"/>
-              </a:rPr>
-              <a:t/>
-            </a:r>
-            <a:br>
-              <a:rPr lang="en-CA" b="1" dirty="0">
-                <a:solidFill>
-                  <a:srgbClr val="0070C0"/>
-                </a:solidFill>
-                <a:latin typeface="Courier New" panose="02070309020205020404" pitchFamily="49" charset="0"/>
-                <a:cs typeface="Courier New" panose="02070309020205020404" pitchFamily="49" charset="0"/>
-              </a:rPr>
-            </a:br>
-            <a:r>
-              <a:rPr lang="en-CA" b="1" dirty="0">
-                <a:solidFill>
-                  <a:srgbClr val="0070C0"/>
-                </a:solidFill>
-                <a:latin typeface="Courier New" panose="02070309020205020404" pitchFamily="49" charset="0"/>
-                <a:cs typeface="Courier New" panose="02070309020205020404" pitchFamily="49" charset="0"/>
-              </a:rPr>
-              <a:t/>
-            </a:r>
-            <a:br>
-              <a:rPr lang="en-CA" b="1" dirty="0">
-                <a:solidFill>
-                  <a:srgbClr val="0070C0"/>
-                </a:solidFill>
-                <a:latin typeface="Courier New" panose="02070309020205020404" pitchFamily="49" charset="0"/>
-                <a:cs typeface="Courier New" panose="02070309020205020404" pitchFamily="49" charset="0"/>
-              </a:rPr>
-            </a:br>
-            <a:r>
-              <a:rPr lang="en-CA" b="1" dirty="0">
-                <a:solidFill>
-                  <a:srgbClr val="0070C0"/>
-                </a:solidFill>
-                <a:latin typeface="Courier New" panose="02070309020205020404" pitchFamily="49" charset="0"/>
-                <a:cs typeface="Courier New" panose="02070309020205020404" pitchFamily="49" charset="0"/>
-              </a:rPr>
-              <a:t/>
-            </a:r>
-            <a:br>
-              <a:rPr lang="en-CA" b="1" dirty="0">
-                <a:solidFill>
-                  <a:srgbClr val="0070C0"/>
-                </a:solidFill>
-                <a:latin typeface="Courier New" panose="02070309020205020404" pitchFamily="49" charset="0"/>
-                <a:cs typeface="Courier New" panose="02070309020205020404" pitchFamily="49" charset="0"/>
-              </a:rPr>
-            </a:br>
+              <a:t>ls -l | awk ‘{print $1,$2}’</a:t>
+            </a:r>
             <a:endParaRPr lang="en-CA" dirty="0"/>
           </a:p>
         </p:txBody>
@@ -11588,7 +11699,7 @@
           <a:blip r:embed="rId2">
             <a:extLst>
               <a:ext uri="{837473B0-CC2E-450A-ABE3-18F120FF3D39}">
-                <a1611:picAttrSrcUrl xmlns="" xmlns:a1611="http://schemas.microsoft.com/office/drawing/2016/11/main" r:id="rId3"/>
+                <a1611:picAttrSrcUrl xmlns:a1611="http://schemas.microsoft.com/office/drawing/2016/11/main" r:id="rId3"/>
               </a:ext>
             </a:extLst>
           </a:blip>
@@ -11655,7 +11766,7 @@
                                         <p:tgtEl>
                                           <p:spTgt spid="3">
                                             <p:txEl>
-                                              <p:pRg st="1" end="1"/>
+                                              <p:pRg st="0" end="0"/>
                                             </p:txEl>
                                           </p:spTgt>
                                         </p:tgtEl>
@@ -11686,7 +11797,7 @@
                                         <p:tgtEl>
                                           <p:spTgt spid="3">
                                             <p:txEl>
-                                              <p:pRg st="2" end="2"/>
+                                              <p:pRg st="1" end="1"/>
                                             </p:txEl>
                                           </p:spTgt>
                                         </p:tgtEl>
@@ -11876,15 +11987,7 @@
             </a:pPr>
             <a:r>
               <a:rPr lang="en-US" b="1" dirty="0"/>
-              <a:t>Perform Week </a:t>
-            </a:r>
-            <a:r>
-              <a:rPr lang="en-US" b="1" dirty="0" smtClean="0"/>
-              <a:t>10  </a:t>
-            </a:r>
-            <a:r>
-              <a:rPr lang="en-US" b="1" dirty="0"/>
-              <a:t>Tutorial</a:t>
+              <a:t>Perform Week 10  Tutorial</a:t>
             </a:r>
           </a:p>
           <a:p>
@@ -11908,29 +12011,6 @@
               <a:rPr lang="en-US" dirty="0"/>
               <a:t>)</a:t>
             </a:r>
-          </a:p>
-          <a:p>
-            <a:pPr lvl="1"/>
-            <a:endParaRPr lang="en-US" dirty="0"/>
-          </a:p>
-          <a:p>
-            <a:pPr marL="0" indent="0">
-              <a:buNone/>
-            </a:pPr>
-            <a:r>
-              <a:rPr lang="en-US" dirty="0"/>
-              <a:t/>
-            </a:r>
-            <a:br>
-              <a:rPr lang="en-US" dirty="0"/>
-            </a:br>
-            <a:endParaRPr lang="en-US" dirty="0"/>
-          </a:p>
-          <a:p>
-            <a:pPr marL="0" indent="0">
-              <a:buNone/>
-            </a:pPr>
-            <a:endParaRPr lang="en-US" dirty="0"/>
           </a:p>
         </p:txBody>
       </p:sp>
@@ -12230,37 +12310,6 @@
                                   </p:childTnLst>
                                 </p:cTn>
                               </p:par>
-                              <p:par>
-                                <p:cTn id="23" presetID="1" presetClass="entr" presetSubtype="0" fill="hold" grpId="0" nodeType="withEffect">
-                                  <p:stCondLst>
-                                    <p:cond delay="0"/>
-                                  </p:stCondLst>
-                                  <p:childTnLst>
-                                    <p:set>
-                                      <p:cBhvr>
-                                        <p:cTn id="24" dur="1" fill="hold">
-                                          <p:stCondLst>
-                                            <p:cond delay="0"/>
-                                          </p:stCondLst>
-                                        </p:cTn>
-                                        <p:tgtEl>
-                                          <p:spTgt spid="3">
-                                            <p:txEl>
-                                              <p:pRg st="9" end="9"/>
-                                            </p:txEl>
-                                          </p:spTgt>
-                                        </p:tgtEl>
-                                        <p:attrNameLst>
-                                          <p:attrName>style.visibility</p:attrName>
-                                        </p:attrNameLst>
-                                      </p:cBhvr>
-                                      <p:to>
-                                        <p:strVal val="visible"/>
-                                      </p:to>
-                                    </p:set>
-                                  </p:childTnLst>
-                                </p:cTn>
-                              </p:par>
                             </p:childTnLst>
                           </p:cTn>
                         </p:par>
@@ -12371,7 +12420,7 @@
         </p:spPr>
         <p:txBody>
           <a:bodyPr>
-            <a:normAutofit fontScale="92500" lnSpcReduction="10000"/>
+            <a:normAutofit lnSpcReduction="10000"/>
           </a:bodyPr>
           <a:lstStyle/>
           <a:p>
@@ -12382,14 +12431,6 @@
               <a:rPr lang="en-CA" sz="2400" b="1" dirty="0"/>
               <a:t>Instructor Demonstration</a:t>
             </a:r>
-            <a:r>
-              <a:rPr lang="en-CA" b="1" dirty="0"/>
-              <a:t/>
-            </a:r>
-            <a:br>
-              <a:rPr lang="en-CA" b="1" dirty="0"/>
-            </a:br>
-            <a:endParaRPr lang="en-CA" b="1" dirty="0"/>
           </a:p>
           <a:p>
             <a:pPr marL="0" indent="0">
@@ -12410,66 +12451,30 @@
             <a:br>
               <a:rPr lang="en-US" dirty="0"/>
             </a:br>
-            <a:r>
-              <a:rPr lang="en-US" dirty="0"/>
-              <a:t/>
-            </a:r>
             <a:br>
               <a:rPr lang="en-US" dirty="0"/>
             </a:br>
-            <a:r>
-              <a:rPr lang="en-US" dirty="0"/>
-              <a:t/>
-            </a:r>
             <a:br>
               <a:rPr lang="en-US" dirty="0"/>
             </a:br>
-            <a:r>
-              <a:rPr lang="en-US" dirty="0"/>
-              <a:t/>
-            </a:r>
             <a:br>
               <a:rPr lang="en-US" dirty="0"/>
             </a:br>
-            <a:r>
-              <a:rPr lang="en-US" dirty="0"/>
-              <a:t/>
-            </a:r>
             <a:br>
               <a:rPr lang="en-US" dirty="0"/>
             </a:br>
-            <a:r>
-              <a:rPr lang="en-US" dirty="0"/>
-              <a:t/>
-            </a:r>
             <a:br>
               <a:rPr lang="en-US" dirty="0"/>
             </a:br>
-            <a:r>
-              <a:rPr lang="en-US" dirty="0"/>
-              <a:t/>
-            </a:r>
             <a:br>
               <a:rPr lang="en-US" dirty="0"/>
             </a:br>
-            <a:r>
-              <a:rPr lang="en-US" dirty="0"/>
-              <a:t/>
-            </a:r>
             <a:br>
               <a:rPr lang="en-US" dirty="0"/>
             </a:br>
-            <a:r>
-              <a:rPr lang="en-US" dirty="0"/>
-              <a:t/>
-            </a:r>
             <a:br>
               <a:rPr lang="en-US" dirty="0"/>
             </a:br>
-            <a:r>
-              <a:rPr lang="en-US" dirty="0"/>
-              <a:t/>
-            </a:r>
             <a:br>
               <a:rPr lang="en-US" dirty="0"/>
             </a:br>
@@ -12495,7 +12500,7 @@
           <a:blip r:embed="rId2">
             <a:extLst>
               <a:ext uri="{837473B0-CC2E-450A-ABE3-18F120FF3D39}">
-                <a1611:picAttrSrcUrl xmlns="" xmlns:a1611="http://schemas.microsoft.com/office/drawing/2016/11/main" r:id="rId3"/>
+                <a1611:picAttrSrcUrl xmlns:a1611="http://schemas.microsoft.com/office/drawing/2016/11/main" r:id="rId3"/>
               </a:ext>
             </a:extLst>
           </a:blip>
@@ -12523,13 +12528,6 @@
   <p:clrMapOvr>
     <a:masterClrMapping/>
   </p:clrMapOvr>
-  <p:timing>
-    <p:tnLst>
-      <p:par>
-        <p:cTn id="1" dur="indefinite" restart="never" nodeType="tmRoot"/>
-      </p:par>
-    </p:tnLst>
-  </p:timing>
 </p:sld>
 </file>
 
@@ -12574,7 +12572,7 @@
           <a:lstStyle/>
           <a:p>
             <a:r>
-              <a:rPr lang="en-US" sz="2800" dirty="0" smtClean="0"/>
+              <a:rPr lang="en-US" sz="2800" dirty="0"/>
               <a:t>HOMEWORK</a:t>
             </a:r>
             <a:endParaRPr lang="en-US" sz="3000" dirty="0"/>
@@ -12622,23 +12620,15 @@
               <a:buNone/>
             </a:pPr>
             <a:r>
-              <a:rPr lang="en-CA" dirty="0" smtClean="0"/>
+              <a:rPr lang="en-CA" dirty="0"/>
               <a:t>Perform </a:t>
             </a:r>
             <a:r>
-              <a:rPr lang="en-CA" b="1" dirty="0" smtClean="0"/>
-              <a:t>Week 10  </a:t>
-            </a:r>
-            <a:r>
               <a:rPr lang="en-CA" b="1" dirty="0"/>
-              <a:t>Tutorial</a:t>
-            </a:r>
-            <a:r>
-              <a:rPr lang="en-CA" b="1" dirty="0" smtClean="0"/>
-              <a:t>:</a:t>
+              <a:t>Week 10  Tutorial:</a:t>
             </a:r>
             <a:br>
-              <a:rPr lang="en-CA" b="1" dirty="0" smtClean="0"/>
+              <a:rPr lang="en-CA" b="1" dirty="0"/>
             </a:br>
             <a:r>
               <a:rPr lang="en-US" sz="1600" b="1" spc="-1" dirty="0">
@@ -12646,23 +12636,7 @@
                   <a:srgbClr val="000000"/>
                 </a:solidFill>
               </a:rPr>
-              <a:t>(Due: Friday Week </a:t>
-            </a:r>
-            <a:r>
-              <a:rPr lang="en-US" sz="1600" b="1" spc="-1" dirty="0" smtClean="0">
-                <a:solidFill>
-                  <a:srgbClr val="000000"/>
-                </a:solidFill>
-              </a:rPr>
-              <a:t>11 </a:t>
-            </a:r>
-            <a:r>
-              <a:rPr lang="en-US" sz="1600" b="1" spc="-1" dirty="0">
-                <a:solidFill>
-                  <a:srgbClr val="000000"/>
-                </a:solidFill>
-              </a:rPr>
-              <a:t>@ midnight for a 2% grade)</a:t>
+              <a:t>(Due: Friday Week 11 @ midnight for a 2% grade)</a:t>
             </a:r>
             <a:r>
               <a:rPr lang="en-US" sz="1600" spc="-1" dirty="0">
@@ -12672,10 +12646,6 @@
               </a:rPr>
               <a:t>:</a:t>
             </a:r>
-            <a:r>
-              <a:rPr lang="en-CA" sz="1600" b="1" dirty="0"/>
-              <a:t/>
-            </a:r>
             <a:br>
               <a:rPr lang="en-CA" sz="1600" b="1" dirty="0"/>
             </a:br>
@@ -12689,10 +12659,6 @@
               </a:rPr>
               <a:t>INVESTIGATION 2: USING THE AWK UTILITY</a:t>
             </a:r>
-            <a:r>
-              <a:rPr lang="en-CA" dirty="0"/>
-              <a:t/>
-            </a:r>
             <a:br>
               <a:rPr lang="en-CA" dirty="0"/>
             </a:br>
@@ -12735,24 +12701,12 @@
             <a:pPr marL="0" indent="0">
               <a:buNone/>
             </a:pPr>
-            <a:r>
-              <a:rPr lang="en-US" dirty="0"/>
-              <a:t/>
-            </a:r>
             <a:br>
               <a:rPr lang="en-US" dirty="0"/>
             </a:br>
-            <a:r>
-              <a:rPr lang="en-US" dirty="0"/>
-              <a:t/>
-            </a:r>
             <a:br>
               <a:rPr lang="en-US" dirty="0"/>
             </a:br>
-            <a:r>
-              <a:rPr lang="en-US" dirty="0"/>
-              <a:t/>
-            </a:r>
             <a:br>
               <a:rPr lang="en-US" dirty="0"/>
             </a:br>
@@ -12762,17 +12716,9 @@
             <a:pPr marL="0" indent="0">
               <a:buNone/>
             </a:pPr>
-            <a:r>
-              <a:rPr lang="en-CA" sz="1600" dirty="0"/>
-              <a:t/>
-            </a:r>
             <a:br>
               <a:rPr lang="en-CA" sz="1600" dirty="0"/>
             </a:br>
-            <a:r>
-              <a:rPr lang="en-CA" sz="1600" dirty="0"/>
-              <a:t/>
-            </a:r>
             <a:br>
               <a:rPr lang="en-CA" sz="1600" dirty="0"/>
             </a:br>
@@ -13089,34 +13035,20 @@
         </p:spPr>
         <p:txBody>
           <a:bodyPr>
-            <a:normAutofit fontScale="85000" lnSpcReduction="10000"/>
+            <a:normAutofit/>
           </a:bodyPr>
           <a:lstStyle/>
           <a:p>
             <a:pPr marL="0" indent="0">
               <a:buNone/>
             </a:pPr>
-            <a:endParaRPr lang="en-CA" sz="2600" b="1" dirty="0"/>
-          </a:p>
-          <a:p>
-            <a:pPr marL="0" indent="0">
-              <a:buNone/>
-            </a:pPr>
             <a:r>
               <a:rPr lang="en-CA" sz="2400" b="1" dirty="0"/>
               <a:t>Definition / Purpose</a:t>
             </a:r>
-            <a:r>
-              <a:rPr lang="en-CA" dirty="0"/>
-              <a:t/>
-            </a:r>
-            <a:br>
-              <a:rPr lang="en-CA" dirty="0"/>
-            </a:br>
-            <a:endParaRPr lang="en-CA" dirty="0"/>
-          </a:p>
-          <a:p>
-            <a:pPr marL="0" indent="0" fontAlgn="base">
+          </a:p>
+          <a:p>
+            <a:pPr marL="0" indent="0">
               <a:buNone/>
             </a:pPr>
             <a:r>
@@ -13159,20 +13091,11 @@
               <a:rPr lang="en-CA" i="1" dirty="0"/>
               <a:t>.</a:t>
             </a:r>
-            <a:r>
-              <a:rPr lang="en-CA" dirty="0"/>
-              <a:t/>
-            </a:r>
-            <a:br>
-              <a:rPr lang="en-CA" dirty="0"/>
-            </a:br>
-            <a:r>
-              <a:rPr lang="en-CA" dirty="0"/>
-              <a:t/>
-            </a:r>
-            <a:br>
-              <a:rPr lang="en-CA" dirty="0"/>
-            </a:br>
+          </a:p>
+          <a:p>
+            <a:pPr marL="0" indent="0">
+              <a:buNone/>
+            </a:pPr>
             <a:r>
               <a:rPr lang="en-CA" dirty="0"/>
               <a:t>Reference: </a:t>
@@ -13183,17 +13106,10 @@
               </a:rPr>
               <a:t>https://www.geeksforgeeks.org/awk-command-unixlinux-examples/</a:t>
             </a:r>
-            <a:r>
-              <a:rPr lang="en-CA" dirty="0"/>
-              <a:t/>
-            </a:r>
-            <a:br>
-              <a:rPr lang="en-CA" dirty="0"/>
-            </a:br>
             <a:endParaRPr lang="en-CA" dirty="0"/>
           </a:p>
           <a:p>
-            <a:pPr marL="0" indent="0" fontAlgn="base">
+            <a:pPr marL="0" indent="0">
               <a:buNone/>
             </a:pPr>
             <a:r>
@@ -13216,24 +13132,6 @@
               <a:rPr lang="en-CA" dirty="0"/>
               <a:t>.</a:t>
             </a:r>
-            <a:br>
-              <a:rPr lang="en-CA" dirty="0"/>
-            </a:br>
-            <a:r>
-              <a:rPr lang="en-CA" dirty="0"/>
-              <a:t/>
-            </a:r>
-            <a:br>
-              <a:rPr lang="en-CA" dirty="0"/>
-            </a:br>
-            <a:r>
-              <a:rPr lang="en-CA" dirty="0"/>
-              <a:t/>
-            </a:r>
-            <a:br>
-              <a:rPr lang="en-CA" dirty="0"/>
-            </a:br>
-            <a:endParaRPr lang="en-CA" dirty="0"/>
           </a:p>
         </p:txBody>
       </p:sp>
@@ -13255,7 +13153,7 @@
           <a:blip r:embed="rId3">
             <a:extLst>
               <a:ext uri="{837473B0-CC2E-450A-ABE3-18F120FF3D39}">
-                <a1611:picAttrSrcUrl xmlns="" xmlns:a1611="http://schemas.microsoft.com/office/drawing/2016/11/main" r:id="rId4"/>
+                <a1611:picAttrSrcUrl xmlns:a1611="http://schemas.microsoft.com/office/drawing/2016/11/main" r:id="rId4"/>
               </a:ext>
             </a:extLst>
           </a:blip>
@@ -13277,534 +13175,6 @@
     <p:extLst>
       <p:ext uri="{BB962C8B-B14F-4D97-AF65-F5344CB8AC3E}">
         <p14:creationId xmlns:p14="http://schemas.microsoft.com/office/powerpoint/2010/main" val="3769600259"/>
-      </p:ext>
-    </p:extLst>
-  </p:cSld>
-  <p:clrMapOvr>
-    <a:masterClrMapping/>
-  </p:clrMapOvr>
-  <p:timing>
-    <p:tnLst>
-      <p:par>
-        <p:cTn id="1" dur="indefinite" restart="never" nodeType="tmRoot">
-          <p:childTnLst>
-            <p:seq concurrent="1" nextAc="seek">
-              <p:cTn id="2" dur="indefinite" nodeType="mainSeq">
-                <p:childTnLst>
-                  <p:par>
-                    <p:cTn id="3" fill="hold">
-                      <p:stCondLst>
-                        <p:cond delay="indefinite"/>
-                        <p:cond evt="onBegin" delay="0">
-                          <p:tn val="2"/>
-                        </p:cond>
-                      </p:stCondLst>
-                      <p:childTnLst>
-                        <p:par>
-                          <p:cTn id="4" fill="hold">
-                            <p:stCondLst>
-                              <p:cond delay="0"/>
-                            </p:stCondLst>
-                            <p:childTnLst>
-                              <p:par>
-                                <p:cTn id="5" presetID="1" presetClass="entr" presetSubtype="0" fill="hold" grpId="0" nodeType="withEffect">
-                                  <p:stCondLst>
-                                    <p:cond delay="0"/>
-                                  </p:stCondLst>
-                                  <p:childTnLst>
-                                    <p:set>
-                                      <p:cBhvr>
-                                        <p:cTn id="6" dur="1" fill="hold">
-                                          <p:stCondLst>
-                                            <p:cond delay="0"/>
-                                          </p:stCondLst>
-                                        </p:cTn>
-                                        <p:tgtEl>
-                                          <p:spTgt spid="3">
-                                            <p:txEl>
-                                              <p:pRg st="1" end="1"/>
-                                            </p:txEl>
-                                          </p:spTgt>
-                                        </p:tgtEl>
-                                        <p:attrNameLst>
-                                          <p:attrName>style.visibility</p:attrName>
-                                        </p:attrNameLst>
-                                      </p:cBhvr>
-                                      <p:to>
-                                        <p:strVal val="visible"/>
-                                      </p:to>
-                                    </p:set>
-                                  </p:childTnLst>
-                                </p:cTn>
-                              </p:par>
-                              <p:par>
-                                <p:cTn id="7" presetID="1" presetClass="entr" presetSubtype="0" fill="hold" grpId="0" nodeType="withEffect">
-                                  <p:stCondLst>
-                                    <p:cond delay="0"/>
-                                  </p:stCondLst>
-                                  <p:childTnLst>
-                                    <p:set>
-                                      <p:cBhvr>
-                                        <p:cTn id="8" dur="1" fill="hold">
-                                          <p:stCondLst>
-                                            <p:cond delay="0"/>
-                                          </p:stCondLst>
-                                        </p:cTn>
-                                        <p:tgtEl>
-                                          <p:spTgt spid="3">
-                                            <p:txEl>
-                                              <p:pRg st="2" end="2"/>
-                                            </p:txEl>
-                                          </p:spTgt>
-                                        </p:tgtEl>
-                                        <p:attrNameLst>
-                                          <p:attrName>style.visibility</p:attrName>
-                                        </p:attrNameLst>
-                                      </p:cBhvr>
-                                      <p:to>
-                                        <p:strVal val="visible"/>
-                                      </p:to>
-                                    </p:set>
-                                  </p:childTnLst>
-                                </p:cTn>
-                              </p:par>
-                            </p:childTnLst>
-                          </p:cTn>
-                        </p:par>
-                      </p:childTnLst>
-                    </p:cTn>
-                  </p:par>
-                  <p:par>
-                    <p:cTn id="9" fill="hold">
-                      <p:stCondLst>
-                        <p:cond delay="indefinite"/>
-                      </p:stCondLst>
-                      <p:childTnLst>
-                        <p:par>
-                          <p:cTn id="10" fill="hold">
-                            <p:stCondLst>
-                              <p:cond delay="0"/>
-                            </p:stCondLst>
-                            <p:childTnLst>
-                              <p:par>
-                                <p:cTn id="11" presetID="1" presetClass="entr" presetSubtype="0" fill="hold" grpId="0" nodeType="clickEffect">
-                                  <p:stCondLst>
-                                    <p:cond delay="0"/>
-                                  </p:stCondLst>
-                                  <p:childTnLst>
-                                    <p:set>
-                                      <p:cBhvr>
-                                        <p:cTn id="12" dur="1" fill="hold">
-                                          <p:stCondLst>
-                                            <p:cond delay="0"/>
-                                          </p:stCondLst>
-                                        </p:cTn>
-                                        <p:tgtEl>
-                                          <p:spTgt spid="3">
-                                            <p:txEl>
-                                              <p:pRg st="3" end="3"/>
-                                            </p:txEl>
-                                          </p:spTgt>
-                                        </p:tgtEl>
-                                        <p:attrNameLst>
-                                          <p:attrName>style.visibility</p:attrName>
-                                        </p:attrNameLst>
-                                      </p:cBhvr>
-                                      <p:to>
-                                        <p:strVal val="visible"/>
-                                      </p:to>
-                                    </p:set>
-                                  </p:childTnLst>
-                                </p:cTn>
-                              </p:par>
-                            </p:childTnLst>
-                          </p:cTn>
-                        </p:par>
-                      </p:childTnLst>
-                    </p:cTn>
-                  </p:par>
-                </p:childTnLst>
-              </p:cTn>
-              <p:prevCondLst>
-                <p:cond evt="onPrev" delay="0">
-                  <p:tgtEl>
-                    <p:sldTgt/>
-                  </p:tgtEl>
-                </p:cond>
-              </p:prevCondLst>
-              <p:nextCondLst>
-                <p:cond evt="onNext" delay="0">
-                  <p:tgtEl>
-                    <p:sldTgt/>
-                  </p:tgtEl>
-                </p:cond>
-              </p:nextCondLst>
-            </p:seq>
-          </p:childTnLst>
-        </p:cTn>
-      </p:par>
-    </p:tnLst>
-    <p:bldLst>
-      <p:bldP spid="3" grpId="0" uiExpand="1" build="p"/>
-    </p:bldLst>
-  </p:timing>
-</p:sld>
-</file>
-
-<file path=ppt/slides/slide4.xml><?xml version="1.0" encoding="utf-8"?>
-<p:sld xmlns:a="http://schemas.openxmlformats.org/drawingml/2006/main" xmlns:r="http://schemas.openxmlformats.org/officeDocument/2006/relationships" xmlns:p="http://schemas.openxmlformats.org/presentationml/2006/main" showMasterSp="0">
-  <p:cSld>
-    <p:spTree>
-      <p:nvGrpSpPr>
-        <p:cNvPr id="1" name=""/>
-        <p:cNvGrpSpPr/>
-        <p:nvPr/>
-      </p:nvGrpSpPr>
-      <p:grpSpPr>
-        <a:xfrm>
-          <a:off x="0" y="0"/>
-          <a:ext cx="0" cy="0"/>
-          <a:chOff x="0" y="0"/>
-          <a:chExt cx="0" cy="0"/>
-        </a:xfrm>
-      </p:grpSpPr>
-      <p:sp>
-        <p:nvSpPr>
-          <p:cNvPr id="2" name="Title 1">
-            <a:extLst>
-              <a:ext uri="{FF2B5EF4-FFF2-40B4-BE49-F238E27FC236}">
-                <a16:creationId xmlns:a16="http://schemas.microsoft.com/office/drawing/2014/main" id="{303829AC-DEC4-1147-BF51-3849E59AC39E}"/>
-              </a:ext>
-            </a:extLst>
-          </p:cNvPr>
-          <p:cNvSpPr>
-            <a:spLocks noGrp="1"/>
-          </p:cNvSpPr>
-          <p:nvPr>
-            <p:ph type="title"/>
-          </p:nvPr>
-        </p:nvSpPr>
-        <p:spPr/>
-        <p:txBody>
-          <a:bodyPr>
-            <a:normAutofit/>
-          </a:bodyPr>
-          <a:lstStyle/>
-          <a:p>
-            <a:r>
-              <a:rPr lang="en-US" sz="2800" dirty="0" err="1"/>
-              <a:t>awk</a:t>
-            </a:r>
-            <a:r>
-              <a:rPr lang="en-US" sz="2800" dirty="0"/>
-              <a:t> utility</a:t>
-            </a:r>
-            <a:endParaRPr lang="en-US" sz="3000" dirty="0"/>
-          </a:p>
-        </p:txBody>
-      </p:sp>
-      <p:sp>
-        <p:nvSpPr>
-          <p:cNvPr id="3" name="Content Placeholder 2">
-            <a:extLst>
-              <a:ext uri="{FF2B5EF4-FFF2-40B4-BE49-F238E27FC236}">
-                <a16:creationId xmlns:a16="http://schemas.microsoft.com/office/drawing/2014/main" id="{99DF4C7A-3854-7B4B-8D4F-4AD959A565DC}"/>
-              </a:ext>
-            </a:extLst>
-          </p:cNvPr>
-          <p:cNvSpPr>
-            <a:spLocks noGrp="1"/>
-          </p:cNvSpPr>
-          <p:nvPr>
-            <p:ph idx="1"/>
-          </p:nvPr>
-        </p:nvSpPr>
-        <p:spPr>
-          <a:xfrm>
-            <a:off x="1451577" y="1706813"/>
-            <a:ext cx="7235223" cy="4755771"/>
-          </a:xfrm>
-        </p:spPr>
-        <p:txBody>
-          <a:bodyPr>
-            <a:normAutofit fontScale="70000" lnSpcReduction="20000"/>
-          </a:bodyPr>
-          <a:lstStyle/>
-          <a:p>
-            <a:pPr marL="0" indent="0">
-              <a:buNone/>
-            </a:pPr>
-            <a:r>
-              <a:rPr lang="en-CA" sz="2400" b="1" dirty="0"/>
-              <a:t>Usage</a:t>
-            </a:r>
-            <a:r>
-              <a:rPr lang="en-CA" dirty="0"/>
-              <a:t/>
-            </a:r>
-            <a:br>
-              <a:rPr lang="en-CA" dirty="0"/>
-            </a:br>
-            <a:r>
-              <a:rPr lang="en-CA" dirty="0"/>
-              <a:t/>
-            </a:r>
-            <a:br>
-              <a:rPr lang="en-CA" dirty="0"/>
-            </a:br>
-            <a:r>
-              <a:rPr lang="en-CA" b="1" dirty="0">
-                <a:solidFill>
-                  <a:srgbClr val="0070C0"/>
-                </a:solidFill>
-                <a:latin typeface="Courier New" panose="02070309020205020404" pitchFamily="49" charset="0"/>
-                <a:cs typeface="Courier New" panose="02070309020205020404" pitchFamily="49" charset="0"/>
-              </a:rPr>
-              <a:t>awk [-F] 'selection _criteria {action}’ file-name </a:t>
-            </a:r>
-            <a:r>
-              <a:rPr lang="en-CA" dirty="0"/>
-              <a:t/>
-            </a:r>
-            <a:br>
-              <a:rPr lang="en-CA" dirty="0"/>
-            </a:br>
-            <a:endParaRPr lang="en-CA" dirty="0"/>
-          </a:p>
-          <a:p>
-            <a:pPr marL="0" indent="0">
-              <a:buNone/>
-            </a:pPr>
-            <a:r>
-              <a:rPr lang="en-CA" b="1" dirty="0"/>
-              <a:t>How it Works:</a:t>
-            </a:r>
-          </a:p>
-          <a:p>
-            <a:r>
-              <a:rPr lang="en-CA" dirty="0"/>
-              <a:t>The </a:t>
-            </a:r>
-            <a:r>
-              <a:rPr lang="en-CA" b="1" dirty="0" err="1"/>
-              <a:t>awk</a:t>
-            </a:r>
-            <a:r>
-              <a:rPr lang="en-CA" dirty="0"/>
-              <a:t> command reads all lines in the input file and will be exposed to the </a:t>
-            </a:r>
-            <a:r>
-              <a:rPr lang="en-CA" b="1" dirty="0"/>
-              <a:t>expression</a:t>
-            </a:r>
-            <a:r>
-              <a:rPr lang="en-CA" dirty="0"/>
-              <a:t> (contained within </a:t>
-            </a:r>
-            <a:r>
-              <a:rPr lang="en-CA" b="1" dirty="0"/>
-              <a:t>quotes</a:t>
-            </a:r>
-            <a:r>
-              <a:rPr lang="en-CA" dirty="0"/>
-              <a:t>) for processing.</a:t>
-            </a:r>
-          </a:p>
-          <a:p>
-            <a:r>
-              <a:rPr lang="en-CA" dirty="0"/>
-              <a:t>The expression (contained in quotes) represents </a:t>
-            </a:r>
-            <a:r>
-              <a:rPr lang="en-CA" b="1" dirty="0"/>
-              <a:t>selection criteria</a:t>
-            </a:r>
-            <a:r>
-              <a:rPr lang="en-CA" dirty="0"/>
-              <a:t>, </a:t>
-            </a:r>
-            <a:br>
-              <a:rPr lang="en-CA" dirty="0"/>
-            </a:br>
-            <a:r>
-              <a:rPr lang="en-CA" dirty="0"/>
-              <a:t>and action to </a:t>
-            </a:r>
-            <a:r>
-              <a:rPr lang="en-CA" b="1" dirty="0"/>
-              <a:t>execute</a:t>
-            </a:r>
-            <a:r>
-              <a:rPr lang="en-CA" dirty="0"/>
-              <a:t> contained within braces </a:t>
-            </a:r>
-            <a:r>
-              <a:rPr lang="en-CA" b="1" dirty="0">
-                <a:solidFill>
-                  <a:srgbClr val="0070C0"/>
-                </a:solidFill>
-                <a:latin typeface="Courier New" panose="02070309020205020404" pitchFamily="49" charset="0"/>
-                <a:cs typeface="Courier New" panose="02070309020205020404" pitchFamily="49" charset="0"/>
-              </a:rPr>
-              <a:t>{}</a:t>
-            </a:r>
-          </a:p>
-          <a:p>
-            <a:r>
-              <a:rPr lang="en-CA" dirty="0"/>
-              <a:t>if selection criteria is </a:t>
-            </a:r>
-            <a:r>
-              <a:rPr lang="en-CA" b="1" dirty="0"/>
-              <a:t>matched</a:t>
-            </a:r>
-            <a:r>
-              <a:rPr lang="en-CA" dirty="0"/>
-              <a:t>, then </a:t>
-            </a:r>
-            <a:r>
-              <a:rPr lang="en-CA" b="1" dirty="0"/>
-              <a:t>action</a:t>
-            </a:r>
-            <a:r>
-              <a:rPr lang="en-CA" dirty="0"/>
-              <a:t> (between braces) is </a:t>
-            </a:r>
-            <a:r>
-              <a:rPr lang="en-CA" b="1" dirty="0"/>
-              <a:t>executed</a:t>
-            </a:r>
-            <a:r>
-              <a:rPr lang="en-CA" dirty="0"/>
-              <a:t>.</a:t>
-            </a:r>
-          </a:p>
-          <a:p>
-            <a:r>
-              <a:rPr lang="en-CA" dirty="0"/>
-              <a:t>The </a:t>
-            </a:r>
-            <a:r>
-              <a:rPr lang="en-CA" b="1" dirty="0"/>
-              <a:t>–F</a:t>
-            </a:r>
-            <a:r>
-              <a:rPr lang="en-CA" dirty="0"/>
-              <a:t> option can be used to specify the default field delimiter (separator) character</a:t>
-            </a:r>
-            <a:br>
-              <a:rPr lang="en-CA" dirty="0"/>
-            </a:br>
-            <a:r>
-              <a:rPr lang="en-CA" dirty="0" err="1"/>
-              <a:t>eg</a:t>
-            </a:r>
-            <a:r>
-              <a:rPr lang="en-CA" b="1" dirty="0" err="1">
-                <a:solidFill>
-                  <a:srgbClr val="0070C0"/>
-                </a:solidFill>
-                <a:latin typeface="Courier New" panose="02070309020205020404" pitchFamily="49" charset="0"/>
-                <a:cs typeface="Courier New" panose="02070309020205020404" pitchFamily="49" charset="0"/>
-              </a:rPr>
-              <a:t>.</a:t>
-            </a:r>
-            <a:r>
-              <a:rPr lang="en-CA" b="1" dirty="0">
-                <a:solidFill>
-                  <a:srgbClr val="0070C0"/>
-                </a:solidFill>
-                <a:latin typeface="Courier New" panose="02070309020205020404" pitchFamily="49" charset="0"/>
-                <a:cs typeface="Courier New" panose="02070309020205020404" pitchFamily="49" charset="0"/>
-              </a:rPr>
-              <a:t> awk –F”;”   </a:t>
-            </a:r>
-            <a:r>
-              <a:rPr lang="en-CA" dirty="0"/>
-              <a:t>(would indicate a semi-colon delimited input file)</a:t>
-            </a:r>
-            <a:br>
-              <a:rPr lang="en-CA" dirty="0"/>
-            </a:br>
-            <a:r>
-              <a:rPr lang="en-CA" dirty="0"/>
-              <a:t/>
-            </a:r>
-            <a:br>
-              <a:rPr lang="en-CA" dirty="0"/>
-            </a:br>
-            <a:r>
-              <a:rPr lang="en-CA" dirty="0"/>
-              <a:t/>
-            </a:r>
-            <a:br>
-              <a:rPr lang="en-CA" dirty="0"/>
-            </a:br>
-            <a:r>
-              <a:rPr lang="en-CA" dirty="0"/>
-              <a:t/>
-            </a:r>
-            <a:br>
-              <a:rPr lang="en-CA" dirty="0"/>
-            </a:br>
-            <a:r>
-              <a:rPr lang="en-CA" dirty="0"/>
-              <a:t/>
-            </a:r>
-            <a:br>
-              <a:rPr lang="en-CA" dirty="0"/>
-            </a:br>
-            <a:r>
-              <a:rPr lang="en-CA" dirty="0"/>
-              <a:t/>
-            </a:r>
-            <a:br>
-              <a:rPr lang="en-CA" dirty="0"/>
-            </a:br>
-            <a:endParaRPr lang="en-CA" dirty="0"/>
-          </a:p>
-        </p:txBody>
-      </p:sp>
-      <p:pic>
-        <p:nvPicPr>
-          <p:cNvPr id="4" name="Picture 3" descr="A close up of a logo&#10;&#10;Description automatically generated">
-            <a:extLst>
-              <a:ext uri="{FF2B5EF4-FFF2-40B4-BE49-F238E27FC236}">
-                <a16:creationId xmlns:a16="http://schemas.microsoft.com/office/drawing/2014/main" id="{CD2D6365-D2FC-F642-8AD4-B1CE34C9CEB4}"/>
-              </a:ext>
-            </a:extLst>
-          </p:cNvPr>
-          <p:cNvPicPr>
-            <a:picLocks noChangeAspect="1"/>
-          </p:cNvPicPr>
-          <p:nvPr/>
-        </p:nvPicPr>
-        <p:blipFill>
-          <a:blip r:embed="rId2">
-            <a:extLst>
-              <a:ext uri="{837473B0-CC2E-450A-ABE3-18F120FF3D39}">
-                <a1611:picAttrSrcUrl xmlns="" xmlns:a1611="http://schemas.microsoft.com/office/drawing/2016/11/main" r:id="rId3"/>
-              </a:ext>
-            </a:extLst>
-          </a:blip>
-          <a:stretch>
-            <a:fillRect/>
-          </a:stretch>
-        </p:blipFill>
-        <p:spPr>
-          <a:xfrm>
-            <a:off x="10554014" y="1184924"/>
-            <a:ext cx="1252844" cy="1252844"/>
-          </a:xfrm>
-          <a:prstGeom prst="rect">
-            <a:avLst/>
-          </a:prstGeom>
-        </p:spPr>
-      </p:pic>
-    </p:spTree>
-    <p:extLst>
-      <p:ext uri="{BB962C8B-B14F-4D97-AF65-F5344CB8AC3E}">
-        <p14:creationId xmlns:p14="http://schemas.microsoft.com/office/powerpoint/2010/main" val="4182747496"/>
       </p:ext>
     </p:extLst>
   </p:cSld>
@@ -13927,6 +13297,460 @@
                                   </p:childTnLst>
                                 </p:cTn>
                               </p:par>
+                              <p:par>
+                                <p:cTn id="11" presetID="1" presetClass="entr" presetSubtype="0" fill="hold" grpId="0" nodeType="withEffect">
+                                  <p:stCondLst>
+                                    <p:cond delay="0"/>
+                                  </p:stCondLst>
+                                  <p:childTnLst>
+                                    <p:set>
+                                      <p:cBhvr>
+                                        <p:cTn id="12" dur="1" fill="hold">
+                                          <p:stCondLst>
+                                            <p:cond delay="0"/>
+                                          </p:stCondLst>
+                                        </p:cTn>
+                                        <p:tgtEl>
+                                          <p:spTgt spid="3">
+                                            <p:txEl>
+                                              <p:pRg st="3" end="3"/>
+                                            </p:txEl>
+                                          </p:spTgt>
+                                        </p:tgtEl>
+                                        <p:attrNameLst>
+                                          <p:attrName>style.visibility</p:attrName>
+                                        </p:attrNameLst>
+                                      </p:cBhvr>
+                                      <p:to>
+                                        <p:strVal val="visible"/>
+                                      </p:to>
+                                    </p:set>
+                                  </p:childTnLst>
+                                </p:cTn>
+                              </p:par>
+                            </p:childTnLst>
+                          </p:cTn>
+                        </p:par>
+                      </p:childTnLst>
+                    </p:cTn>
+                  </p:par>
+                </p:childTnLst>
+              </p:cTn>
+              <p:prevCondLst>
+                <p:cond evt="onPrev" delay="0">
+                  <p:tgtEl>
+                    <p:sldTgt/>
+                  </p:tgtEl>
+                </p:cond>
+              </p:prevCondLst>
+              <p:nextCondLst>
+                <p:cond evt="onNext" delay="0">
+                  <p:tgtEl>
+                    <p:sldTgt/>
+                  </p:tgtEl>
+                </p:cond>
+              </p:nextCondLst>
+            </p:seq>
+          </p:childTnLst>
+        </p:cTn>
+      </p:par>
+    </p:tnLst>
+    <p:bldLst>
+      <p:bldP spid="3" grpId="0" uiExpand="1" build="p"/>
+    </p:bldLst>
+  </p:timing>
+</p:sld>
+</file>
+
+<file path=ppt/slides/slide4.xml><?xml version="1.0" encoding="utf-8"?>
+<p:sld xmlns:a="http://schemas.openxmlformats.org/drawingml/2006/main" xmlns:r="http://schemas.openxmlformats.org/officeDocument/2006/relationships" xmlns:p="http://schemas.openxmlformats.org/presentationml/2006/main" showMasterSp="0">
+  <p:cSld>
+    <p:spTree>
+      <p:nvGrpSpPr>
+        <p:cNvPr id="1" name=""/>
+        <p:cNvGrpSpPr/>
+        <p:nvPr/>
+      </p:nvGrpSpPr>
+      <p:grpSpPr>
+        <a:xfrm>
+          <a:off x="0" y="0"/>
+          <a:ext cx="0" cy="0"/>
+          <a:chOff x="0" y="0"/>
+          <a:chExt cx="0" cy="0"/>
+        </a:xfrm>
+      </p:grpSpPr>
+      <p:sp>
+        <p:nvSpPr>
+          <p:cNvPr id="2" name="Title 1">
+            <a:extLst>
+              <a:ext uri="{FF2B5EF4-FFF2-40B4-BE49-F238E27FC236}">
+                <a16:creationId xmlns:a16="http://schemas.microsoft.com/office/drawing/2014/main" id="{303829AC-DEC4-1147-BF51-3849E59AC39E}"/>
+              </a:ext>
+            </a:extLst>
+          </p:cNvPr>
+          <p:cNvSpPr>
+            <a:spLocks noGrp="1"/>
+          </p:cNvSpPr>
+          <p:nvPr>
+            <p:ph type="title"/>
+          </p:nvPr>
+        </p:nvSpPr>
+        <p:spPr/>
+        <p:txBody>
+          <a:bodyPr>
+            <a:normAutofit/>
+          </a:bodyPr>
+          <a:lstStyle/>
+          <a:p>
+            <a:r>
+              <a:rPr lang="en-US" sz="2800" dirty="0" err="1"/>
+              <a:t>awk</a:t>
+            </a:r>
+            <a:r>
+              <a:rPr lang="en-US" sz="2800" dirty="0"/>
+              <a:t> utility</a:t>
+            </a:r>
+            <a:endParaRPr lang="en-US" sz="3000" dirty="0"/>
+          </a:p>
+        </p:txBody>
+      </p:sp>
+      <p:sp>
+        <p:nvSpPr>
+          <p:cNvPr id="3" name="Content Placeholder 2">
+            <a:extLst>
+              <a:ext uri="{FF2B5EF4-FFF2-40B4-BE49-F238E27FC236}">
+                <a16:creationId xmlns:a16="http://schemas.microsoft.com/office/drawing/2014/main" id="{99DF4C7A-3854-7B4B-8D4F-4AD959A565DC}"/>
+              </a:ext>
+            </a:extLst>
+          </p:cNvPr>
+          <p:cNvSpPr>
+            <a:spLocks noGrp="1"/>
+          </p:cNvSpPr>
+          <p:nvPr>
+            <p:ph idx="1"/>
+          </p:nvPr>
+        </p:nvSpPr>
+        <p:spPr>
+          <a:xfrm>
+            <a:off x="1451577" y="1706813"/>
+            <a:ext cx="8350433" cy="4755771"/>
+          </a:xfrm>
+        </p:spPr>
+        <p:txBody>
+          <a:bodyPr>
+            <a:normAutofit lnSpcReduction="10000"/>
+          </a:bodyPr>
+          <a:lstStyle/>
+          <a:p>
+            <a:pPr marL="0" indent="0">
+              <a:buNone/>
+            </a:pPr>
+            <a:r>
+              <a:rPr lang="en-CA" sz="2400" b="1" dirty="0"/>
+              <a:t>Usage</a:t>
+            </a:r>
+          </a:p>
+          <a:p>
+            <a:pPr marL="457200" lvl="1" indent="0">
+              <a:buNone/>
+            </a:pPr>
+            <a:r>
+              <a:rPr lang="en-CA" b="1" dirty="0">
+                <a:solidFill>
+                  <a:srgbClr val="0070C0"/>
+                </a:solidFill>
+                <a:latin typeface="Courier New" panose="02070309020205020404" pitchFamily="49" charset="0"/>
+                <a:cs typeface="Courier New" panose="02070309020205020404" pitchFamily="49" charset="0"/>
+              </a:rPr>
+              <a:t>awk [-F] 'selection _criteria {action}’ file-name </a:t>
+            </a:r>
+          </a:p>
+          <a:p>
+            <a:pPr marL="0" indent="0">
+              <a:buNone/>
+            </a:pPr>
+            <a:r>
+              <a:rPr lang="en-CA" b="1" dirty="0"/>
+              <a:t>How it Works:</a:t>
+            </a:r>
+          </a:p>
+          <a:p>
+            <a:r>
+              <a:rPr lang="en-CA" dirty="0"/>
+              <a:t>The </a:t>
+            </a:r>
+            <a:r>
+              <a:rPr lang="en-CA" b="1" dirty="0" err="1"/>
+              <a:t>awk</a:t>
+            </a:r>
+            <a:r>
+              <a:rPr lang="en-CA" dirty="0"/>
+              <a:t> command reads all lines in the input file and will be exposed to the </a:t>
+            </a:r>
+            <a:r>
+              <a:rPr lang="en-CA" b="1" dirty="0"/>
+              <a:t>expression</a:t>
+            </a:r>
+            <a:r>
+              <a:rPr lang="en-CA" dirty="0"/>
+              <a:t> (contained within </a:t>
+            </a:r>
+            <a:r>
+              <a:rPr lang="en-CA" b="1" dirty="0"/>
+              <a:t>quotes</a:t>
+            </a:r>
+            <a:r>
+              <a:rPr lang="en-CA" dirty="0"/>
+              <a:t>) for processing.</a:t>
+            </a:r>
+          </a:p>
+          <a:p>
+            <a:r>
+              <a:rPr lang="en-CA" dirty="0"/>
+              <a:t>The expression (contained in quotes) represents </a:t>
+            </a:r>
+            <a:r>
+              <a:rPr lang="en-CA" b="1" dirty="0"/>
+              <a:t>selection criteria</a:t>
+            </a:r>
+            <a:r>
+              <a:rPr lang="en-CA" dirty="0"/>
+              <a:t>, </a:t>
+            </a:r>
+            <a:br>
+              <a:rPr lang="en-CA" dirty="0"/>
+            </a:br>
+            <a:r>
+              <a:rPr lang="en-CA" dirty="0"/>
+              <a:t>and action to </a:t>
+            </a:r>
+            <a:r>
+              <a:rPr lang="en-CA" b="1" dirty="0"/>
+              <a:t>execute</a:t>
+            </a:r>
+            <a:r>
+              <a:rPr lang="en-CA" dirty="0"/>
+              <a:t> contained within braces </a:t>
+            </a:r>
+            <a:r>
+              <a:rPr lang="en-CA" b="1" dirty="0">
+                <a:solidFill>
+                  <a:srgbClr val="0070C0"/>
+                </a:solidFill>
+                <a:latin typeface="Courier New" panose="02070309020205020404" pitchFamily="49" charset="0"/>
+                <a:cs typeface="Courier New" panose="02070309020205020404" pitchFamily="49" charset="0"/>
+              </a:rPr>
+              <a:t>{}</a:t>
+            </a:r>
+          </a:p>
+          <a:p>
+            <a:r>
+              <a:rPr lang="en-CA" dirty="0"/>
+              <a:t>If selection criteria is </a:t>
+            </a:r>
+            <a:r>
+              <a:rPr lang="en-CA" b="1" dirty="0"/>
+              <a:t>matched</a:t>
+            </a:r>
+            <a:r>
+              <a:rPr lang="en-CA" dirty="0"/>
+              <a:t>, then </a:t>
+            </a:r>
+            <a:r>
+              <a:rPr lang="en-CA" b="1" dirty="0"/>
+              <a:t>action</a:t>
+            </a:r>
+            <a:r>
+              <a:rPr lang="en-CA" dirty="0"/>
+              <a:t> (between braces) is </a:t>
+            </a:r>
+            <a:r>
+              <a:rPr lang="en-CA" b="1" dirty="0"/>
+              <a:t>executed</a:t>
+            </a:r>
+            <a:r>
+              <a:rPr lang="en-CA" dirty="0"/>
+              <a:t>.</a:t>
+            </a:r>
+          </a:p>
+          <a:p>
+            <a:r>
+              <a:rPr lang="en-CA" dirty="0"/>
+              <a:t>The </a:t>
+            </a:r>
+            <a:r>
+              <a:rPr lang="en-CA" b="1" dirty="0"/>
+              <a:t>–F</a:t>
+            </a:r>
+            <a:r>
+              <a:rPr lang="en-CA" dirty="0"/>
+              <a:t> option can be used to specify the default field delimiter (separator) character.</a:t>
+            </a:r>
+          </a:p>
+          <a:p>
+            <a:pPr lvl="1"/>
+            <a:r>
+              <a:rPr lang="en-CA" dirty="0" err="1"/>
+              <a:t>eg</a:t>
+            </a:r>
+            <a:r>
+              <a:rPr lang="en-CA" b="1" dirty="0" err="1">
+                <a:solidFill>
+                  <a:srgbClr val="0070C0"/>
+                </a:solidFill>
+                <a:latin typeface="Courier New" panose="02070309020205020404" pitchFamily="49" charset="0"/>
+                <a:cs typeface="Courier New" panose="02070309020205020404" pitchFamily="49" charset="0"/>
+              </a:rPr>
+              <a:t>.</a:t>
+            </a:r>
+            <a:r>
+              <a:rPr lang="en-CA" b="1" dirty="0">
+                <a:solidFill>
+                  <a:srgbClr val="0070C0"/>
+                </a:solidFill>
+                <a:latin typeface="Courier New" panose="02070309020205020404" pitchFamily="49" charset="0"/>
+                <a:cs typeface="Courier New" panose="02070309020205020404" pitchFamily="49" charset="0"/>
+              </a:rPr>
+              <a:t> awk –F ”;” </a:t>
+            </a:r>
+            <a:r>
+              <a:rPr lang="en-CA" dirty="0"/>
+              <a:t>(would indicate a semi-colon delimited input file)</a:t>
+            </a:r>
+          </a:p>
+        </p:txBody>
+      </p:sp>
+      <p:pic>
+        <p:nvPicPr>
+          <p:cNvPr id="4" name="Picture 3" descr="A close up of a logo&#10;&#10;Description automatically generated">
+            <a:extLst>
+              <a:ext uri="{FF2B5EF4-FFF2-40B4-BE49-F238E27FC236}">
+                <a16:creationId xmlns:a16="http://schemas.microsoft.com/office/drawing/2014/main" id="{CD2D6365-D2FC-F642-8AD4-B1CE34C9CEB4}"/>
+              </a:ext>
+            </a:extLst>
+          </p:cNvPr>
+          <p:cNvPicPr>
+            <a:picLocks noChangeAspect="1"/>
+          </p:cNvPicPr>
+          <p:nvPr/>
+        </p:nvPicPr>
+        <p:blipFill>
+          <a:blip r:embed="rId2">
+            <a:extLst>
+              <a:ext uri="{837473B0-CC2E-450A-ABE3-18F120FF3D39}">
+                <a1611:picAttrSrcUrl xmlns:a1611="http://schemas.microsoft.com/office/drawing/2016/11/main" r:id="rId3"/>
+              </a:ext>
+            </a:extLst>
+          </a:blip>
+          <a:stretch>
+            <a:fillRect/>
+          </a:stretch>
+        </p:blipFill>
+        <p:spPr>
+          <a:xfrm>
+            <a:off x="10554014" y="1184924"/>
+            <a:ext cx="1252844" cy="1252844"/>
+          </a:xfrm>
+          <a:prstGeom prst="rect">
+            <a:avLst/>
+          </a:prstGeom>
+        </p:spPr>
+      </p:pic>
+    </p:spTree>
+    <p:extLst>
+      <p:ext uri="{BB962C8B-B14F-4D97-AF65-F5344CB8AC3E}">
+        <p14:creationId xmlns:p14="http://schemas.microsoft.com/office/powerpoint/2010/main" val="4182747496"/>
+      </p:ext>
+    </p:extLst>
+  </p:cSld>
+  <p:clrMapOvr>
+    <a:masterClrMapping/>
+  </p:clrMapOvr>
+  <p:timing>
+    <p:tnLst>
+      <p:par>
+        <p:cTn id="1" dur="indefinite" restart="never" nodeType="tmRoot">
+          <p:childTnLst>
+            <p:seq concurrent="1" nextAc="seek">
+              <p:cTn id="2" dur="indefinite" nodeType="mainSeq">
+                <p:childTnLst>
+                  <p:par>
+                    <p:cTn id="3" fill="hold">
+                      <p:stCondLst>
+                        <p:cond delay="indefinite"/>
+                        <p:cond evt="onBegin" delay="0">
+                          <p:tn val="2"/>
+                        </p:cond>
+                      </p:stCondLst>
+                      <p:childTnLst>
+                        <p:par>
+                          <p:cTn id="4" fill="hold">
+                            <p:stCondLst>
+                              <p:cond delay="0"/>
+                            </p:stCondLst>
+                            <p:childTnLst>
+                              <p:par>
+                                <p:cTn id="5" presetID="1" presetClass="entr" presetSubtype="0" fill="hold" grpId="0" nodeType="withEffect">
+                                  <p:stCondLst>
+                                    <p:cond delay="0"/>
+                                  </p:stCondLst>
+                                  <p:childTnLst>
+                                    <p:set>
+                                      <p:cBhvr>
+                                        <p:cTn id="6" dur="1" fill="hold">
+                                          <p:stCondLst>
+                                            <p:cond delay="0"/>
+                                          </p:stCondLst>
+                                        </p:cTn>
+                                        <p:tgtEl>
+                                          <p:spTgt spid="3">
+                                            <p:txEl>
+                                              <p:pRg st="0" end="0"/>
+                                            </p:txEl>
+                                          </p:spTgt>
+                                        </p:tgtEl>
+                                        <p:attrNameLst>
+                                          <p:attrName>style.visibility</p:attrName>
+                                        </p:attrNameLst>
+                                      </p:cBhvr>
+                                      <p:to>
+                                        <p:strVal val="visible"/>
+                                      </p:to>
+                                    </p:set>
+                                  </p:childTnLst>
+                                </p:cTn>
+                              </p:par>
+                              <p:par>
+                                <p:cTn id="7" presetID="1" presetClass="entr" presetSubtype="0" fill="hold" grpId="0" nodeType="withEffect">
+                                  <p:stCondLst>
+                                    <p:cond delay="0"/>
+                                  </p:stCondLst>
+                                  <p:childTnLst>
+                                    <p:set>
+                                      <p:cBhvr>
+                                        <p:cTn id="8" dur="1" fill="hold">
+                                          <p:stCondLst>
+                                            <p:cond delay="0"/>
+                                          </p:stCondLst>
+                                        </p:cTn>
+                                        <p:tgtEl>
+                                          <p:spTgt spid="3">
+                                            <p:txEl>
+                                              <p:pRg st="1" end="1"/>
+                                            </p:txEl>
+                                          </p:spTgt>
+                                        </p:tgtEl>
+                                        <p:attrNameLst>
+                                          <p:attrName>style.visibility</p:attrName>
+                                        </p:attrNameLst>
+                                      </p:cBhvr>
+                                      <p:to>
+                                        <p:strVal val="visible"/>
+                                      </p:to>
+                                    </p:set>
+                                  </p:childTnLst>
+                                </p:cTn>
+                              </p:par>
                             </p:childTnLst>
                           </p:cTn>
                         </p:par>
@@ -13934,19 +13758,50 @@
                     </p:cTn>
                   </p:par>
                   <p:par>
-                    <p:cTn id="11" fill="hold">
+                    <p:cTn id="9" fill="hold">
                       <p:stCondLst>
                         <p:cond delay="indefinite"/>
                       </p:stCondLst>
                       <p:childTnLst>
                         <p:par>
-                          <p:cTn id="12" fill="hold">
+                          <p:cTn id="10" fill="hold">
                             <p:stCondLst>
                               <p:cond delay="0"/>
                             </p:stCondLst>
                             <p:childTnLst>
                               <p:par>
-                                <p:cTn id="13" presetID="1" presetClass="entr" presetSubtype="0" fill="hold" grpId="0" nodeType="clickEffect">
+                                <p:cTn id="11" presetID="1" presetClass="entr" presetSubtype="0" fill="hold" grpId="0" nodeType="clickEffect">
+                                  <p:stCondLst>
+                                    <p:cond delay="0"/>
+                                  </p:stCondLst>
+                                  <p:childTnLst>
+                                    <p:set>
+                                      <p:cBhvr>
+                                        <p:cTn id="12" dur="1" fill="hold">
+                                          <p:stCondLst>
+                                            <p:cond delay="0"/>
+                                          </p:stCondLst>
+                                        </p:cTn>
+                                        <p:tgtEl>
+                                          <p:spTgt spid="3">
+                                            <p:txEl>
+                                              <p:pRg st="2" end="2"/>
+                                            </p:txEl>
+                                          </p:spTgt>
+                                        </p:tgtEl>
+                                        <p:attrNameLst>
+                                          <p:attrName>style.visibility</p:attrName>
+                                        </p:attrNameLst>
+                                      </p:cBhvr>
+                                      <p:to>
+                                        <p:strVal val="visible"/>
+                                      </p:to>
+                                    </p:set>
+                                  </p:childTnLst>
+                                </p:cTn>
+                              </p:par>
+                              <p:par>
+                                <p:cTn id="13" presetID="1" presetClass="entr" presetSubtype="0" fill="hold" grpId="0" nodeType="withEffect">
                                   <p:stCondLst>
                                     <p:cond delay="0"/>
                                   </p:stCondLst>
@@ -14080,6 +13935,86 @@
                       </p:childTnLst>
                     </p:cTn>
                   </p:par>
+                  <p:par>
+                    <p:cTn id="23" fill="hold">
+                      <p:stCondLst>
+                        <p:cond delay="indefinite"/>
+                      </p:stCondLst>
+                      <p:childTnLst>
+                        <p:par>
+                          <p:cTn id="24" fill="hold">
+                            <p:stCondLst>
+                              <p:cond delay="0"/>
+                            </p:stCondLst>
+                            <p:childTnLst>
+                              <p:par>
+                                <p:cTn id="25" presetID="1" presetClass="entr" presetSubtype="0" fill="hold" grpId="0" nodeType="clickEffect">
+                                  <p:stCondLst>
+                                    <p:cond delay="0"/>
+                                  </p:stCondLst>
+                                  <p:childTnLst>
+                                    <p:set>
+                                      <p:cBhvr>
+                                        <p:cTn id="26" dur="1" fill="hold">
+                                          <p:stCondLst>
+                                            <p:cond delay="0"/>
+                                          </p:stCondLst>
+                                        </p:cTn>
+                                        <p:tgtEl>
+                                          <p:spTgt spid="3">
+                                            <p:txEl>
+                                              <p:pRg st="6" end="6"/>
+                                            </p:txEl>
+                                          </p:spTgt>
+                                        </p:tgtEl>
+                                        <p:attrNameLst>
+                                          <p:attrName>style.visibility</p:attrName>
+                                        </p:attrNameLst>
+                                      </p:cBhvr>
+                                      <p:to>
+                                        <p:strVal val="visible"/>
+                                      </p:to>
+                                    </p:set>
+                                  </p:childTnLst>
+                                </p:cTn>
+                              </p:par>
+                              <p:par>
+                                <p:cTn id="27" presetID="1" presetClass="entr" presetSubtype="0" fill="hold" grpId="0" nodeType="withEffect">
+                                  <p:stCondLst>
+                                    <p:cond delay="0"/>
+                                  </p:stCondLst>
+                                  <p:childTnLst>
+                                    <p:set>
+                                      <p:cBhvr>
+                                        <p:cTn id="28" dur="1" fill="hold">
+                                          <p:stCondLst>
+                                            <p:cond delay="0"/>
+                                          </p:stCondLst>
+                                        </p:cTn>
+                                        <p:tgtEl>
+                                          <p:spTgt spid="3">
+                                            <p:txEl>
+                                              <p:pRg st="7" end="7"/>
+                                            </p:txEl>
+                                          </p:spTgt>
+                                        </p:tgtEl>
+                                        <p:attrNameLst>
+                                          <p:attrName>style.visibility</p:attrName>
+                                        </p:attrNameLst>
+                                      </p:cBhvr>
+                                      <p:to>
+                                        <p:strVal val="visible"/>
+                                      </p:to>
+                                    </p:set>
+                                  </p:childTnLst>
+                                </p:cTn>
+                              </p:par>
+                            </p:childTnLst>
+                          </p:cTn>
+                        </p:par>
+                      </p:childTnLst>
+                    </p:cTn>
+                  </p:par>
                 </p:childTnLst>
               </p:cTn>
               <p:prevCondLst>
@@ -14179,12 +14114,12 @@
         <p:spPr>
           <a:xfrm>
             <a:off x="1451577" y="1706813"/>
-            <a:ext cx="7235223" cy="4755771"/>
+            <a:ext cx="8350433" cy="4755771"/>
           </a:xfrm>
         </p:spPr>
         <p:txBody>
           <a:bodyPr>
-            <a:normAutofit fontScale="70000" lnSpcReduction="20000"/>
+            <a:normAutofit/>
           </a:bodyPr>
           <a:lstStyle/>
           <a:p>
@@ -14195,20 +14130,11 @@
               <a:rPr lang="en-CA" sz="2400" b="1" dirty="0"/>
               <a:t>Usage</a:t>
             </a:r>
-            <a:r>
-              <a:rPr lang="en-CA" dirty="0"/>
-              <a:t/>
-            </a:r>
-            <a:br>
-              <a:rPr lang="en-CA" dirty="0"/>
-            </a:br>
-            <a:r>
-              <a:rPr lang="en-CA" dirty="0"/>
-              <a:t/>
-            </a:r>
-            <a:br>
-              <a:rPr lang="en-CA" dirty="0"/>
-            </a:br>
+          </a:p>
+          <a:p>
+            <a:pPr marL="457200" lvl="1" indent="0">
+              <a:buNone/>
+            </a:pPr>
             <a:r>
               <a:rPr lang="en-CA" b="1" dirty="0">
                 <a:solidFill>
@@ -14219,14 +14145,6 @@
               </a:rPr>
               <a:t>awk [-F] 'selection _criteria {action}’ file-name </a:t>
             </a:r>
-            <a:r>
-              <a:rPr lang="en-CA" dirty="0"/>
-              <a:t/>
-            </a:r>
-            <a:br>
-              <a:rPr lang="en-CA" dirty="0"/>
-            </a:br>
-            <a:endParaRPr lang="en-CA" dirty="0"/>
           </a:p>
           <a:p>
             <a:pPr marL="0" indent="0">
@@ -14240,18 +14158,11 @@
           <a:p>
             <a:r>
               <a:rPr lang="en-CA" dirty="0"/>
-              <a:t>You can use a regular expression, enclosed within slashes, as a pattern. </a:t>
-            </a:r>
-            <a:br>
-              <a:rPr lang="en-CA" dirty="0"/>
-            </a:br>
-            <a:r>
-              <a:rPr lang="en-CA" dirty="0"/>
-              <a:t/>
-            </a:r>
-            <a:br>
-              <a:rPr lang="en-CA" dirty="0"/>
-            </a:br>
+              <a:t>You can use a regular expression, enclosed within slashes, as a pattern.</a:t>
+            </a:r>
+          </a:p>
+          <a:p>
+            <a:pPr lvl="1"/>
             <a:r>
               <a:rPr lang="en-CA" dirty="0"/>
               <a:t>For example: </a:t>
@@ -14266,13 +14177,6 @@
               </a:rPr>
               <a:t>/pattern/</a:t>
             </a:r>
-            <a:r>
-              <a:rPr lang="en-CA" dirty="0"/>
-              <a:t/>
-            </a:r>
-            <a:br>
-              <a:rPr lang="en-CA" dirty="0"/>
-            </a:br>
             <a:endParaRPr lang="en-CA" dirty="0"/>
           </a:p>
           <a:p>
@@ -14292,28 +14196,14 @@
             </a:r>
             <a:r>
               <a:rPr lang="en-CA" dirty="0"/>
-              <a:t> operator tests whether a field or variable matches a </a:t>
-            </a:r>
-            <a:br>
+              <a:t> operator tests whether a field or variable matches a regular expression.</a:t>
+            </a:r>
+          </a:p>
+          <a:p>
+            <a:pPr lvl="1"/>
+            <a:r>
               <a:rPr lang="en-CA" dirty="0"/>
-            </a:br>
-            <a:r>
-              <a:rPr lang="en-CA" dirty="0"/>
-              <a:t>regular expression.</a:t>
-            </a:r>
-            <a:br>
-              <a:rPr lang="en-CA" dirty="0"/>
-            </a:br>
-            <a:r>
-              <a:rPr lang="en-CA" dirty="0"/>
-              <a:t/>
-            </a:r>
-            <a:br>
-              <a:rPr lang="en-CA" dirty="0"/>
-            </a:br>
-            <a:r>
-              <a:rPr lang="en-CA" dirty="0"/>
-              <a:t>For example:   </a:t>
+              <a:t>For example:  </a:t>
             </a:r>
             <a:r>
               <a:rPr lang="en-CA" b="1" dirty="0">
@@ -14325,7 +14215,13 @@
               </a:rPr>
               <a:t>$1 ~ /^[0-9]/</a:t>
             </a:r>
-            <a:br>
+          </a:p>
+          <a:p>
+            <a:r>
+              <a:rPr lang="en-CA" dirty="0"/>
+              <a:t>The </a:t>
+            </a:r>
+            <a:r>
               <a:rPr lang="en-CA" b="1" dirty="0">
                 <a:solidFill>
                   <a:srgbClr val="0070C0"/>
@@ -14333,44 +14229,15 @@
                 <a:latin typeface="Courier New" panose="02070309020205020404" pitchFamily="49" charset="0"/>
                 <a:cs typeface="Courier New" panose="02070309020205020404" pitchFamily="49" charset="0"/>
               </a:rPr>
-            </a:br>
-            <a:endParaRPr lang="en-CA" b="1" dirty="0">
-              <a:solidFill>
-                <a:srgbClr val="0070C0"/>
-              </a:solidFill>
-              <a:latin typeface="Courier New" panose="02070309020205020404" pitchFamily="49" charset="0"/>
-              <a:cs typeface="Courier New" panose="02070309020205020404" pitchFamily="49" charset="0"/>
-            </a:endParaRPr>
-          </a:p>
-          <a:p>
-            <a:r>
-              <a:rPr lang="en-CA" dirty="0"/>
-              <a:t>The </a:t>
-            </a:r>
-            <a:r>
-              <a:rPr lang="en-CA" b="1" dirty="0">
-                <a:solidFill>
-                  <a:srgbClr val="0070C0"/>
-                </a:solidFill>
-                <a:latin typeface="Courier New" panose="02070309020205020404" pitchFamily="49" charset="0"/>
-                <a:cs typeface="Courier New" panose="02070309020205020404" pitchFamily="49" charset="0"/>
-              </a:rPr>
               <a:t>!~</a:t>
             </a:r>
             <a:r>
               <a:rPr lang="en-CA" dirty="0"/>
               <a:t> operator tests for no match.</a:t>
             </a:r>
-            <a:br>
-              <a:rPr lang="en-CA" dirty="0"/>
-            </a:br>
-            <a:r>
-              <a:rPr lang="en-CA" dirty="0"/>
-              <a:t/>
-            </a:r>
-            <a:br>
-              <a:rPr lang="en-CA" dirty="0"/>
-            </a:br>
+          </a:p>
+          <a:p>
+            <a:pPr lvl="1"/>
             <a:r>
               <a:rPr lang="en-CA" dirty="0"/>
               <a:t>For example: </a:t>
@@ -14407,7 +14274,7 @@
           <a:blip r:embed="rId2">
             <a:extLst>
               <a:ext uri="{837473B0-CC2E-450A-ABE3-18F120FF3D39}">
-                <a1611:picAttrSrcUrl xmlns="" xmlns:a1611="http://schemas.microsoft.com/office/drawing/2016/11/main" r:id="rId3"/>
+                <a1611:picAttrSrcUrl xmlns:a1611="http://schemas.microsoft.com/office/drawing/2016/11/main" r:id="rId3"/>
               </a:ext>
             </a:extLst>
           </a:blip>
@@ -14520,15 +14387,33 @@
                                   </p:childTnLst>
                                 </p:cTn>
                               </p:par>
+                            </p:childTnLst>
+                          </p:cTn>
+                        </p:par>
+                      </p:childTnLst>
+                    </p:cTn>
+                  </p:par>
+                  <p:par>
+                    <p:cTn id="9" fill="hold">
+                      <p:stCondLst>
+                        <p:cond delay="indefinite"/>
+                      </p:stCondLst>
+                      <p:childTnLst>
+                        <p:par>
+                          <p:cTn id="10" fill="hold">
+                            <p:stCondLst>
+                              <p:cond delay="0"/>
+                            </p:stCondLst>
+                            <p:childTnLst>
                               <p:par>
-                                <p:cTn id="9" presetID="1" presetClass="entr" presetSubtype="0" fill="hold" grpId="0" nodeType="withEffect">
+                                <p:cTn id="11" presetID="1" presetClass="entr" presetSubtype="0" fill="hold" grpId="0" nodeType="clickEffect">
                                   <p:stCondLst>
                                     <p:cond delay="0"/>
                                   </p:stCondLst>
                                   <p:childTnLst>
                                     <p:set>
                                       <p:cBhvr>
-                                        <p:cTn id="10" dur="1" fill="hold">
+                                        <p:cTn id="12" dur="1" fill="hold">
                                           <p:stCondLst>
                                             <p:cond delay="0"/>
                                           </p:stCondLst>
@@ -14558,26 +14443,26 @@
                     </p:cTn>
                   </p:par>
                   <p:par>
-                    <p:cTn id="11" fill="hold">
+                    <p:cTn id="13" fill="hold">
                       <p:stCondLst>
                         <p:cond delay="indefinite"/>
                       </p:stCondLst>
                       <p:childTnLst>
                         <p:par>
-                          <p:cTn id="12" fill="hold">
+                          <p:cTn id="14" fill="hold">
                             <p:stCondLst>
                               <p:cond delay="0"/>
                             </p:stCondLst>
                             <p:childTnLst>
                               <p:par>
-                                <p:cTn id="13" presetID="1" presetClass="entr" presetSubtype="0" fill="hold" grpId="0" nodeType="clickEffect">
+                                <p:cTn id="15" presetID="1" presetClass="entr" presetSubtype="0" fill="hold" grpId="0" nodeType="clickEffect">
                                   <p:stCondLst>
                                     <p:cond delay="0"/>
                                   </p:stCondLst>
                                   <p:childTnLst>
                                     <p:set>
                                       <p:cBhvr>
-                                        <p:cTn id="14" dur="1" fill="hold">
+                                        <p:cTn id="16" dur="1" fill="hold">
                                           <p:stCondLst>
                                             <p:cond delay="0"/>
                                           </p:stCondLst>
@@ -14600,26 +14485,8 @@
                                   </p:childTnLst>
                                 </p:cTn>
                               </p:par>
-                            </p:childTnLst>
-                          </p:cTn>
-                        </p:par>
-                      </p:childTnLst>
-                    </p:cTn>
-                  </p:par>
-                  <p:par>
-                    <p:cTn id="15" fill="hold">
-                      <p:stCondLst>
-                        <p:cond delay="indefinite"/>
-                      </p:stCondLst>
-                      <p:childTnLst>
-                        <p:par>
-                          <p:cTn id="16" fill="hold">
-                            <p:stCondLst>
-                              <p:cond delay="0"/>
-                            </p:stCondLst>
-                            <p:childTnLst>
                               <p:par>
-                                <p:cTn id="17" presetID="1" presetClass="entr" presetSubtype="0" fill="hold" grpId="0" nodeType="clickEffect">
+                                <p:cTn id="17" presetID="1" presetClass="entr" presetSubtype="0" fill="hold" grpId="0" nodeType="withEffect">
                                   <p:stCondLst>
                                     <p:cond delay="0"/>
                                   </p:stCondLst>
@@ -14635,6 +14502,166 @@
                                           <p:spTgt spid="3">
                                             <p:txEl>
                                               <p:pRg st="4" end="4"/>
+                                            </p:txEl>
+                                          </p:spTgt>
+                                        </p:tgtEl>
+                                        <p:attrNameLst>
+                                          <p:attrName>style.visibility</p:attrName>
+                                        </p:attrNameLst>
+                                      </p:cBhvr>
+                                      <p:to>
+                                        <p:strVal val="visible"/>
+                                      </p:to>
+                                    </p:set>
+                                  </p:childTnLst>
+                                </p:cTn>
+                              </p:par>
+                            </p:childTnLst>
+                          </p:cTn>
+                        </p:par>
+                      </p:childTnLst>
+                    </p:cTn>
+                  </p:par>
+                  <p:par>
+                    <p:cTn id="19" fill="hold">
+                      <p:stCondLst>
+                        <p:cond delay="indefinite"/>
+                      </p:stCondLst>
+                      <p:childTnLst>
+                        <p:par>
+                          <p:cTn id="20" fill="hold">
+                            <p:stCondLst>
+                              <p:cond delay="0"/>
+                            </p:stCondLst>
+                            <p:childTnLst>
+                              <p:par>
+                                <p:cTn id="21" presetID="1" presetClass="entr" presetSubtype="0" fill="hold" grpId="0" nodeType="clickEffect">
+                                  <p:stCondLst>
+                                    <p:cond delay="0"/>
+                                  </p:stCondLst>
+                                  <p:childTnLst>
+                                    <p:set>
+                                      <p:cBhvr>
+                                        <p:cTn id="22" dur="1" fill="hold">
+                                          <p:stCondLst>
+                                            <p:cond delay="0"/>
+                                          </p:stCondLst>
+                                        </p:cTn>
+                                        <p:tgtEl>
+                                          <p:spTgt spid="3">
+                                            <p:txEl>
+                                              <p:pRg st="5" end="5"/>
+                                            </p:txEl>
+                                          </p:spTgt>
+                                        </p:tgtEl>
+                                        <p:attrNameLst>
+                                          <p:attrName>style.visibility</p:attrName>
+                                        </p:attrNameLst>
+                                      </p:cBhvr>
+                                      <p:to>
+                                        <p:strVal val="visible"/>
+                                      </p:to>
+                                    </p:set>
+                                  </p:childTnLst>
+                                </p:cTn>
+                              </p:par>
+                              <p:par>
+                                <p:cTn id="23" presetID="1" presetClass="entr" presetSubtype="0" fill="hold" grpId="0" nodeType="withEffect">
+                                  <p:stCondLst>
+                                    <p:cond delay="0"/>
+                                  </p:stCondLst>
+                                  <p:childTnLst>
+                                    <p:set>
+                                      <p:cBhvr>
+                                        <p:cTn id="24" dur="1" fill="hold">
+                                          <p:stCondLst>
+                                            <p:cond delay="0"/>
+                                          </p:stCondLst>
+                                        </p:cTn>
+                                        <p:tgtEl>
+                                          <p:spTgt spid="3">
+                                            <p:txEl>
+                                              <p:pRg st="6" end="6"/>
+                                            </p:txEl>
+                                          </p:spTgt>
+                                        </p:tgtEl>
+                                        <p:attrNameLst>
+                                          <p:attrName>style.visibility</p:attrName>
+                                        </p:attrNameLst>
+                                      </p:cBhvr>
+                                      <p:to>
+                                        <p:strVal val="visible"/>
+                                      </p:to>
+                                    </p:set>
+                                  </p:childTnLst>
+                                </p:cTn>
+                              </p:par>
+                            </p:childTnLst>
+                          </p:cTn>
+                        </p:par>
+                      </p:childTnLst>
+                    </p:cTn>
+                  </p:par>
+                  <p:par>
+                    <p:cTn id="25" fill="hold">
+                      <p:stCondLst>
+                        <p:cond delay="indefinite"/>
+                      </p:stCondLst>
+                      <p:childTnLst>
+                        <p:par>
+                          <p:cTn id="26" fill="hold">
+                            <p:stCondLst>
+                              <p:cond delay="0"/>
+                            </p:stCondLst>
+                            <p:childTnLst>
+                              <p:par>
+                                <p:cTn id="27" presetID="1" presetClass="entr" presetSubtype="0" fill="hold" grpId="0" nodeType="clickEffect">
+                                  <p:stCondLst>
+                                    <p:cond delay="0"/>
+                                  </p:stCondLst>
+                                  <p:childTnLst>
+                                    <p:set>
+                                      <p:cBhvr>
+                                        <p:cTn id="28" dur="1" fill="hold">
+                                          <p:stCondLst>
+                                            <p:cond delay="0"/>
+                                          </p:stCondLst>
+                                        </p:cTn>
+                                        <p:tgtEl>
+                                          <p:spTgt spid="3">
+                                            <p:txEl>
+                                              <p:pRg st="7" end="7"/>
+                                            </p:txEl>
+                                          </p:spTgt>
+                                        </p:tgtEl>
+                                        <p:attrNameLst>
+                                          <p:attrName>style.visibility</p:attrName>
+                                        </p:attrNameLst>
+                                      </p:cBhvr>
+                                      <p:to>
+                                        <p:strVal val="visible"/>
+                                      </p:to>
+                                    </p:set>
+                                  </p:childTnLst>
+                                </p:cTn>
+                              </p:par>
+                              <p:par>
+                                <p:cTn id="29" presetID="1" presetClass="entr" presetSubtype="0" fill="hold" grpId="0" nodeType="withEffect">
+                                  <p:stCondLst>
+                                    <p:cond delay="0"/>
+                                  </p:stCondLst>
+                                  <p:childTnLst>
+                                    <p:set>
+                                      <p:cBhvr>
+                                        <p:cTn id="30" dur="1" fill="hold">
+                                          <p:stCondLst>
+                                            <p:cond delay="0"/>
+                                          </p:stCondLst>
+                                        </p:cTn>
+                                        <p:tgtEl>
+                                          <p:spTgt spid="3">
+                                            <p:txEl>
+                                              <p:pRg st="8" end="8"/>
                                             </p:txEl>
                                           </p:spTgt>
                                         </p:tgtEl>
@@ -14754,12 +14781,12 @@
         <p:spPr>
           <a:xfrm>
             <a:off x="1451577" y="1706813"/>
-            <a:ext cx="7235223" cy="4755771"/>
+            <a:ext cx="8228451" cy="4755771"/>
           </a:xfrm>
         </p:spPr>
         <p:txBody>
           <a:bodyPr>
-            <a:normAutofit fontScale="70000" lnSpcReduction="20000"/>
+            <a:normAutofit/>
           </a:bodyPr>
           <a:lstStyle/>
           <a:p>
@@ -14770,20 +14797,11 @@
               <a:rPr lang="en-CA" sz="2400" b="1" dirty="0"/>
               <a:t>Usage</a:t>
             </a:r>
-            <a:r>
-              <a:rPr lang="en-CA" dirty="0"/>
-              <a:t/>
-            </a:r>
-            <a:br>
-              <a:rPr lang="en-CA" dirty="0"/>
-            </a:br>
-            <a:r>
-              <a:rPr lang="en-CA" dirty="0"/>
-              <a:t/>
-            </a:r>
-            <a:br>
-              <a:rPr lang="en-CA" dirty="0"/>
-            </a:br>
+          </a:p>
+          <a:p>
+            <a:pPr marL="457200" lvl="1" indent="0">
+              <a:buNone/>
+            </a:pPr>
             <a:r>
               <a:rPr lang="en-CA" b="1" dirty="0">
                 <a:solidFill>
@@ -14792,16 +14810,8 @@
                 <a:latin typeface="Courier New" panose="02070309020205020404" pitchFamily="49" charset="0"/>
                 <a:cs typeface="Courier New" panose="02070309020205020404" pitchFamily="49" charset="0"/>
               </a:rPr>
-              <a:t>awk [-F] 'selection _criteria {action}’ file-name </a:t>
-            </a:r>
-            <a:r>
-              <a:rPr lang="en-CA" dirty="0"/>
-              <a:t/>
-            </a:r>
-            <a:br>
-              <a:rPr lang="en-CA" dirty="0"/>
-            </a:br>
-            <a:endParaRPr lang="en-CA" dirty="0"/>
+              <a:t>awk [-F] 'selection _criteria {action}’ file-name</a:t>
+            </a:r>
           </a:p>
           <a:p>
             <a:pPr marL="0" indent="0">
@@ -14815,14 +14825,7 @@
           <a:p>
             <a:r>
               <a:rPr lang="en-CA" dirty="0"/>
-              <a:t>You can perform both numeric and string comparisons using </a:t>
-            </a:r>
-            <a:br>
-              <a:rPr lang="en-CA" dirty="0"/>
-            </a:br>
-            <a:r>
-              <a:rPr lang="en-CA" dirty="0"/>
-              <a:t>relational operators ( </a:t>
+              <a:t>You can perform both numeric and string comparisons using relational operators:  </a:t>
             </a:r>
             <a:r>
               <a:rPr lang="en-CA" b="1" dirty="0">
@@ -14923,22 +14926,12 @@
               </a:rPr>
               <a:t>!=</a:t>
             </a:r>
-            <a:r>
-              <a:rPr lang="en-CA" b="1" dirty="0">
-                <a:latin typeface="Courier New" panose="02070309020205020404" pitchFamily="49" charset="0"/>
-                <a:cs typeface="Courier New" panose="02070309020205020404" pitchFamily="49" charset="0"/>
-              </a:rPr>
-              <a:t> </a:t>
-            </a:r>
+            <a:endParaRPr lang="en-CA" dirty="0"/>
+          </a:p>
+          <a:p>
             <a:r>
               <a:rPr lang="en-CA" dirty="0"/>
-              <a:t>).</a:t>
-            </a:r>
-          </a:p>
-          <a:p>
-            <a:r>
-              <a:rPr lang="en-CA" dirty="0"/>
-              <a:t>You can combine any of the patterns using the Boolean operators </a:t>
+              <a:t>You can combine any of the patterns using the Boolean operators: </a:t>
             </a:r>
             <a:br>
               <a:rPr lang="en-CA" dirty="0"/>
@@ -14997,25 +14990,11 @@
             </a:r>
             <a:r>
               <a:rPr lang="en-CA" dirty="0"/>
-              <a:t> or "record number" </a:t>
-            </a:r>
-            <a:br>
-              <a:rPr lang="en-CA" dirty="0"/>
-            </a:br>
-            <a:r>
-              <a:rPr lang="en-CA" dirty="0"/>
-              <a:t>representing line number) with comparison operators.</a:t>
-            </a:r>
-            <a:br>
-              <a:rPr lang="en-CA" dirty="0"/>
-            </a:br>
-            <a:r>
-              <a:rPr lang="en-CA" dirty="0"/>
-              <a:t/>
-            </a:r>
-            <a:br>
-              <a:rPr lang="en-CA" dirty="0"/>
-            </a:br>
+              <a:t> or "record number" representing line number) with comparison operators.</a:t>
+            </a:r>
+          </a:p>
+          <a:p>
+            <a:pPr lvl="1"/>
             <a:r>
               <a:rPr lang="en-CA" dirty="0"/>
               <a:t>For example: </a:t>
@@ -15030,39 +15009,6 @@
               </a:rPr>
               <a:t>NR &gt;=1 &amp;&amp; NR &lt;= 5 </a:t>
             </a:r>
-            <a:br>
-              <a:rPr lang="en-CA" b="1" dirty="0">
-                <a:solidFill>
-                  <a:srgbClr val="0070C0"/>
-                </a:solidFill>
-                <a:latin typeface="Courier New" panose="02070309020205020404" pitchFamily="49" charset="0"/>
-                <a:cs typeface="Courier New" panose="02070309020205020404" pitchFamily="49" charset="0"/>
-              </a:rPr>
-            </a:br>
-            <a:r>
-              <a:rPr lang="en-CA" dirty="0"/>
-              <a:t/>
-            </a:r>
-            <a:br>
-              <a:rPr lang="en-CA" dirty="0"/>
-            </a:br>
-            <a:r>
-              <a:rPr lang="en-CA" dirty="0"/>
-              <a:t/>
-            </a:r>
-            <a:br>
-              <a:rPr lang="en-CA" dirty="0"/>
-            </a:br>
-            <a:r>
-              <a:rPr lang="en-CA" dirty="0"/>
-              <a:t/>
-            </a:r>
-            <a:br>
-              <a:rPr lang="en-CA" dirty="0"/>
-            </a:br>
-            <a:endParaRPr lang="en-CA" dirty="0"/>
-          </a:p>
-          <a:p>
             <a:endParaRPr lang="en-CA" dirty="0"/>
           </a:p>
         </p:txBody>
@@ -15085,7 +15031,7 @@
           <a:blip r:embed="rId2">
             <a:extLst>
               <a:ext uri="{837473B0-CC2E-450A-ABE3-18F120FF3D39}">
-                <a1611:picAttrSrcUrl xmlns="" xmlns:a1611="http://schemas.microsoft.com/office/drawing/2016/11/main" r:id="rId3"/>
+                <a1611:picAttrSrcUrl xmlns:a1611="http://schemas.microsoft.com/office/drawing/2016/11/main" r:id="rId3"/>
               </a:ext>
             </a:extLst>
           </a:blip>
@@ -15198,15 +15144,33 @@
                                   </p:childTnLst>
                                 </p:cTn>
                               </p:par>
+                            </p:childTnLst>
+                          </p:cTn>
+                        </p:par>
+                      </p:childTnLst>
+                    </p:cTn>
+                  </p:par>
+                  <p:par>
+                    <p:cTn id="9" fill="hold">
+                      <p:stCondLst>
+                        <p:cond delay="indefinite"/>
+                      </p:stCondLst>
+                      <p:childTnLst>
+                        <p:par>
+                          <p:cTn id="10" fill="hold">
+                            <p:stCondLst>
+                              <p:cond delay="0"/>
+                            </p:stCondLst>
+                            <p:childTnLst>
                               <p:par>
-                                <p:cTn id="9" presetID="1" presetClass="entr" presetSubtype="0" fill="hold" grpId="0" nodeType="withEffect">
+                                <p:cTn id="11" presetID="1" presetClass="entr" presetSubtype="0" fill="hold" grpId="0" nodeType="clickEffect">
                                   <p:stCondLst>
                                     <p:cond delay="0"/>
                                   </p:stCondLst>
                                   <p:childTnLst>
                                     <p:set>
                                       <p:cBhvr>
-                                        <p:cTn id="10" dur="1" fill="hold">
+                                        <p:cTn id="12" dur="1" fill="hold">
                                           <p:stCondLst>
                                             <p:cond delay="0"/>
                                           </p:stCondLst>
@@ -15229,26 +15193,8 @@
                                   </p:childTnLst>
                                 </p:cTn>
                               </p:par>
-                            </p:childTnLst>
-                          </p:cTn>
-                        </p:par>
-                      </p:childTnLst>
-                    </p:cTn>
-                  </p:par>
-                  <p:par>
-                    <p:cTn id="11" fill="hold">
-                      <p:stCondLst>
-                        <p:cond delay="indefinite"/>
-                      </p:stCondLst>
-                      <p:childTnLst>
-                        <p:par>
-                          <p:cTn id="12" fill="hold">
-                            <p:stCondLst>
-                              <p:cond delay="0"/>
-                            </p:stCondLst>
-                            <p:childTnLst>
                               <p:par>
-                                <p:cTn id="13" presetID="1" presetClass="entr" presetSubtype="0" fill="hold" grpId="0" nodeType="clickEffect">
+                                <p:cTn id="13" presetID="1" presetClass="entr" presetSubtype="0" fill="hold" grpId="0" nodeType="withEffect">
                                   <p:stCondLst>
                                     <p:cond delay="0"/>
                                   </p:stCondLst>
@@ -15313,6 +15259,86 @@
                                           <p:spTgt spid="3">
                                             <p:txEl>
                                               <p:pRg st="4" end="4"/>
+                                            </p:txEl>
+                                          </p:spTgt>
+                                        </p:tgtEl>
+                                        <p:attrNameLst>
+                                          <p:attrName>style.visibility</p:attrName>
+                                        </p:attrNameLst>
+                                      </p:cBhvr>
+                                      <p:to>
+                                        <p:strVal val="visible"/>
+                                      </p:to>
+                                    </p:set>
+                                  </p:childTnLst>
+                                </p:cTn>
+                              </p:par>
+                            </p:childTnLst>
+                          </p:cTn>
+                        </p:par>
+                      </p:childTnLst>
+                    </p:cTn>
+                  </p:par>
+                  <p:par>
+                    <p:cTn id="19" fill="hold">
+                      <p:stCondLst>
+                        <p:cond delay="indefinite"/>
+                      </p:stCondLst>
+                      <p:childTnLst>
+                        <p:par>
+                          <p:cTn id="20" fill="hold">
+                            <p:stCondLst>
+                              <p:cond delay="0"/>
+                            </p:stCondLst>
+                            <p:childTnLst>
+                              <p:par>
+                                <p:cTn id="21" presetID="1" presetClass="entr" presetSubtype="0" fill="hold" grpId="0" nodeType="clickEffect">
+                                  <p:stCondLst>
+                                    <p:cond delay="0"/>
+                                  </p:stCondLst>
+                                  <p:childTnLst>
+                                    <p:set>
+                                      <p:cBhvr>
+                                        <p:cTn id="22" dur="1" fill="hold">
+                                          <p:stCondLst>
+                                            <p:cond delay="0"/>
+                                          </p:stCondLst>
+                                        </p:cTn>
+                                        <p:tgtEl>
+                                          <p:spTgt spid="3">
+                                            <p:txEl>
+                                              <p:pRg st="5" end="5"/>
+                                            </p:txEl>
+                                          </p:spTgt>
+                                        </p:tgtEl>
+                                        <p:attrNameLst>
+                                          <p:attrName>style.visibility</p:attrName>
+                                        </p:attrNameLst>
+                                      </p:cBhvr>
+                                      <p:to>
+                                        <p:strVal val="visible"/>
+                                      </p:to>
+                                    </p:set>
+                                  </p:childTnLst>
+                                </p:cTn>
+                              </p:par>
+                              <p:par>
+                                <p:cTn id="23" presetID="1" presetClass="entr" presetSubtype="0" fill="hold" grpId="0" nodeType="withEffect">
+                                  <p:stCondLst>
+                                    <p:cond delay="0"/>
+                                  </p:stCondLst>
+                                  <p:childTnLst>
+                                    <p:set>
+                                      <p:cBhvr>
+                                        <p:cTn id="24" dur="1" fill="hold">
+                                          <p:stCondLst>
+                                            <p:cond delay="0"/>
+                                          </p:stCondLst>
+                                        </p:cTn>
+                                        <p:tgtEl>
+                                          <p:spTgt spid="3">
+                                            <p:txEl>
+                                              <p:pRg st="6" end="6"/>
                                             </p:txEl>
                                           </p:spTgt>
                                         </p:tgtEl>
@@ -15432,12 +15458,12 @@
         <p:spPr>
           <a:xfrm>
             <a:off x="1451577" y="1706813"/>
-            <a:ext cx="7235223" cy="4755771"/>
+            <a:ext cx="8350433" cy="4755771"/>
           </a:xfrm>
         </p:spPr>
         <p:txBody>
           <a:bodyPr>
-            <a:normAutofit fontScale="70000" lnSpcReduction="20000"/>
+            <a:normAutofit/>
           </a:bodyPr>
           <a:lstStyle/>
           <a:p>
@@ -15448,20 +15474,11 @@
               <a:rPr lang="en-CA" sz="2400" b="1" dirty="0"/>
               <a:t>Usage</a:t>
             </a:r>
-            <a:r>
-              <a:rPr lang="en-CA" dirty="0"/>
-              <a:t/>
-            </a:r>
-            <a:br>
-              <a:rPr lang="en-CA" dirty="0"/>
-            </a:br>
-            <a:r>
-              <a:rPr lang="en-CA" dirty="0"/>
-              <a:t/>
-            </a:r>
-            <a:br>
-              <a:rPr lang="en-CA" dirty="0"/>
-            </a:br>
+          </a:p>
+          <a:p>
+            <a:pPr marL="0" indent="0">
+              <a:buNone/>
+            </a:pPr>
             <a:r>
               <a:rPr lang="en-CA" b="1" dirty="0">
                 <a:solidFill>
@@ -15472,14 +15489,6 @@
               </a:rPr>
               <a:t>awk [-F] 'selection _criteria {action}’ file-name </a:t>
             </a:r>
-            <a:r>
-              <a:rPr lang="en-CA" dirty="0"/>
-              <a:t/>
-            </a:r>
-            <a:br>
-              <a:rPr lang="en-CA" dirty="0"/>
-            </a:br>
-            <a:endParaRPr lang="en-CA" dirty="0"/>
           </a:p>
           <a:p>
             <a:pPr marL="0" indent="0">
@@ -15564,16 +15573,13 @@
               <a:rPr lang="en-CA" dirty="0"/>
               <a:t>, </a:t>
             </a:r>
-            <a:br>
-              <a:rPr lang="en-CA" dirty="0"/>
-            </a:br>
             <a:r>
               <a:rPr lang="en-CA" b="1" dirty="0"/>
               <a:t>second field</a:t>
             </a:r>
             <a:r>
               <a:rPr lang="en-CA" dirty="0"/>
-              <a:t>, etc. The parameter </a:t>
+              <a:t>, etc.  The parameter </a:t>
             </a:r>
             <a:r>
               <a:rPr lang="en-CA" b="1" dirty="0">
@@ -15587,14 +15593,7 @@
             </a:r>
             <a:r>
               <a:rPr lang="en-CA" dirty="0"/>
-              <a:t> represents all fields </a:t>
-            </a:r>
-            <a:br>
-              <a:rPr lang="en-CA" dirty="0"/>
-            </a:br>
-            <a:r>
-              <a:rPr lang="en-CA" dirty="0"/>
-              <a:t>within a </a:t>
+              <a:t> represents all fields within a </a:t>
             </a:r>
             <a:r>
               <a:rPr lang="en-CA" b="1" dirty="0"/>
@@ -15630,25 +15629,11 @@
             </a:r>
             <a:r>
               <a:rPr lang="en-CA" dirty="0"/>
-              <a:t> or "record number" </a:t>
-            </a:r>
-            <a:br>
-              <a:rPr lang="en-CA" dirty="0"/>
-            </a:br>
-            <a:r>
-              <a:rPr lang="en-CA" dirty="0"/>
-              <a:t>representing line number</a:t>
-            </a:r>
-            <a:br>
-              <a:rPr lang="en-CA" dirty="0"/>
-            </a:br>
-            <a:r>
-              <a:rPr lang="en-CA" dirty="0"/>
-              <a:t/>
-            </a:r>
-            <a:br>
-              <a:rPr lang="en-CA" dirty="0"/>
-            </a:br>
+              <a:t> or "record number" representing line number.</a:t>
+            </a:r>
+          </a:p>
+          <a:p>
+            <a:pPr lvl="1"/>
             <a:r>
               <a:rPr lang="en-CA" dirty="0" err="1"/>
               <a:t>eg.</a:t>
@@ -15668,36 +15653,9 @@
               <a:t>{print NR,$0}   </a:t>
             </a:r>
             <a:r>
-              <a:rPr lang="en-CA" sz="2100" dirty="0"/>
+              <a:rPr lang="en-CA" sz="1900" dirty="0"/>
               <a:t>(will print record number, then entire record)</a:t>
             </a:r>
-            <a:br>
-              <a:rPr lang="en-CA" sz="2100" dirty="0"/>
-            </a:br>
-            <a:r>
-              <a:rPr lang="en-CA" sz="2100" dirty="0"/>
-              <a:t/>
-            </a:r>
-            <a:br>
-              <a:rPr lang="en-CA" sz="2100" dirty="0"/>
-            </a:br>
-            <a:r>
-              <a:rPr lang="en-CA" sz="2100" dirty="0"/>
-              <a:t/>
-            </a:r>
-            <a:br>
-              <a:rPr lang="en-CA" sz="2100" dirty="0"/>
-            </a:br>
-            <a:r>
-              <a:rPr lang="en-CA" dirty="0"/>
-              <a:t/>
-            </a:r>
-            <a:br>
-              <a:rPr lang="en-CA" dirty="0"/>
-            </a:br>
-            <a:endParaRPr lang="en-CA" dirty="0"/>
-          </a:p>
-          <a:p>
             <a:endParaRPr lang="en-CA" dirty="0"/>
           </a:p>
         </p:txBody>
@@ -15720,7 +15678,7 @@
           <a:blip r:embed="rId2">
             <a:extLst>
               <a:ext uri="{837473B0-CC2E-450A-ABE3-18F120FF3D39}">
-                <a1611:picAttrSrcUrl xmlns="" xmlns:a1611="http://schemas.microsoft.com/office/drawing/2016/11/main" r:id="rId3"/>
+                <a1611:picAttrSrcUrl xmlns:a1611="http://schemas.microsoft.com/office/drawing/2016/11/main" r:id="rId3"/>
               </a:ext>
             </a:extLst>
           </a:blip>
@@ -15864,33 +15822,15 @@
                                   </p:childTnLst>
                                 </p:cTn>
                               </p:par>
-                            </p:childTnLst>
-                          </p:cTn>
-                        </p:par>
-                      </p:childTnLst>
-                    </p:cTn>
-                  </p:par>
-                  <p:par>
-                    <p:cTn id="11" fill="hold">
-                      <p:stCondLst>
-                        <p:cond delay="indefinite"/>
-                      </p:stCondLst>
-                      <p:childTnLst>
-                        <p:par>
-                          <p:cTn id="12" fill="hold">
-                            <p:stCondLst>
-                              <p:cond delay="0"/>
-                            </p:stCondLst>
-                            <p:childTnLst>
                               <p:par>
-                                <p:cTn id="13" presetID="1" presetClass="entr" presetSubtype="0" fill="hold" grpId="0" nodeType="clickEffect">
+                                <p:cTn id="11" presetID="1" presetClass="entr" presetSubtype="0" fill="hold" grpId="0" nodeType="withEffect">
                                   <p:stCondLst>
                                     <p:cond delay="0"/>
                                   </p:stCondLst>
                                   <p:childTnLst>
                                     <p:set>
                                       <p:cBhvr>
-                                        <p:cTn id="14" dur="1" fill="hold">
+                                        <p:cTn id="12" dur="1" fill="hold">
                                           <p:stCondLst>
                                             <p:cond delay="0"/>
                                           </p:stCondLst>
@@ -15920,26 +15860,26 @@
                     </p:cTn>
                   </p:par>
                   <p:par>
-                    <p:cTn id="15" fill="hold">
+                    <p:cTn id="13" fill="hold">
                       <p:stCondLst>
                         <p:cond delay="indefinite"/>
                       </p:stCondLst>
                       <p:childTnLst>
                         <p:par>
-                          <p:cTn id="16" fill="hold">
+                          <p:cTn id="14" fill="hold">
                             <p:stCondLst>
                               <p:cond delay="0"/>
                             </p:stCondLst>
                             <p:childTnLst>
                               <p:par>
-                                <p:cTn id="17" presetID="1" presetClass="entr" presetSubtype="0" fill="hold" grpId="0" nodeType="clickEffect">
+                                <p:cTn id="15" presetID="1" presetClass="entr" presetSubtype="0" fill="hold" grpId="0" nodeType="clickEffect">
                                   <p:stCondLst>
                                     <p:cond delay="0"/>
                                   </p:stCondLst>
                                   <p:childTnLst>
                                     <p:set>
                                       <p:cBhvr>
-                                        <p:cTn id="18" dur="1" fill="hold">
+                                        <p:cTn id="16" dur="1" fill="hold">
                                           <p:stCondLst>
                                             <p:cond delay="0"/>
                                           </p:stCondLst>
@@ -15969,26 +15909,26 @@
                     </p:cTn>
                   </p:par>
                   <p:par>
-                    <p:cTn id="19" fill="hold">
+                    <p:cTn id="17" fill="hold">
                       <p:stCondLst>
                         <p:cond delay="indefinite"/>
                       </p:stCondLst>
                       <p:childTnLst>
                         <p:par>
-                          <p:cTn id="20" fill="hold">
+                          <p:cTn id="18" fill="hold">
                             <p:stCondLst>
                               <p:cond delay="0"/>
                             </p:stCondLst>
                             <p:childTnLst>
                               <p:par>
-                                <p:cTn id="21" presetID="1" presetClass="entr" presetSubtype="0" fill="hold" grpId="0" nodeType="clickEffect">
+                                <p:cTn id="19" presetID="1" presetClass="entr" presetSubtype="0" fill="hold" grpId="0" nodeType="clickEffect">
                                   <p:stCondLst>
                                     <p:cond delay="0"/>
                                   </p:stCondLst>
                                   <p:childTnLst>
                                     <p:set>
                                       <p:cBhvr>
-                                        <p:cTn id="22" dur="1" fill="hold">
+                                        <p:cTn id="20" dur="1" fill="hold">
                                           <p:stCondLst>
                                             <p:cond delay="0"/>
                                           </p:stCondLst>
@@ -15997,6 +15937,86 @@
                                           <p:spTgt spid="3">
                                             <p:txEl>
                                               <p:pRg st="5" end="5"/>
+                                            </p:txEl>
+                                          </p:spTgt>
+                                        </p:tgtEl>
+                                        <p:attrNameLst>
+                                          <p:attrName>style.visibility</p:attrName>
+                                        </p:attrNameLst>
+                                      </p:cBhvr>
+                                      <p:to>
+                                        <p:strVal val="visible"/>
+                                      </p:to>
+                                    </p:set>
+                                  </p:childTnLst>
+                                </p:cTn>
+                              </p:par>
+                            </p:childTnLst>
+                          </p:cTn>
+                        </p:par>
+                      </p:childTnLst>
+                    </p:cTn>
+                  </p:par>
+                  <p:par>
+                    <p:cTn id="21" fill="hold">
+                      <p:stCondLst>
+                        <p:cond delay="indefinite"/>
+                      </p:stCondLst>
+                      <p:childTnLst>
+                        <p:par>
+                          <p:cTn id="22" fill="hold">
+                            <p:stCondLst>
+                              <p:cond delay="0"/>
+                            </p:stCondLst>
+                            <p:childTnLst>
+                              <p:par>
+                                <p:cTn id="23" presetID="1" presetClass="entr" presetSubtype="0" fill="hold" grpId="0" nodeType="clickEffect">
+                                  <p:stCondLst>
+                                    <p:cond delay="0"/>
+                                  </p:stCondLst>
+                                  <p:childTnLst>
+                                    <p:set>
+                                      <p:cBhvr>
+                                        <p:cTn id="24" dur="1" fill="hold">
+                                          <p:stCondLst>
+                                            <p:cond delay="0"/>
+                                          </p:stCondLst>
+                                        </p:cTn>
+                                        <p:tgtEl>
+                                          <p:spTgt spid="3">
+                                            <p:txEl>
+                                              <p:pRg st="6" end="6"/>
+                                            </p:txEl>
+                                          </p:spTgt>
+                                        </p:tgtEl>
+                                        <p:attrNameLst>
+                                          <p:attrName>style.visibility</p:attrName>
+                                        </p:attrNameLst>
+                                      </p:cBhvr>
+                                      <p:to>
+                                        <p:strVal val="visible"/>
+                                      </p:to>
+                                    </p:set>
+                                  </p:childTnLst>
+                                </p:cTn>
+                              </p:par>
+                              <p:par>
+                                <p:cTn id="25" presetID="1" presetClass="entr" presetSubtype="0" fill="hold" grpId="0" nodeType="withEffect">
+                                  <p:stCondLst>
+                                    <p:cond delay="0"/>
+                                  </p:stCondLst>
+                                  <p:childTnLst>
+                                    <p:set>
+                                      <p:cBhvr>
+                                        <p:cTn id="26" dur="1" fill="hold">
+                                          <p:stCondLst>
+                                            <p:cond delay="0"/>
+                                          </p:stCondLst>
+                                        </p:cTn>
+                                        <p:tgtEl>
+                                          <p:spTgt spid="3">
+                                            <p:txEl>
+                                              <p:pRg st="7" end="7"/>
                                             </p:txEl>
                                           </p:spTgt>
                                         </p:tgtEl>
@@ -16121,7 +16141,7 @@
         </p:spPr>
         <p:txBody>
           <a:bodyPr>
-            <a:normAutofit fontScale="92500" lnSpcReduction="10000"/>
+            <a:normAutofit/>
           </a:bodyPr>
           <a:lstStyle/>
           <a:p>
@@ -16132,20 +16152,11 @@
               <a:rPr lang="en-CA" sz="2400" b="1" dirty="0"/>
               <a:t>Example 1</a:t>
             </a:r>
-            <a:r>
-              <a:rPr lang="en-CA" dirty="0"/>
-              <a:t/>
-            </a:r>
-            <a:br>
-              <a:rPr lang="en-CA" dirty="0"/>
-            </a:br>
-            <a:r>
-              <a:rPr lang="en-CA" dirty="0"/>
-              <a:t/>
-            </a:r>
-            <a:br>
-              <a:rPr lang="en-CA" dirty="0"/>
-            </a:br>
+          </a:p>
+          <a:p>
+            <a:pPr marL="0" indent="0">
+              <a:buNone/>
+            </a:pPr>
             <a:r>
               <a:rPr lang="en-CA" sz="1400" b="1" dirty="0">
                 <a:latin typeface="Courier New" panose="02070309020205020404" pitchFamily="49" charset="0"/>
@@ -16212,40 +16223,6 @@
             <a:pPr marL="0" indent="0">
               <a:buNone/>
             </a:pPr>
-            <a:r>
-              <a:rPr lang="en-CA" sz="1400" dirty="0">
-                <a:latin typeface="Courier New" panose="02070309020205020404" pitchFamily="49" charset="0"/>
-                <a:cs typeface="Courier New" panose="02070309020205020404" pitchFamily="49" charset="0"/>
-              </a:rPr>
-              <a:t/>
-            </a:r>
-            <a:br>
-              <a:rPr lang="en-CA" sz="1400" dirty="0">
-                <a:latin typeface="Courier New" panose="02070309020205020404" pitchFamily="49" charset="0"/>
-                <a:cs typeface="Courier New" panose="02070309020205020404" pitchFamily="49" charset="0"/>
-              </a:rPr>
-            </a:br>
-            <a:r>
-              <a:rPr lang="en-CA" sz="1400" b="1" dirty="0" err="1">
-                <a:latin typeface="Courier New" panose="02070309020205020404" pitchFamily="49" charset="0"/>
-                <a:cs typeface="Courier New" panose="02070309020205020404" pitchFamily="49" charset="0"/>
-              </a:rPr>
-              <a:t>awk</a:t>
-            </a:r>
-            <a:r>
-              <a:rPr lang="en-CA" sz="1400" b="1" dirty="0">
-                <a:latin typeface="Courier New" panose="02070309020205020404" pitchFamily="49" charset="0"/>
-                <a:cs typeface="Courier New" panose="02070309020205020404" pitchFamily="49" charset="0"/>
-              </a:rPr>
-              <a:t> '{print}' </a:t>
-            </a:r>
-            <a:r>
-              <a:rPr lang="en-CA" sz="1400" b="1" dirty="0" err="1">
-                <a:latin typeface="Courier New" panose="02070309020205020404" pitchFamily="49" charset="0"/>
-                <a:cs typeface="Courier New" panose="02070309020205020404" pitchFamily="49" charset="0"/>
-              </a:rPr>
-              <a:t>data.txt</a:t>
-            </a:r>
             <a:endParaRPr lang="en-CA" sz="1400" b="1" dirty="0">
               <a:latin typeface="Courier New" panose="02070309020205020404" pitchFamily="49" charset="0"/>
               <a:cs typeface="Courier New" panose="02070309020205020404" pitchFamily="49" charset="0"/>
@@ -16256,6 +16233,29 @@
               <a:buNone/>
             </a:pPr>
             <a:r>
+              <a:rPr lang="en-CA" sz="1400" b="1" dirty="0">
+                <a:latin typeface="Courier New" panose="02070309020205020404" pitchFamily="49" charset="0"/>
+                <a:cs typeface="Courier New" panose="02070309020205020404" pitchFamily="49" charset="0"/>
+              </a:rPr>
+              <a:t>awk '{print}' </a:t>
+            </a:r>
+            <a:r>
+              <a:rPr lang="en-CA" sz="1400" b="1" dirty="0" err="1">
+                <a:latin typeface="Courier New" panose="02070309020205020404" pitchFamily="49" charset="0"/>
+                <a:cs typeface="Courier New" panose="02070309020205020404" pitchFamily="49" charset="0"/>
+              </a:rPr>
+              <a:t>data.txt</a:t>
+            </a:r>
+            <a:endParaRPr lang="en-CA" sz="1400" b="1" dirty="0">
+              <a:latin typeface="Courier New" panose="02070309020205020404" pitchFamily="49" charset="0"/>
+              <a:cs typeface="Courier New" panose="02070309020205020404" pitchFamily="49" charset="0"/>
+            </a:endParaRPr>
+          </a:p>
+          <a:p>
+            <a:pPr marL="0" indent="0">
+              <a:buNone/>
+            </a:pPr>
+            <a:r>
               <a:rPr lang="en-CA" sz="1400" dirty="0">
                 <a:latin typeface="Courier New" panose="02070309020205020404" pitchFamily="49" charset="0"/>
                 <a:cs typeface="Courier New" panose="02070309020205020404" pitchFamily="49" charset="0"/>
@@ -16293,60 +16293,6 @@
               </a:rPr>
               <a:t> Mark professor</a:t>
             </a:r>
-            <a:br>
-              <a:rPr lang="en-CA" sz="1400" dirty="0">
-                <a:latin typeface="Courier New" panose="02070309020205020404" pitchFamily="49" charset="0"/>
-                <a:cs typeface="Courier New" panose="02070309020205020404" pitchFamily="49" charset="0"/>
-              </a:rPr>
-            </a:br>
-            <a:r>
-              <a:rPr lang="en-CA" sz="1400" dirty="0">
-                <a:latin typeface="Courier New" panose="02070309020205020404" pitchFamily="49" charset="0"/>
-                <a:cs typeface="Courier New" panose="02070309020205020404" pitchFamily="49" charset="0"/>
-              </a:rPr>
-              <a:t/>
-            </a:r>
-            <a:br>
-              <a:rPr lang="en-CA" sz="1400" dirty="0">
-                <a:latin typeface="Courier New" panose="02070309020205020404" pitchFamily="49" charset="0"/>
-                <a:cs typeface="Courier New" panose="02070309020205020404" pitchFamily="49" charset="0"/>
-              </a:rPr>
-            </a:br>
-            <a:r>
-              <a:rPr lang="en-CA" sz="1400" dirty="0">
-                <a:latin typeface="Courier New" panose="02070309020205020404" pitchFamily="49" charset="0"/>
-                <a:cs typeface="Courier New" panose="02070309020205020404" pitchFamily="49" charset="0"/>
-              </a:rPr>
-              <a:t/>
-            </a:r>
-            <a:br>
-              <a:rPr lang="en-CA" sz="1400" dirty="0">
-                <a:latin typeface="Courier New" panose="02070309020205020404" pitchFamily="49" charset="0"/>
-                <a:cs typeface="Courier New" panose="02070309020205020404" pitchFamily="49" charset="0"/>
-              </a:rPr>
-            </a:br>
-            <a:r>
-              <a:rPr lang="en-CA" sz="1400" dirty="0">
-                <a:latin typeface="Courier New" panose="02070309020205020404" pitchFamily="49" charset="0"/>
-                <a:cs typeface="Courier New" panose="02070309020205020404" pitchFamily="49" charset="0"/>
-              </a:rPr>
-              <a:t/>
-            </a:r>
-            <a:br>
-              <a:rPr lang="en-CA" sz="1400" dirty="0">
-                <a:latin typeface="Courier New" panose="02070309020205020404" pitchFamily="49" charset="0"/>
-                <a:cs typeface="Courier New" panose="02070309020205020404" pitchFamily="49" charset="0"/>
-              </a:rPr>
-            </a:br>
-            <a:endParaRPr lang="en-CA" sz="1400" dirty="0">
-              <a:latin typeface="Courier New" panose="02070309020205020404" pitchFamily="49" charset="0"/>
-              <a:cs typeface="Courier New" panose="02070309020205020404" pitchFamily="49" charset="0"/>
-            </a:endParaRPr>
-          </a:p>
-          <a:p>
-            <a:pPr marL="0" indent="0">
-              <a:buNone/>
-            </a:pPr>
             <a:endParaRPr lang="en-CA" dirty="0"/>
           </a:p>
         </p:txBody>
@@ -16465,7 +16411,7 @@
           <a:blip r:embed="rId2">
             <a:extLst>
               <a:ext uri="{837473B0-CC2E-450A-ABE3-18F120FF3D39}">
-                <a1611:picAttrSrcUrl xmlns="" xmlns:a1611="http://schemas.microsoft.com/office/drawing/2016/11/main" r:id="rId3"/>
+                <a1611:picAttrSrcUrl xmlns:a1611="http://schemas.microsoft.com/office/drawing/2016/11/main" r:id="rId3"/>
               </a:ext>
             </a:extLst>
           </a:blip>
@@ -16687,7 +16633,7 @@
                                         <p:tgtEl>
                                           <p:spTgt spid="3">
                                             <p:txEl>
-                                              <p:pRg st="5" end="5"/>
+                                              <p:pRg st="6" end="6"/>
                                             </p:txEl>
                                           </p:spTgt>
                                         </p:tgtEl>
@@ -16718,7 +16664,7 @@
                                         <p:tgtEl>
                                           <p:spTgt spid="3">
                                             <p:txEl>
-                                              <p:pRg st="6" end="6"/>
+                                              <p:pRg st="7" end="7"/>
                                             </p:txEl>
                                           </p:spTgt>
                                         </p:tgtEl>
@@ -16749,7 +16695,38 @@
                                         <p:tgtEl>
                                           <p:spTgt spid="3">
                                             <p:txEl>
-                                              <p:pRg st="7" end="7"/>
+                                              <p:pRg st="8" end="8"/>
+                                            </p:txEl>
+                                          </p:spTgt>
+                                        </p:tgtEl>
+                                        <p:attrNameLst>
+                                          <p:attrName>style.visibility</p:attrName>
+                                        </p:attrNameLst>
+                                      </p:cBhvr>
+                                      <p:to>
+                                        <p:strVal val="visible"/>
+                                      </p:to>
+                                    </p:set>
+                                  </p:childTnLst>
+                                </p:cTn>
+                              </p:par>
+                              <p:par>
+                                <p:cTn id="21" presetID="1" presetClass="entr" presetSubtype="0" fill="hold" grpId="0" nodeType="withEffect">
+                                  <p:stCondLst>
+                                    <p:cond delay="0"/>
+                                  </p:stCondLst>
+                                  <p:childTnLst>
+                                    <p:set>
+                                      <p:cBhvr>
+                                        <p:cTn id="22" dur="1" fill="hold">
+                                          <p:stCondLst>
+                                            <p:cond delay="0"/>
+                                          </p:stCondLst>
+                                        </p:cTn>
+                                        <p:tgtEl>
+                                          <p:spTgt spid="3">
+                                            <p:txEl>
+                                              <p:pRg st="9" end="9"/>
                                             </p:txEl>
                                           </p:spTgt>
                                         </p:tgtEl>
@@ -16771,26 +16748,26 @@
                     </p:cTn>
                   </p:par>
                   <p:par>
-                    <p:cTn id="21" fill="hold">
+                    <p:cTn id="23" fill="hold">
                       <p:stCondLst>
                         <p:cond delay="indefinite"/>
                       </p:stCondLst>
                       <p:childTnLst>
                         <p:par>
-                          <p:cTn id="22" fill="hold">
+                          <p:cTn id="24" fill="hold">
                             <p:stCondLst>
                               <p:cond delay="0"/>
                             </p:stCondLst>
                             <p:childTnLst>
                               <p:par>
-                                <p:cTn id="23" presetID="1" presetClass="entr" presetSubtype="0" fill="hold" nodeType="clickEffect">
+                                <p:cTn id="25" presetID="1" presetClass="entr" presetSubtype="0" fill="hold" nodeType="clickEffect">
                                   <p:stCondLst>
                                     <p:cond delay="0"/>
                                   </p:stCondLst>
                                   <p:childTnLst>
                                     <p:set>
                                       <p:cBhvr>
-                                        <p:cTn id="24" dur="1" fill="hold">
+                                        <p:cTn id="26" dur="1" fill="hold">
                                           <p:stCondLst>
                                             <p:cond delay="0"/>
                                           </p:stCondLst>
@@ -16810,14 +16787,14 @@
                                 </p:cTn>
                               </p:par>
                               <p:par>
-                                <p:cTn id="25" presetID="1" presetClass="entr" presetSubtype="0" fill="hold" grpId="0" nodeType="withEffect">
+                                <p:cTn id="27" presetID="1" presetClass="entr" presetSubtype="0" fill="hold" grpId="0" nodeType="withEffect">
                                   <p:stCondLst>
                                     <p:cond delay="0"/>
                                   </p:stCondLst>
                                   <p:childTnLst>
                                     <p:set>
                                       <p:cBhvr>
-                                        <p:cTn id="26" dur="1" fill="hold">
+                                        <p:cTn id="28" dur="1" fill="hold">
                                           <p:stCondLst>
                                             <p:cond delay="0"/>
                                           </p:stCondLst>
@@ -16958,20 +16935,11 @@
               <a:rPr lang="en-CA" sz="2400" b="1" dirty="0"/>
               <a:t>Example 2</a:t>
             </a:r>
-            <a:r>
-              <a:rPr lang="en-CA" dirty="0"/>
-              <a:t/>
-            </a:r>
-            <a:br>
-              <a:rPr lang="en-CA" dirty="0"/>
-            </a:br>
-            <a:r>
-              <a:rPr lang="en-CA" dirty="0"/>
-              <a:t/>
-            </a:r>
-            <a:br>
-              <a:rPr lang="en-CA" dirty="0"/>
-            </a:br>
+          </a:p>
+          <a:p>
+            <a:pPr marL="0" indent="0">
+              <a:buNone/>
+            </a:pPr>
             <a:r>
               <a:rPr lang="en-CA" sz="1400" b="1" dirty="0">
                 <a:latin typeface="Courier New" panose="02070309020205020404" pitchFamily="49" charset="0"/>
@@ -17038,40 +17006,6 @@
             <a:pPr marL="0" indent="0">
               <a:buNone/>
             </a:pPr>
-            <a:r>
-              <a:rPr lang="en-CA" sz="1400" dirty="0">
-                <a:latin typeface="Courier New" panose="02070309020205020404" pitchFamily="49" charset="0"/>
-                <a:cs typeface="Courier New" panose="02070309020205020404" pitchFamily="49" charset="0"/>
-              </a:rPr>
-              <a:t/>
-            </a:r>
-            <a:br>
-              <a:rPr lang="en-CA" sz="1400" dirty="0">
-                <a:latin typeface="Courier New" panose="02070309020205020404" pitchFamily="49" charset="0"/>
-                <a:cs typeface="Courier New" panose="02070309020205020404" pitchFamily="49" charset="0"/>
-              </a:rPr>
-            </a:br>
-            <a:r>
-              <a:rPr lang="en-CA" sz="1400" b="1" dirty="0" err="1">
-                <a:latin typeface="Courier New" panose="02070309020205020404" pitchFamily="49" charset="0"/>
-                <a:cs typeface="Courier New" panose="02070309020205020404" pitchFamily="49" charset="0"/>
-              </a:rPr>
-              <a:t>awk</a:t>
-            </a:r>
-            <a:r>
-              <a:rPr lang="en-CA" sz="1400" b="1" dirty="0">
-                <a:latin typeface="Courier New" panose="02070309020205020404" pitchFamily="49" charset="0"/>
-                <a:cs typeface="Courier New" panose="02070309020205020404" pitchFamily="49" charset="0"/>
-              </a:rPr>
-              <a:t> '/^[F-Z]/ {print}' </a:t>
-            </a:r>
-            <a:r>
-              <a:rPr lang="en-CA" sz="1400" b="1" dirty="0" err="1">
-                <a:latin typeface="Courier New" panose="02070309020205020404" pitchFamily="49" charset="0"/>
-                <a:cs typeface="Courier New" panose="02070309020205020404" pitchFamily="49" charset="0"/>
-              </a:rPr>
-              <a:t>data.txt</a:t>
-            </a:r>
             <a:endParaRPr lang="en-CA" sz="1400" b="1" dirty="0">
               <a:latin typeface="Courier New" panose="02070309020205020404" pitchFamily="49" charset="0"/>
               <a:cs typeface="Courier New" panose="02070309020205020404" pitchFamily="49" charset="0"/>
@@ -17082,6 +17016,29 @@
               <a:buNone/>
             </a:pPr>
             <a:r>
+              <a:rPr lang="en-CA" sz="1400" b="1" dirty="0">
+                <a:latin typeface="Courier New" panose="02070309020205020404" pitchFamily="49" charset="0"/>
+                <a:cs typeface="Courier New" panose="02070309020205020404" pitchFamily="49" charset="0"/>
+              </a:rPr>
+              <a:t>awk '/^[F-Z]/ {print}' </a:t>
+            </a:r>
+            <a:r>
+              <a:rPr lang="en-CA" sz="1400" b="1" dirty="0" err="1">
+                <a:latin typeface="Courier New" panose="02070309020205020404" pitchFamily="49" charset="0"/>
+                <a:cs typeface="Courier New" panose="02070309020205020404" pitchFamily="49" charset="0"/>
+              </a:rPr>
+              <a:t>data.txt</a:t>
+            </a:r>
+            <a:endParaRPr lang="en-CA" sz="1400" b="1" dirty="0">
+              <a:latin typeface="Courier New" panose="02070309020205020404" pitchFamily="49" charset="0"/>
+              <a:cs typeface="Courier New" panose="02070309020205020404" pitchFamily="49" charset="0"/>
+            </a:endParaRPr>
+          </a:p>
+          <a:p>
+            <a:pPr marL="0" indent="0">
+              <a:buNone/>
+            </a:pPr>
+            <a:r>
               <a:rPr lang="en-CA" sz="1400" dirty="0">
                 <a:latin typeface="Courier New" panose="02070309020205020404" pitchFamily="49" charset="0"/>
                 <a:cs typeface="Courier New" panose="02070309020205020404" pitchFamily="49" charset="0"/>
@@ -17107,11 +17064,6 @@
               </a:rPr>
               <a:t> Mark professor</a:t>
             </a:r>
-          </a:p>
-          <a:p>
-            <a:pPr marL="0" indent="0">
-              <a:buNone/>
-            </a:pPr>
             <a:endParaRPr lang="en-CA" dirty="0"/>
           </a:p>
         </p:txBody>
@@ -17130,7 +17082,7 @@
         </p:nvSpPr>
         <p:spPr>
           <a:xfrm>
-            <a:off x="6828681" y="4645326"/>
+            <a:off x="6408268" y="4348349"/>
             <a:ext cx="3725333" cy="1815882"/>
           </a:xfrm>
           <a:prstGeom prst="rect">
@@ -17154,10 +17106,6 @@
             <a:br>
               <a:rPr lang="en-CA" sz="1600" dirty="0"/>
             </a:br>
-            <a:r>
-              <a:rPr lang="en-CA" sz="1600" dirty="0"/>
-              <a:t/>
-            </a:r>
             <a:br>
               <a:rPr lang="en-CA" sz="1600" dirty="0"/>
             </a:br>
@@ -17228,7 +17176,7 @@
           <a:blip r:embed="rId2">
             <a:extLst>
               <a:ext uri="{837473B0-CC2E-450A-ABE3-18F120FF3D39}">
-                <a1611:picAttrSrcUrl xmlns="" xmlns:a1611="http://schemas.microsoft.com/office/drawing/2016/11/main" r:id="rId3"/>
+                <a1611:picAttrSrcUrl xmlns:a1611="http://schemas.microsoft.com/office/drawing/2016/11/main" r:id="rId3"/>
               </a:ext>
             </a:extLst>
           </a:blip>
@@ -17450,7 +17398,7 @@
                                         <p:tgtEl>
                                           <p:spTgt spid="3">
                                             <p:txEl>
-                                              <p:pRg st="5" end="5"/>
+                                              <p:pRg st="6" end="6"/>
                                             </p:txEl>
                                           </p:spTgt>
                                         </p:tgtEl>
@@ -17481,7 +17429,38 @@
                                         <p:tgtEl>
                                           <p:spTgt spid="3">
                                             <p:txEl>
-                                              <p:pRg st="6" end="6"/>
+                                              <p:pRg st="7" end="7"/>
+                                            </p:txEl>
+                                          </p:spTgt>
+                                        </p:tgtEl>
+                                        <p:attrNameLst>
+                                          <p:attrName>style.visibility</p:attrName>
+                                        </p:attrNameLst>
+                                      </p:cBhvr>
+                                      <p:to>
+                                        <p:strVal val="visible"/>
+                                      </p:to>
+                                    </p:set>
+                                  </p:childTnLst>
+                                </p:cTn>
+                              </p:par>
+                              <p:par>
+                                <p:cTn id="19" presetID="1" presetClass="entr" presetSubtype="0" fill="hold" grpId="0" nodeType="withEffect">
+                                  <p:stCondLst>
+                                    <p:cond delay="0"/>
+                                  </p:stCondLst>
+                                  <p:childTnLst>
+                                    <p:set>
+                                      <p:cBhvr>
+                                        <p:cTn id="20" dur="1" fill="hold">
+                                          <p:stCondLst>
+                                            <p:cond delay="0"/>
+                                          </p:stCondLst>
+                                        </p:cTn>
+                                        <p:tgtEl>
+                                          <p:spTgt spid="3">
+                                            <p:txEl>
+                                              <p:pRg st="8" end="8"/>
                                             </p:txEl>
                                           </p:spTgt>
                                         </p:tgtEl>
@@ -17503,26 +17482,26 @@
                     </p:cTn>
                   </p:par>
                   <p:par>
-                    <p:cTn id="19" fill="hold">
+                    <p:cTn id="21" fill="hold">
                       <p:stCondLst>
                         <p:cond delay="indefinite"/>
                       </p:stCondLst>
                       <p:childTnLst>
                         <p:par>
-                          <p:cTn id="20" fill="hold">
+                          <p:cTn id="22" fill="hold">
                             <p:stCondLst>
                               <p:cond delay="0"/>
                             </p:stCondLst>
                             <p:childTnLst>
                               <p:par>
-                                <p:cTn id="21" presetID="1" presetClass="entr" presetSubtype="0" fill="hold" nodeType="clickEffect">
+                                <p:cTn id="23" presetID="1" presetClass="entr" presetSubtype="0" fill="hold" nodeType="clickEffect">
                                   <p:stCondLst>
                                     <p:cond delay="0"/>
                                   </p:stCondLst>
                                   <p:childTnLst>
                                     <p:set>
                                       <p:cBhvr>
-                                        <p:cTn id="22" dur="1" fill="hold">
+                                        <p:cTn id="24" dur="1" fill="hold">
                                           <p:stCondLst>
                                             <p:cond delay="0"/>
                                           </p:stCondLst>
@@ -17542,14 +17521,14 @@
                                 </p:cTn>
                               </p:par>
                               <p:par>
-                                <p:cTn id="23" presetID="1" presetClass="entr" presetSubtype="0" fill="hold" grpId="0" nodeType="withEffect">
+                                <p:cTn id="25" presetID="1" presetClass="entr" presetSubtype="0" fill="hold" grpId="0" nodeType="withEffect">
                                   <p:stCondLst>
                                     <p:cond delay="0"/>
                                   </p:stCondLst>
                                   <p:childTnLst>
                                     <p:set>
                                       <p:cBhvr>
-                                        <p:cTn id="24" dur="1" fill="hold">
+                                        <p:cTn id="26" dur="1" fill="hold">
                                           <p:stCondLst>
                                             <p:cond delay="0"/>
                                           </p:stCondLst>
